--- a/前端培训课件/BOM 浏览器对象模型.pptx
+++ b/前端培训课件/BOM 浏览器对象模型.pptx
@@ -66,17 +66,17 @@
           <a:noFill/>
         </a:ln>
         <a:solidFill>
-          <a:srgbClr val="838787"/>
+          <a:srgbClr val="222222"/>
         </a:solidFill>
         <a:effectLst/>
         <a:uFillTx/>
-        <a:latin typeface="Avenir Next Medium"/>
-        <a:ea typeface="Avenir Next Medium"/>
-        <a:cs typeface="Avenir Next Medium"/>
-        <a:sym typeface="Avenir Next Medium"/>
+        <a:latin typeface="Baskerville"/>
+        <a:ea typeface="Baskerville"/>
+        <a:cs typeface="Baskerville"/>
+        <a:sym typeface="Baskerville"/>
       </a:defRPr>
     </a:lvl1pPr>
-    <a:lvl2pPr marL="0" marR="0" indent="228600" algn="l" defTabSz="584200" rtl="0" fontAlgn="auto" latinLnBrk="0" hangingPunct="0">
+    <a:lvl2pPr marL="0" marR="0" indent="0" algn="l" defTabSz="584200" rtl="0" fontAlgn="auto" latinLnBrk="0" hangingPunct="0">
       <a:lnSpc>
         <a:spcPct val="100000"/>
       </a:lnSpc>
@@ -96,17 +96,17 @@
           <a:noFill/>
         </a:ln>
         <a:solidFill>
-          <a:srgbClr val="838787"/>
+          <a:srgbClr val="222222"/>
         </a:solidFill>
         <a:effectLst/>
         <a:uFillTx/>
-        <a:latin typeface="Avenir Next Medium"/>
-        <a:ea typeface="Avenir Next Medium"/>
-        <a:cs typeface="Avenir Next Medium"/>
-        <a:sym typeface="Avenir Next Medium"/>
+        <a:latin typeface="Baskerville"/>
+        <a:ea typeface="Baskerville"/>
+        <a:cs typeface="Baskerville"/>
+        <a:sym typeface="Baskerville"/>
       </a:defRPr>
     </a:lvl2pPr>
-    <a:lvl3pPr marL="0" marR="0" indent="457200" algn="l" defTabSz="584200" rtl="0" fontAlgn="auto" latinLnBrk="0" hangingPunct="0">
+    <a:lvl3pPr marL="0" marR="0" indent="0" algn="l" defTabSz="584200" rtl="0" fontAlgn="auto" latinLnBrk="0" hangingPunct="0">
       <a:lnSpc>
         <a:spcPct val="100000"/>
       </a:lnSpc>
@@ -126,17 +126,17 @@
           <a:noFill/>
         </a:ln>
         <a:solidFill>
-          <a:srgbClr val="838787"/>
+          <a:srgbClr val="222222"/>
         </a:solidFill>
         <a:effectLst/>
         <a:uFillTx/>
-        <a:latin typeface="Avenir Next Medium"/>
-        <a:ea typeface="Avenir Next Medium"/>
-        <a:cs typeface="Avenir Next Medium"/>
-        <a:sym typeface="Avenir Next Medium"/>
+        <a:latin typeface="Baskerville"/>
+        <a:ea typeface="Baskerville"/>
+        <a:cs typeface="Baskerville"/>
+        <a:sym typeface="Baskerville"/>
       </a:defRPr>
     </a:lvl3pPr>
-    <a:lvl4pPr marL="0" marR="0" indent="685800" algn="l" defTabSz="584200" rtl="0" fontAlgn="auto" latinLnBrk="0" hangingPunct="0">
+    <a:lvl4pPr marL="0" marR="0" indent="0" algn="l" defTabSz="584200" rtl="0" fontAlgn="auto" latinLnBrk="0" hangingPunct="0">
       <a:lnSpc>
         <a:spcPct val="100000"/>
       </a:lnSpc>
@@ -156,17 +156,17 @@
           <a:noFill/>
         </a:ln>
         <a:solidFill>
-          <a:srgbClr val="838787"/>
+          <a:srgbClr val="222222"/>
         </a:solidFill>
         <a:effectLst/>
         <a:uFillTx/>
-        <a:latin typeface="Avenir Next Medium"/>
-        <a:ea typeface="Avenir Next Medium"/>
-        <a:cs typeface="Avenir Next Medium"/>
-        <a:sym typeface="Avenir Next Medium"/>
+        <a:latin typeface="Baskerville"/>
+        <a:ea typeface="Baskerville"/>
+        <a:cs typeface="Baskerville"/>
+        <a:sym typeface="Baskerville"/>
       </a:defRPr>
     </a:lvl4pPr>
-    <a:lvl5pPr marL="0" marR="0" indent="914400" algn="l" defTabSz="584200" rtl="0" fontAlgn="auto" latinLnBrk="0" hangingPunct="0">
+    <a:lvl5pPr marL="0" marR="0" indent="0" algn="l" defTabSz="584200" rtl="0" fontAlgn="auto" latinLnBrk="0" hangingPunct="0">
       <a:lnSpc>
         <a:spcPct val="100000"/>
       </a:lnSpc>
@@ -186,17 +186,17 @@
           <a:noFill/>
         </a:ln>
         <a:solidFill>
-          <a:srgbClr val="838787"/>
+          <a:srgbClr val="222222"/>
         </a:solidFill>
         <a:effectLst/>
         <a:uFillTx/>
-        <a:latin typeface="Avenir Next Medium"/>
-        <a:ea typeface="Avenir Next Medium"/>
-        <a:cs typeface="Avenir Next Medium"/>
-        <a:sym typeface="Avenir Next Medium"/>
+        <a:latin typeface="Baskerville"/>
+        <a:ea typeface="Baskerville"/>
+        <a:cs typeface="Baskerville"/>
+        <a:sym typeface="Baskerville"/>
       </a:defRPr>
     </a:lvl5pPr>
-    <a:lvl6pPr marL="0" marR="0" indent="1143000" algn="l" defTabSz="584200" rtl="0" fontAlgn="auto" latinLnBrk="0" hangingPunct="0">
+    <a:lvl6pPr marL="0" marR="0" indent="0" algn="l" defTabSz="584200" rtl="0" fontAlgn="auto" latinLnBrk="0" hangingPunct="0">
       <a:lnSpc>
         <a:spcPct val="100000"/>
       </a:lnSpc>
@@ -216,17 +216,17 @@
           <a:noFill/>
         </a:ln>
         <a:solidFill>
-          <a:srgbClr val="838787"/>
+          <a:srgbClr val="222222"/>
         </a:solidFill>
         <a:effectLst/>
         <a:uFillTx/>
-        <a:latin typeface="Avenir Next Medium"/>
-        <a:ea typeface="Avenir Next Medium"/>
-        <a:cs typeface="Avenir Next Medium"/>
-        <a:sym typeface="Avenir Next Medium"/>
+        <a:latin typeface="Baskerville"/>
+        <a:ea typeface="Baskerville"/>
+        <a:cs typeface="Baskerville"/>
+        <a:sym typeface="Baskerville"/>
       </a:defRPr>
     </a:lvl6pPr>
-    <a:lvl7pPr marL="0" marR="0" indent="1371600" algn="l" defTabSz="584200" rtl="0" fontAlgn="auto" latinLnBrk="0" hangingPunct="0">
+    <a:lvl7pPr marL="0" marR="0" indent="0" algn="l" defTabSz="584200" rtl="0" fontAlgn="auto" latinLnBrk="0" hangingPunct="0">
       <a:lnSpc>
         <a:spcPct val="100000"/>
       </a:lnSpc>
@@ -246,17 +246,17 @@
           <a:noFill/>
         </a:ln>
         <a:solidFill>
-          <a:srgbClr val="838787"/>
+          <a:srgbClr val="222222"/>
         </a:solidFill>
         <a:effectLst/>
         <a:uFillTx/>
-        <a:latin typeface="Avenir Next Medium"/>
-        <a:ea typeface="Avenir Next Medium"/>
-        <a:cs typeface="Avenir Next Medium"/>
-        <a:sym typeface="Avenir Next Medium"/>
+        <a:latin typeface="Baskerville"/>
+        <a:ea typeface="Baskerville"/>
+        <a:cs typeface="Baskerville"/>
+        <a:sym typeface="Baskerville"/>
       </a:defRPr>
     </a:lvl7pPr>
-    <a:lvl8pPr marL="0" marR="0" indent="1600200" algn="l" defTabSz="584200" rtl="0" fontAlgn="auto" latinLnBrk="0" hangingPunct="0">
+    <a:lvl8pPr marL="0" marR="0" indent="0" algn="l" defTabSz="584200" rtl="0" fontAlgn="auto" latinLnBrk="0" hangingPunct="0">
       <a:lnSpc>
         <a:spcPct val="100000"/>
       </a:lnSpc>
@@ -276,17 +276,17 @@
           <a:noFill/>
         </a:ln>
         <a:solidFill>
-          <a:srgbClr val="838787"/>
+          <a:srgbClr val="222222"/>
         </a:solidFill>
         <a:effectLst/>
         <a:uFillTx/>
-        <a:latin typeface="Avenir Next Medium"/>
-        <a:ea typeface="Avenir Next Medium"/>
-        <a:cs typeface="Avenir Next Medium"/>
-        <a:sym typeface="Avenir Next Medium"/>
+        <a:latin typeface="Baskerville"/>
+        <a:ea typeface="Baskerville"/>
+        <a:cs typeface="Baskerville"/>
+        <a:sym typeface="Baskerville"/>
       </a:defRPr>
     </a:lvl8pPr>
-    <a:lvl9pPr marL="0" marR="0" indent="1828800" algn="l" defTabSz="584200" rtl="0" fontAlgn="auto" latinLnBrk="0" hangingPunct="0">
+    <a:lvl9pPr marL="0" marR="0" indent="0" algn="l" defTabSz="584200" rtl="0" fontAlgn="auto" latinLnBrk="0" hangingPunct="0">
       <a:lnSpc>
         <a:spcPct val="100000"/>
       </a:lnSpc>
@@ -306,14 +306,14 @@
           <a:noFill/>
         </a:ln>
         <a:solidFill>
-          <a:srgbClr val="838787"/>
+          <a:srgbClr val="222222"/>
         </a:solidFill>
         <a:effectLst/>
         <a:uFillTx/>
-        <a:latin typeface="Avenir Next Medium"/>
-        <a:ea typeface="Avenir Next Medium"/>
-        <a:cs typeface="Avenir Next Medium"/>
-        <a:sym typeface="Avenir Next Medium"/>
+        <a:latin typeface="Baskerville"/>
+        <a:ea typeface="Baskerville"/>
+        <a:cs typeface="Baskerville"/>
+        <a:sym typeface="Baskerville"/>
       </a:defRPr>
     </a:lvl9pPr>
   </p:defaultTextStyle>
@@ -343,7 +343,7 @@
       </p:grpSpPr>
       <p:sp>
         <p:nvSpPr>
-          <p:cNvPr id="163" name="Shape 163"/>
+          <p:cNvPr id="167" name="Shape 167"/>
           <p:cNvSpPr/>
           <p:nvPr>
             <p:ph type="sldImg"/>
@@ -368,7 +368,7 @@
       </p:sp>
       <p:sp>
         <p:nvSpPr>
-          <p:cNvPr id="164" name="Shape 164"/>
+          <p:cNvPr id="168" name="Shape 168"/>
           <p:cNvSpPr/>
           <p:nvPr>
             <p:ph type="body" sz="quarter" idx="1"/>
@@ -400,9 +400,9 @@
         <a:spcPct val="117999"/>
       </a:lnSpc>
       <a:defRPr sz="2200">
-        <a:latin typeface="Helvetica Neue"/>
-        <a:ea typeface="Helvetica Neue"/>
-        <a:cs typeface="Helvetica Neue"/>
+        <a:latin typeface="+mj-lt"/>
+        <a:ea typeface="+mj-ea"/>
+        <a:cs typeface="+mj-cs"/>
         <a:sym typeface="Helvetica Neue"/>
       </a:defRPr>
     </a:lvl1pPr>
@@ -411,9 +411,9 @@
         <a:spcPct val="117999"/>
       </a:lnSpc>
       <a:defRPr sz="2200">
-        <a:latin typeface="Helvetica Neue"/>
-        <a:ea typeface="Helvetica Neue"/>
-        <a:cs typeface="Helvetica Neue"/>
+        <a:latin typeface="+mj-lt"/>
+        <a:ea typeface="+mj-ea"/>
+        <a:cs typeface="+mj-cs"/>
         <a:sym typeface="Helvetica Neue"/>
       </a:defRPr>
     </a:lvl2pPr>
@@ -422,9 +422,9 @@
         <a:spcPct val="117999"/>
       </a:lnSpc>
       <a:defRPr sz="2200">
-        <a:latin typeface="Helvetica Neue"/>
-        <a:ea typeface="Helvetica Neue"/>
-        <a:cs typeface="Helvetica Neue"/>
+        <a:latin typeface="+mj-lt"/>
+        <a:ea typeface="+mj-ea"/>
+        <a:cs typeface="+mj-cs"/>
         <a:sym typeface="Helvetica Neue"/>
       </a:defRPr>
     </a:lvl3pPr>
@@ -433,9 +433,9 @@
         <a:spcPct val="117999"/>
       </a:lnSpc>
       <a:defRPr sz="2200">
-        <a:latin typeface="Helvetica Neue"/>
-        <a:ea typeface="Helvetica Neue"/>
-        <a:cs typeface="Helvetica Neue"/>
+        <a:latin typeface="+mj-lt"/>
+        <a:ea typeface="+mj-ea"/>
+        <a:cs typeface="+mj-cs"/>
         <a:sym typeface="Helvetica Neue"/>
       </a:defRPr>
     </a:lvl4pPr>
@@ -444,9 +444,9 @@
         <a:spcPct val="117999"/>
       </a:lnSpc>
       <a:defRPr sz="2200">
-        <a:latin typeface="Helvetica Neue"/>
-        <a:ea typeface="Helvetica Neue"/>
-        <a:cs typeface="Helvetica Neue"/>
+        <a:latin typeface="+mj-lt"/>
+        <a:ea typeface="+mj-ea"/>
+        <a:cs typeface="+mj-cs"/>
         <a:sym typeface="Helvetica Neue"/>
       </a:defRPr>
     </a:lvl5pPr>
@@ -455,9 +455,9 @@
         <a:spcPct val="117999"/>
       </a:lnSpc>
       <a:defRPr sz="2200">
-        <a:latin typeface="Helvetica Neue"/>
-        <a:ea typeface="Helvetica Neue"/>
-        <a:cs typeface="Helvetica Neue"/>
+        <a:latin typeface="+mj-lt"/>
+        <a:ea typeface="+mj-ea"/>
+        <a:cs typeface="+mj-cs"/>
         <a:sym typeface="Helvetica Neue"/>
       </a:defRPr>
     </a:lvl6pPr>
@@ -466,9 +466,9 @@
         <a:spcPct val="117999"/>
       </a:lnSpc>
       <a:defRPr sz="2200">
-        <a:latin typeface="Helvetica Neue"/>
-        <a:ea typeface="Helvetica Neue"/>
-        <a:cs typeface="Helvetica Neue"/>
+        <a:latin typeface="+mj-lt"/>
+        <a:ea typeface="+mj-ea"/>
+        <a:cs typeface="+mj-cs"/>
         <a:sym typeface="Helvetica Neue"/>
       </a:defRPr>
     </a:lvl7pPr>
@@ -477,9 +477,9 @@
         <a:spcPct val="117999"/>
       </a:lnSpc>
       <a:defRPr sz="2200">
-        <a:latin typeface="Helvetica Neue"/>
-        <a:ea typeface="Helvetica Neue"/>
-        <a:cs typeface="Helvetica Neue"/>
+        <a:latin typeface="+mj-lt"/>
+        <a:ea typeface="+mj-ea"/>
+        <a:cs typeface="+mj-cs"/>
         <a:sym typeface="Helvetica Neue"/>
       </a:defRPr>
     </a:lvl8pPr>
@@ -488,9 +488,9 @@
         <a:spcPct val="117999"/>
       </a:lnSpc>
       <a:defRPr sz="2200">
-        <a:latin typeface="Helvetica Neue"/>
-        <a:ea typeface="Helvetica Neue"/>
-        <a:cs typeface="Helvetica Neue"/>
+        <a:latin typeface="+mj-lt"/>
+        <a:ea typeface="+mj-ea"/>
+        <a:cs typeface="+mj-cs"/>
         <a:sym typeface="Helvetica Neue"/>
       </a:defRPr>
     </a:lvl9pPr>
@@ -499,15 +499,8 @@
 </file>
 
 <file path=ppt/slideLayouts/slideLayout1.xml><?xml version="1.0" encoding="utf-8"?>
-<p:sldLayout xmlns:a="http://schemas.openxmlformats.org/drawingml/2006/main" xmlns:r="http://schemas.openxmlformats.org/officeDocument/2006/relationships" xmlns:p="http://schemas.openxmlformats.org/presentationml/2006/main" type="title" showMasterSp="0" showMasterPhAnim="1">
+<p:sldLayout xmlns:a="http://schemas.openxmlformats.org/drawingml/2006/main" xmlns:r="http://schemas.openxmlformats.org/officeDocument/2006/relationships" xmlns:p="http://schemas.openxmlformats.org/presentationml/2006/main" type="title" showMasterSp="1" showMasterPhAnim="1">
   <p:cSld name="标题与副标题">
-    <p:bg>
-      <p:bgPr>
-        <a:solidFill>
-          <a:srgbClr val="222222"/>
-        </a:solidFill>
-      </p:bgPr>
-    </p:bg>
     <p:spTree>
       <p:nvGrpSpPr>
         <p:cNvPr id="1" name=""/>
@@ -526,41 +519,23 @@
         <p:nvSpPr>
           <p:cNvPr id="12" name="Shape 12"/>
           <p:cNvSpPr/>
-          <p:nvPr/>
+          <p:nvPr>
+            <p:ph type="title"/>
+          </p:nvPr>
         </p:nvSpPr>
         <p:spPr>
-          <a:xfrm flipV="1">
-            <a:off x="406400" y="6140894"/>
-            <a:ext cx="12192000" cy="263"/>
-          </a:xfrm>
-          <a:prstGeom prst="line">
+          <a:prstGeom prst="rect">
             <a:avLst/>
           </a:prstGeom>
-          <a:ln w="38100">
-            <a:solidFill>
-              <a:srgbClr val="A6AAA9"/>
-            </a:solidFill>
-            <a:miter lim="400000"/>
-          </a:ln>
         </p:spPr>
         <p:txBody>
-          <a:bodyPr lIns="50800" tIns="50800" rIns="50800" bIns="50800" anchor="ctr"/>
+          <a:bodyPr/>
           <a:lstStyle/>
           <a:p>
-            <a:pPr defTabSz="457200">
-              <a:spcBef>
-                <a:spcPts val="0"/>
-              </a:spcBef>
-              <a:defRPr sz="1200">
-                <a:solidFill>
-                  <a:srgbClr val="000000"/>
-                </a:solidFill>
-                <a:latin typeface="Helvetica"/>
-                <a:ea typeface="Helvetica"/>
-                <a:cs typeface="Helvetica"/>
-                <a:sym typeface="Helvetica"/>
-              </a:defRPr>
-            </a:pPr>
+            <a:pPr/>
+            <a:r>
+              <a:t>标题文本</a:t>
+            </a:r>
           </a:p>
         </p:txBody>
       </p:sp>
@@ -569,32 +544,45 @@
           <p:cNvPr id="13" name="Shape 13"/>
           <p:cNvSpPr/>
           <p:nvPr>
-            <p:ph type="title"/>
+            <p:ph type="body" sz="quarter" idx="1"/>
           </p:nvPr>
         </p:nvSpPr>
         <p:spPr>
-          <a:xfrm>
-            <a:off x="406400" y="6426200"/>
-            <a:ext cx="12192000" cy="2705100"/>
-          </a:xfrm>
           <a:prstGeom prst="rect">
             <a:avLst/>
           </a:prstGeom>
         </p:spPr>
         <p:txBody>
           <a:bodyPr/>
-          <a:lstStyle>
-            <a:lvl1pPr>
-              <a:spcBef>
-                <a:spcPts val="0"/>
-              </a:spcBef>
-              <a:defRPr sz="17000"/>
-            </a:lvl1pPr>
-          </a:lstStyle>
+          <a:lstStyle/>
           <a:p>
             <a:pPr/>
             <a:r>
-              <a:t>标题文本</a:t>
+              <a:t>正文级别 1</a:t>
+            </a:r>
+          </a:p>
+          <a:p>
+            <a:pPr lvl="1"/>
+            <a:r>
+              <a:t>正文级别 2</a:t>
+            </a:r>
+          </a:p>
+          <a:p>
+            <a:pPr lvl="2"/>
+            <a:r>
+              <a:t>正文级别 3</a:t>
+            </a:r>
+          </a:p>
+          <a:p>
+            <a:pPr lvl="3"/>
+            <a:r>
+              <a:t>正文级别 4</a:t>
+            </a:r>
+          </a:p>
+          <a:p>
+            <a:pPr lvl="4"/>
+            <a:r>
+              <a:t>正文级别 5</a:t>
             </a:r>
           </a:p>
         </p:txBody>
@@ -604,172 +592,10 @@
           <p:cNvPr id="14" name="Shape 14"/>
           <p:cNvSpPr/>
           <p:nvPr>
-            <p:ph type="body" sz="quarter" idx="1"/>
-          </p:nvPr>
-        </p:nvSpPr>
-        <p:spPr>
-          <a:xfrm>
-            <a:off x="406400" y="4267200"/>
-            <a:ext cx="12192000" cy="1803400"/>
-          </a:xfrm>
-          <a:prstGeom prst="rect">
-            <a:avLst/>
-          </a:prstGeom>
-        </p:spPr>
-        <p:txBody>
-          <a:bodyPr anchor="b"/>
-          <a:lstStyle>
-            <a:lvl1pPr marL="0" indent="0">
-              <a:lnSpc>
-                <a:spcPct val="80000"/>
-              </a:lnSpc>
-              <a:spcBef>
-                <a:spcPts val="2300"/>
-              </a:spcBef>
-              <a:buClrTx/>
-              <a:buSzTx/>
-              <a:buFontTx/>
-              <a:buNone/>
-              <a:defRPr cap="all" sz="5400">
-                <a:solidFill>
-                  <a:srgbClr val="A6AAA9"/>
-                </a:solidFill>
-                <a:latin typeface="+mn-lt"/>
-                <a:ea typeface="+mn-ea"/>
-                <a:cs typeface="+mn-cs"/>
-                <a:sym typeface="Baskerville"/>
-              </a:defRPr>
-            </a:lvl1pPr>
-            <a:lvl2pPr marL="0" indent="228600">
-              <a:lnSpc>
-                <a:spcPct val="80000"/>
-              </a:lnSpc>
-              <a:spcBef>
-                <a:spcPts val="2300"/>
-              </a:spcBef>
-              <a:buClrTx/>
-              <a:buSzTx/>
-              <a:buFontTx/>
-              <a:buNone/>
-              <a:defRPr cap="all" sz="5400">
-                <a:solidFill>
-                  <a:srgbClr val="A6AAA9"/>
-                </a:solidFill>
-                <a:latin typeface="+mn-lt"/>
-                <a:ea typeface="+mn-ea"/>
-                <a:cs typeface="+mn-cs"/>
-                <a:sym typeface="Baskerville"/>
-              </a:defRPr>
-            </a:lvl2pPr>
-            <a:lvl3pPr marL="0" indent="457200">
-              <a:lnSpc>
-                <a:spcPct val="80000"/>
-              </a:lnSpc>
-              <a:spcBef>
-                <a:spcPts val="2300"/>
-              </a:spcBef>
-              <a:buClrTx/>
-              <a:buSzTx/>
-              <a:buFontTx/>
-              <a:buNone/>
-              <a:defRPr cap="all" sz="5400">
-                <a:solidFill>
-                  <a:srgbClr val="A6AAA9"/>
-                </a:solidFill>
-                <a:latin typeface="+mn-lt"/>
-                <a:ea typeface="+mn-ea"/>
-                <a:cs typeface="+mn-cs"/>
-                <a:sym typeface="Baskerville"/>
-              </a:defRPr>
-            </a:lvl3pPr>
-            <a:lvl4pPr marL="0" indent="685800">
-              <a:lnSpc>
-                <a:spcPct val="80000"/>
-              </a:lnSpc>
-              <a:spcBef>
-                <a:spcPts val="2300"/>
-              </a:spcBef>
-              <a:buClrTx/>
-              <a:buSzTx/>
-              <a:buFontTx/>
-              <a:buNone/>
-              <a:defRPr cap="all" sz="5400">
-                <a:solidFill>
-                  <a:srgbClr val="A6AAA9"/>
-                </a:solidFill>
-                <a:latin typeface="+mn-lt"/>
-                <a:ea typeface="+mn-ea"/>
-                <a:cs typeface="+mn-cs"/>
-                <a:sym typeface="Baskerville"/>
-              </a:defRPr>
-            </a:lvl4pPr>
-            <a:lvl5pPr marL="0" indent="914400">
-              <a:lnSpc>
-                <a:spcPct val="80000"/>
-              </a:lnSpc>
-              <a:spcBef>
-                <a:spcPts val="2300"/>
-              </a:spcBef>
-              <a:buClrTx/>
-              <a:buSzTx/>
-              <a:buFontTx/>
-              <a:buNone/>
-              <a:defRPr cap="all" sz="5400">
-                <a:solidFill>
-                  <a:srgbClr val="A6AAA9"/>
-                </a:solidFill>
-                <a:latin typeface="+mn-lt"/>
-                <a:ea typeface="+mn-ea"/>
-                <a:cs typeface="+mn-cs"/>
-                <a:sym typeface="Baskerville"/>
-              </a:defRPr>
-            </a:lvl5pPr>
-          </a:lstStyle>
-          <a:p>
-            <a:pPr/>
-            <a:r>
-              <a:t>正文级别 1</a:t>
-            </a:r>
-          </a:p>
-          <a:p>
-            <a:pPr lvl="1"/>
-            <a:r>
-              <a:t>正文级别 2</a:t>
-            </a:r>
-          </a:p>
-          <a:p>
-            <a:pPr lvl="2"/>
-            <a:r>
-              <a:t>正文级别 3</a:t>
-            </a:r>
-          </a:p>
-          <a:p>
-            <a:pPr lvl="3"/>
-            <a:r>
-              <a:t>正文级别 4</a:t>
-            </a:r>
-          </a:p>
-          <a:p>
-            <a:pPr lvl="4"/>
-            <a:r>
-              <a:t>正文级别 5</a:t>
-            </a:r>
-          </a:p>
-        </p:txBody>
-      </p:sp>
-      <p:sp>
-        <p:nvSpPr>
-          <p:cNvPr id="15" name="Shape 15"/>
-          <p:cNvSpPr/>
-          <p:nvPr>
             <p:ph type="sldNum" sz="quarter" idx="2"/>
           </p:nvPr>
         </p:nvSpPr>
         <p:spPr>
-          <a:xfrm>
-            <a:off x="12182237" y="431800"/>
-            <a:ext cx="419101" cy="457200"/>
-          </a:xfrm>
           <a:prstGeom prst="rect">
             <a:avLst/>
           </a:prstGeom>
@@ -793,15 +619,8 @@
 </file>
 
 <file path=ppt/slideLayouts/slideLayout10.xml><?xml version="1.0" encoding="utf-8"?>
-<p:sldLayout xmlns:a="http://schemas.openxmlformats.org/drawingml/2006/main" xmlns:r="http://schemas.openxmlformats.org/officeDocument/2006/relationships" xmlns:p="http://schemas.openxmlformats.org/presentationml/2006/main" type="tx" showMasterSp="1" showMasterPhAnim="1">
+<p:sldLayout xmlns:a="http://schemas.openxmlformats.org/drawingml/2006/main" xmlns:r="http://schemas.openxmlformats.org/officeDocument/2006/relationships" xmlns:p="http://schemas.openxmlformats.org/presentationml/2006/main" type="tx" showMasterSp="0" showMasterPhAnim="1">
   <p:cSld name="项目符号">
-    <p:bg>
-      <p:bgPr>
-        <a:solidFill>
-          <a:srgbClr val="222222"/>
-        </a:solidFill>
-      </p:bgPr>
-    </p:bg>
     <p:spTree>
       <p:nvGrpSpPr>
         <p:cNvPr id="1" name=""/>
@@ -818,62 +637,52 @@
       </p:grpSpPr>
       <p:sp>
         <p:nvSpPr>
-          <p:cNvPr id="102" name="Shape 102"/>
+          <p:cNvPr id="104" name="Shape 104"/>
+          <p:cNvSpPr/>
+          <p:nvPr/>
+        </p:nvSpPr>
+        <p:spPr>
+          <a:xfrm flipV="1">
+            <a:off x="406400" y="993160"/>
+            <a:ext cx="12192001" cy="264"/>
+          </a:xfrm>
+          <a:prstGeom prst="line">
+            <a:avLst/>
+          </a:prstGeom>
+          <a:ln w="25400">
+            <a:solidFill>
+              <a:srgbClr val="A6AAA9"/>
+            </a:solidFill>
+            <a:miter lim="400000"/>
+          </a:ln>
+        </p:spPr>
+        <p:txBody>
+          <a:bodyPr lIns="45718" tIns="45718" rIns="45718" bIns="45718"/>
+          <a:lstStyle/>
+          <a:p>
+            <a:pPr>
+              <a:defRPr>
+                <a:solidFill>
+                  <a:srgbClr val="838787"/>
+                </a:solidFill>
+              </a:defRPr>
+            </a:pPr>
+          </a:p>
+        </p:txBody>
+      </p:sp>
+      <p:sp>
+        <p:nvSpPr>
+          <p:cNvPr id="105" name="Shape 105"/>
           <p:cNvSpPr/>
           <p:nvPr>
-            <p:ph type="body" sz="quarter" idx="13"/>
+            <p:ph type="body" sz="quarter" idx="1"/>
           </p:nvPr>
         </p:nvSpPr>
         <p:spPr>
           <a:xfrm>
             <a:off x="406400" y="393700"/>
-            <a:ext cx="11176000" cy="520701"/>
+            <a:ext cx="11176000" cy="520702"/>
           </a:xfrm>
-          <a:prstGeom prst="rect">
-            <a:avLst/>
-          </a:prstGeom>
-        </p:spPr>
-        <p:txBody>
-          <a:bodyPr anchor="b">
-            <a:spAutoFit/>
-          </a:bodyPr>
-          <a:lstStyle>
-            <a:lvl1pPr marL="0" indent="0" defTabSz="457200">
-              <a:lnSpc>
-                <a:spcPct val="80000"/>
-              </a:lnSpc>
-              <a:spcBef>
-                <a:spcPts val="0"/>
-              </a:spcBef>
-              <a:buClrTx/>
-              <a:buSzTx/>
-              <a:buFontTx/>
-              <a:buNone/>
-              <a:defRPr b="1" cap="all" spc="120" sz="2400">
-                <a:latin typeface="+mn-lt"/>
-                <a:ea typeface="+mn-ea"/>
-                <a:cs typeface="+mn-cs"/>
-                <a:sym typeface="Baskerville"/>
-              </a:defRPr>
-            </a:lvl1pPr>
-          </a:lstStyle>
-          <a:p>
-            <a:pPr/>
-            <a:r>
-              <a:t>文本</a:t>
-            </a:r>
-          </a:p>
-        </p:txBody>
-      </p:sp>
-      <p:sp>
-        <p:nvSpPr>
-          <p:cNvPr id="103" name="Shape 103"/>
-          <p:cNvSpPr/>
-          <p:nvPr>
-            <p:ph type="body" idx="1"/>
-          </p:nvPr>
-        </p:nvSpPr>
-        <p:spPr>
           <a:prstGeom prst="rect">
             <a:avLst/>
           </a:prstGeom>
@@ -881,35 +690,63 @@
         <p:txBody>
           <a:bodyPr/>
           <a:lstStyle>
-            <a:lvl1pPr>
-              <a:buClr>
-                <a:schemeClr val="accent1"/>
-              </a:buClr>
-              <a:buChar char="▸"/>
+            <a:lvl1pPr defTabSz="457200">
+              <a:spcBef>
+                <a:spcPts val="0"/>
+              </a:spcBef>
+              <a:defRPr b="1" spc="120" sz="2400">
+                <a:solidFill>
+                  <a:srgbClr val="838787"/>
+                </a:solidFill>
+              </a:defRPr>
             </a:lvl1pPr>
-            <a:lvl2pPr>
-              <a:buClr>
-                <a:schemeClr val="accent1"/>
-              </a:buClr>
-              <a:buChar char="▸"/>
+            <a:lvl2pPr marL="758264" indent="-313764" defTabSz="457200">
+              <a:spcBef>
+                <a:spcPts val="0"/>
+              </a:spcBef>
+              <a:buSzPct val="104999"/>
+              <a:buChar char="‣"/>
+              <a:defRPr b="1" spc="120" sz="2400">
+                <a:solidFill>
+                  <a:srgbClr val="838787"/>
+                </a:solidFill>
+              </a:defRPr>
             </a:lvl2pPr>
-            <a:lvl3pPr>
-              <a:buClr>
-                <a:schemeClr val="accent1"/>
-              </a:buClr>
-              <a:buChar char="▸"/>
+            <a:lvl3pPr marL="1202764" indent="-313764" defTabSz="457200">
+              <a:spcBef>
+                <a:spcPts val="0"/>
+              </a:spcBef>
+              <a:buSzPct val="104999"/>
+              <a:buChar char="‣"/>
+              <a:defRPr b="1" spc="120" sz="2400">
+                <a:solidFill>
+                  <a:srgbClr val="838787"/>
+                </a:solidFill>
+              </a:defRPr>
             </a:lvl3pPr>
-            <a:lvl4pPr>
-              <a:buClr>
-                <a:schemeClr val="accent1"/>
-              </a:buClr>
-              <a:buChar char="▸"/>
+            <a:lvl4pPr marL="1647264" indent="-313764" defTabSz="457200">
+              <a:spcBef>
+                <a:spcPts val="0"/>
+              </a:spcBef>
+              <a:buSzPct val="104999"/>
+              <a:buChar char="‣"/>
+              <a:defRPr b="1" spc="120" sz="2400">
+                <a:solidFill>
+                  <a:srgbClr val="838787"/>
+                </a:solidFill>
+              </a:defRPr>
             </a:lvl4pPr>
-            <a:lvl5pPr>
-              <a:buClr>
-                <a:schemeClr val="accent1"/>
-              </a:buClr>
-              <a:buChar char="▸"/>
+            <a:lvl5pPr marL="2091764" indent="-313764" defTabSz="457200">
+              <a:spcBef>
+                <a:spcPts val="0"/>
+              </a:spcBef>
+              <a:buSzPct val="104999"/>
+              <a:buChar char="‣"/>
+              <a:defRPr b="1" spc="120" sz="2400">
+                <a:solidFill>
+                  <a:srgbClr val="838787"/>
+                </a:solidFill>
+              </a:defRPr>
             </a:lvl5pPr>
           </a:lstStyle>
           <a:p>
@@ -946,13 +783,64 @@
       </p:sp>
       <p:sp>
         <p:nvSpPr>
-          <p:cNvPr id="104" name="Shape 104"/>
+          <p:cNvPr id="106" name="Shape 106"/>
+          <p:cNvSpPr/>
+          <p:nvPr>
+            <p:ph type="body" idx="13"/>
+          </p:nvPr>
+        </p:nvSpPr>
+        <p:spPr>
+          <a:xfrm>
+            <a:off x="406400" y="2743200"/>
+            <a:ext cx="12192000" cy="6108700"/>
+          </a:xfrm>
+          <a:prstGeom prst="rect">
+            <a:avLst/>
+          </a:prstGeom>
+        </p:spPr>
+        <p:txBody>
+          <a:bodyPr anchor="t"/>
+          <a:lstStyle/>
+          <a:p>
+            <a:pPr marL="444500" indent="-444500">
+              <a:lnSpc>
+                <a:spcPct val="100000"/>
+              </a:lnSpc>
+              <a:spcBef>
+                <a:spcPts val="2800"/>
+              </a:spcBef>
+              <a:buClr>
+                <a:schemeClr val="accent1"/>
+              </a:buClr>
+              <a:buSzPct val="104999"/>
+              <a:buFont typeface="Avenir Next"/>
+              <a:buChar char="▸"/>
+              <a:defRPr cap="none" sz="3400">
+                <a:solidFill>
+                  <a:srgbClr val="838787"/>
+                </a:solidFill>
+                <a:latin typeface="Avenir Next Medium"/>
+                <a:ea typeface="Avenir Next Medium"/>
+                <a:cs typeface="Avenir Next Medium"/>
+                <a:sym typeface="Avenir Next Medium"/>
+              </a:defRPr>
+            </a:pPr>
+          </a:p>
+        </p:txBody>
+      </p:sp>
+      <p:sp>
+        <p:nvSpPr>
+          <p:cNvPr id="107" name="Shape 107"/>
           <p:cNvSpPr/>
           <p:nvPr>
             <p:ph type="sldNum" sz="quarter" idx="2"/>
           </p:nvPr>
         </p:nvSpPr>
         <p:spPr>
+          <a:xfrm>
+            <a:off x="12174419" y="431800"/>
+            <a:ext cx="419101" cy="457200"/>
+          </a:xfrm>
           <a:prstGeom prst="rect">
             <a:avLst/>
           </a:prstGeom>
@@ -978,13 +866,6 @@
 <file path=ppt/slideLayouts/slideLayout11.xml><?xml version="1.0" encoding="utf-8"?>
 <p:sldLayout xmlns:a="http://schemas.openxmlformats.org/drawingml/2006/main" xmlns:r="http://schemas.openxmlformats.org/officeDocument/2006/relationships" xmlns:p="http://schemas.openxmlformats.org/presentationml/2006/main" type="tx" showMasterSp="0" showMasterPhAnim="1">
   <p:cSld name="照片 - 3 联">
-    <p:bg>
-      <p:bgPr>
-        <a:solidFill>
-          <a:srgbClr val="222222"/>
-        </a:solidFill>
-      </p:bgPr>
-    </p:bg>
     <p:spTree>
       <p:nvGrpSpPr>
         <p:cNvPr id="1" name=""/>
@@ -1001,7 +882,7 @@
       </p:grpSpPr>
       <p:sp>
         <p:nvSpPr>
-          <p:cNvPr id="111" name="Shape 111"/>
+          <p:cNvPr id="114" name="Shape 114"/>
           <p:cNvSpPr/>
           <p:nvPr>
             <p:ph type="pic" sz="half" idx="13"/>
@@ -1017,7 +898,7 @@
           </a:prstGeom>
         </p:spPr>
         <p:txBody>
-          <a:bodyPr lIns="91439" tIns="45719" rIns="91439" bIns="45719">
+          <a:bodyPr lIns="91439" tIns="45719" rIns="91439" bIns="45719" anchor="t">
             <a:noAutofit/>
           </a:bodyPr>
           <a:lstStyle/>
@@ -1028,7 +909,7 @@
       </p:sp>
       <p:sp>
         <p:nvSpPr>
-          <p:cNvPr id="112" name="Shape 112"/>
+          <p:cNvPr id="115" name="Shape 115"/>
           <p:cNvSpPr/>
           <p:nvPr>
             <p:ph type="pic" sz="half" idx="14"/>
@@ -1044,7 +925,7 @@
           </a:prstGeom>
         </p:spPr>
         <p:txBody>
-          <a:bodyPr lIns="91439" tIns="45719" rIns="91439" bIns="45719">
+          <a:bodyPr lIns="91439" tIns="45719" rIns="91439" bIns="45719" anchor="t">
             <a:noAutofit/>
           </a:bodyPr>
           <a:lstStyle/>
@@ -1055,7 +936,7 @@
       </p:sp>
       <p:sp>
         <p:nvSpPr>
-          <p:cNvPr id="113" name="Shape 113"/>
+          <p:cNvPr id="116" name="Shape 116"/>
           <p:cNvSpPr/>
           <p:nvPr>
             <p:ph type="pic" idx="15"/>
@@ -1071,7 +952,7 @@
           </a:prstGeom>
         </p:spPr>
         <p:txBody>
-          <a:bodyPr lIns="91439" tIns="45719" rIns="91439" bIns="45719">
+          <a:bodyPr lIns="91439" tIns="45719" rIns="91439" bIns="45719" anchor="t">
             <a:noAutofit/>
           </a:bodyPr>
           <a:lstStyle/>
@@ -1082,13 +963,17 @@
       </p:sp>
       <p:sp>
         <p:nvSpPr>
-          <p:cNvPr id="114" name="Shape 114"/>
+          <p:cNvPr id="117" name="Shape 117"/>
           <p:cNvSpPr/>
           <p:nvPr>
             <p:ph type="sldNum" sz="quarter" idx="2"/>
           </p:nvPr>
         </p:nvSpPr>
         <p:spPr>
+          <a:xfrm>
+            <a:off x="12174419" y="431800"/>
+            <a:ext cx="419101" cy="457200"/>
+          </a:xfrm>
           <a:prstGeom prst="rect">
             <a:avLst/>
           </a:prstGeom>
@@ -1112,15 +997,8 @@
 </file>
 
 <file path=ppt/slideLayouts/slideLayout12.xml><?xml version="1.0" encoding="utf-8"?>
-<p:sldLayout xmlns:a="http://schemas.openxmlformats.org/drawingml/2006/main" xmlns:r="http://schemas.openxmlformats.org/officeDocument/2006/relationships" xmlns:p="http://schemas.openxmlformats.org/presentationml/2006/main" type="tx" showMasterSp="1" showMasterPhAnim="1">
+<p:sldLayout xmlns:a="http://schemas.openxmlformats.org/drawingml/2006/main" xmlns:r="http://schemas.openxmlformats.org/officeDocument/2006/relationships" xmlns:p="http://schemas.openxmlformats.org/presentationml/2006/main" type="tx" showMasterSp="0" showMasterPhAnim="1">
   <p:cSld name="引文">
-    <p:bg>
-      <p:bgPr>
-        <a:solidFill>
-          <a:srgbClr val="222222"/>
-        </a:solidFill>
-      </p:bgPr>
-    </p:bg>
     <p:spTree>
       <p:nvGrpSpPr>
         <p:cNvPr id="1" name=""/>
@@ -1137,14 +1015,49 @@
       </p:grpSpPr>
       <p:sp>
         <p:nvSpPr>
-          <p:cNvPr id="121" name="Shape 121"/>
+          <p:cNvPr id="124" name="Shape 124"/>
+          <p:cNvSpPr/>
+          <p:nvPr/>
+        </p:nvSpPr>
+        <p:spPr>
+          <a:xfrm flipV="1">
+            <a:off x="406400" y="993160"/>
+            <a:ext cx="12192001" cy="264"/>
+          </a:xfrm>
+          <a:prstGeom prst="line">
+            <a:avLst/>
+          </a:prstGeom>
+          <a:ln w="25400">
+            <a:solidFill>
+              <a:srgbClr val="A6AAA9"/>
+            </a:solidFill>
+            <a:miter lim="400000"/>
+          </a:ln>
+        </p:spPr>
+        <p:txBody>
+          <a:bodyPr lIns="45718" tIns="45718" rIns="45718" bIns="45718"/>
+          <a:lstStyle/>
+          <a:p>
+            <a:pPr>
+              <a:defRPr>
+                <a:solidFill>
+                  <a:srgbClr val="838787"/>
+                </a:solidFill>
+              </a:defRPr>
+            </a:pPr>
+          </a:p>
+        </p:txBody>
+      </p:sp>
+      <p:sp>
+        <p:nvSpPr>
+          <p:cNvPr id="125" name="Shape 125"/>
           <p:cNvSpPr/>
           <p:nvPr/>
         </p:nvSpPr>
         <p:spPr>
           <a:xfrm>
             <a:off x="469900" y="2362200"/>
-            <a:ext cx="12065000" cy="5229225"/>
+            <a:ext cx="12065001" cy="5229226"/>
           </a:xfrm>
           <a:custGeom>
             <a:avLst/>
@@ -1237,10 +1150,6 @@
                 <a:solidFill>
                   <a:srgbClr val="FFFFFF"/>
                 </a:solidFill>
-                <a:latin typeface="+mn-lt"/>
-                <a:ea typeface="+mn-ea"/>
-                <a:cs typeface="+mn-cs"/>
-                <a:sym typeface="Baskerville"/>
               </a:defRPr>
             </a:pPr>
           </a:p>
@@ -1248,10 +1157,10 @@
       </p:sp>
       <p:sp>
         <p:nvSpPr>
-          <p:cNvPr id="122" name="Shape 122"/>
+          <p:cNvPr id="126" name="Shape 126"/>
           <p:cNvSpPr/>
           <p:nvPr>
-            <p:ph type="body" sz="quarter" idx="13"/>
+            <p:ph type="body" sz="quarter" idx="1"/>
           </p:nvPr>
         </p:nvSpPr>
         <p:spPr>
@@ -1264,43 +1173,136 @@
           </a:prstGeom>
         </p:spPr>
         <p:txBody>
-          <a:bodyPr>
-            <a:spAutoFit/>
-          </a:bodyPr>
+          <a:bodyPr anchor="t"/>
           <a:lstStyle>
-            <a:lvl1pPr marL="0" indent="0">
-              <a:lnSpc>
-                <a:spcPct val="80000"/>
-              </a:lnSpc>
+            <a:lvl1pPr>
               <a:spcBef>
                 <a:spcPts val="0"/>
               </a:spcBef>
-              <a:buClrTx/>
-              <a:buSzTx/>
-              <a:buFontTx/>
-              <a:buNone/>
-              <a:defRPr b="1" cap="all" sz="9400">
+              <a:defRPr b="1" sz="9400">
                 <a:solidFill>
                   <a:srgbClr val="FFFFFF"/>
                 </a:solidFill>
-                <a:latin typeface="+mn-lt"/>
-                <a:ea typeface="+mn-ea"/>
-                <a:cs typeface="+mn-cs"/>
-                <a:sym typeface="Baskerville"/>
               </a:defRPr>
             </a:lvl1pPr>
+            <a:lvl2pPr marL="1673411" indent="-1228911">
+              <a:spcBef>
+                <a:spcPts val="0"/>
+              </a:spcBef>
+              <a:buSzPct val="104999"/>
+              <a:buChar char="‣"/>
+              <a:defRPr b="1" sz="9400">
+                <a:solidFill>
+                  <a:srgbClr val="FFFFFF"/>
+                </a:solidFill>
+              </a:defRPr>
+            </a:lvl2pPr>
+            <a:lvl3pPr marL="2117911" indent="-1228911">
+              <a:spcBef>
+                <a:spcPts val="0"/>
+              </a:spcBef>
+              <a:buSzPct val="104999"/>
+              <a:buChar char="‣"/>
+              <a:defRPr b="1" sz="9400">
+                <a:solidFill>
+                  <a:srgbClr val="FFFFFF"/>
+                </a:solidFill>
+              </a:defRPr>
+            </a:lvl3pPr>
+            <a:lvl4pPr marL="2562411" indent="-1228911">
+              <a:spcBef>
+                <a:spcPts val="0"/>
+              </a:spcBef>
+              <a:buSzPct val="104999"/>
+              <a:buChar char="‣"/>
+              <a:defRPr b="1" sz="9400">
+                <a:solidFill>
+                  <a:srgbClr val="FFFFFF"/>
+                </a:solidFill>
+              </a:defRPr>
+            </a:lvl4pPr>
+            <a:lvl5pPr marL="3006911" indent="-1228911">
+              <a:spcBef>
+                <a:spcPts val="0"/>
+              </a:spcBef>
+              <a:buSzPct val="104999"/>
+              <a:buChar char="‣"/>
+              <a:defRPr b="1" sz="9400">
+                <a:solidFill>
+                  <a:srgbClr val="FFFFFF"/>
+                </a:solidFill>
+              </a:defRPr>
+            </a:lvl5pPr>
           </a:lstStyle>
           <a:p>
             <a:pPr/>
             <a:r>
-              <a:t>在此键入引文。</a:t>
+              <a:t>正文级别 1</a:t>
+            </a:r>
+          </a:p>
+          <a:p>
+            <a:pPr lvl="1"/>
+            <a:r>
+              <a:t>正文级别 2</a:t>
+            </a:r>
+          </a:p>
+          <a:p>
+            <a:pPr lvl="2"/>
+            <a:r>
+              <a:t>正文级别 3</a:t>
+            </a:r>
+          </a:p>
+          <a:p>
+            <a:pPr lvl="3"/>
+            <a:r>
+              <a:t>正文级别 4</a:t>
+            </a:r>
+          </a:p>
+          <a:p>
+            <a:pPr lvl="4"/>
+            <a:r>
+              <a:t>正文级别 5</a:t>
             </a:r>
           </a:p>
         </p:txBody>
       </p:sp>
       <p:sp>
         <p:nvSpPr>
-          <p:cNvPr id="123" name="Shape 123"/>
+          <p:cNvPr id="127" name="Shape 127"/>
+          <p:cNvSpPr/>
+          <p:nvPr>
+            <p:ph type="body" sz="quarter" idx="13"/>
+          </p:nvPr>
+        </p:nvSpPr>
+        <p:spPr>
+          <a:xfrm>
+            <a:off x="406400" y="7789333"/>
+            <a:ext cx="12192000" cy="977902"/>
+          </a:xfrm>
+          <a:prstGeom prst="rect">
+            <a:avLst/>
+          </a:prstGeom>
+        </p:spPr>
+        <p:txBody>
+          <a:bodyPr anchor="t"/>
+          <a:lstStyle/>
+          <a:p>
+            <a:pPr algn="r">
+              <a:spcBef>
+                <a:spcPts val="0"/>
+              </a:spcBef>
+              <a:defRPr cap="none" sz="6000">
+                <a:solidFill>
+                  <a:srgbClr val="838787"/>
+                </a:solidFill>
+              </a:defRPr>
+            </a:pPr>
+          </a:p>
+        </p:txBody>
+      </p:sp>
+      <p:sp>
+        <p:nvSpPr>
+          <p:cNvPr id="128" name="Shape 128"/>
           <p:cNvSpPr/>
           <p:nvPr>
             <p:ph type="body" sz="quarter" idx="14"/>
@@ -1308,103 +1310,43 @@
         </p:nvSpPr>
         <p:spPr>
           <a:xfrm>
-            <a:off x="406400" y="7789333"/>
-            <a:ext cx="12192000" cy="977901"/>
+            <a:off x="406400" y="393699"/>
+            <a:ext cx="11176000" cy="520703"/>
           </a:xfrm>
           <a:prstGeom prst="rect">
             <a:avLst/>
           </a:prstGeom>
         </p:spPr>
         <p:txBody>
-          <a:bodyPr>
-            <a:spAutoFit/>
-          </a:bodyPr>
-          <a:lstStyle>
-            <a:lvl1pPr marL="0" indent="0" algn="r">
-              <a:lnSpc>
-                <a:spcPct val="80000"/>
-              </a:lnSpc>
+          <a:bodyPr/>
+          <a:lstStyle/>
+          <a:p>
+            <a:pPr defTabSz="457200">
               <a:spcBef>
                 <a:spcPts val="0"/>
               </a:spcBef>
-              <a:buClrTx/>
-              <a:buSzTx/>
-              <a:buFontTx/>
-              <a:buNone/>
-              <a:defRPr sz="6000">
-                <a:latin typeface="+mn-lt"/>
-                <a:ea typeface="+mn-ea"/>
-                <a:cs typeface="+mn-cs"/>
-                <a:sym typeface="Baskerville"/>
-              </a:defRPr>
-            </a:lvl1pPr>
-          </a:lstStyle>
-          <a:p>
-            <a:pPr/>
-            <a:r>
-              <a:t>Johnny Appleseed</a:t>
-            </a:r>
+              <a:defRPr b="1" spc="100" sz="2400">
+                <a:solidFill>
+                  <a:srgbClr val="838787"/>
+                </a:solidFill>
+              </a:defRPr>
+            </a:pPr>
           </a:p>
         </p:txBody>
       </p:sp>
       <p:sp>
         <p:nvSpPr>
-          <p:cNvPr id="124" name="Shape 124"/>
-          <p:cNvSpPr/>
-          <p:nvPr>
-            <p:ph type="body" sz="quarter" idx="15"/>
-          </p:nvPr>
-        </p:nvSpPr>
-        <p:spPr>
-          <a:xfrm>
-            <a:off x="406400" y="393700"/>
-            <a:ext cx="11176000" cy="520701"/>
-          </a:xfrm>
-          <a:prstGeom prst="rect">
-            <a:avLst/>
-          </a:prstGeom>
-        </p:spPr>
-        <p:txBody>
-          <a:bodyPr anchor="b">
-            <a:spAutoFit/>
-          </a:bodyPr>
-          <a:lstStyle>
-            <a:lvl1pPr marL="0" indent="0" defTabSz="457200">
-              <a:lnSpc>
-                <a:spcPct val="80000"/>
-              </a:lnSpc>
-              <a:spcBef>
-                <a:spcPts val="0"/>
-              </a:spcBef>
-              <a:buClrTx/>
-              <a:buSzTx/>
-              <a:buFontTx/>
-              <a:buNone/>
-              <a:defRPr b="1" cap="all" spc="120" sz="2400">
-                <a:latin typeface="+mn-lt"/>
-                <a:ea typeface="+mn-ea"/>
-                <a:cs typeface="+mn-cs"/>
-                <a:sym typeface="Baskerville"/>
-              </a:defRPr>
-            </a:lvl1pPr>
-          </a:lstStyle>
-          <a:p>
-            <a:pPr/>
-            <a:r>
-              <a:t>文本</a:t>
-            </a:r>
-          </a:p>
-        </p:txBody>
-      </p:sp>
-      <p:sp>
-        <p:nvSpPr>
-          <p:cNvPr id="125" name="Shape 125"/>
+          <p:cNvPr id="129" name="Shape 129"/>
           <p:cNvSpPr/>
           <p:nvPr>
             <p:ph type="sldNum" sz="quarter" idx="2"/>
           </p:nvPr>
         </p:nvSpPr>
         <p:spPr>
+          <a:xfrm>
+            <a:off x="12174419" y="431800"/>
+            <a:ext cx="419101" cy="457200"/>
+          </a:xfrm>
           <a:prstGeom prst="rect">
             <a:avLst/>
           </a:prstGeom>
@@ -1453,62 +1395,121 @@
       </p:grpSpPr>
       <p:sp>
         <p:nvSpPr>
-          <p:cNvPr id="132" name="Shape 132"/>
+          <p:cNvPr id="136" name="Shape 136"/>
           <p:cNvSpPr/>
           <p:nvPr>
-            <p:ph type="body" sz="quarter" idx="13"/>
+            <p:ph type="body" sz="quarter" idx="1"/>
           </p:nvPr>
         </p:nvSpPr>
         <p:spPr>
           <a:xfrm>
             <a:off x="5892800" y="2641600"/>
-            <a:ext cx="6705600" cy="3119121"/>
+            <a:ext cx="6705600" cy="3119122"/>
           </a:xfrm>
           <a:prstGeom prst="rect">
             <a:avLst/>
           </a:prstGeom>
         </p:spPr>
         <p:txBody>
-          <a:bodyPr>
-            <a:spAutoFit/>
-          </a:bodyPr>
+          <a:bodyPr anchor="t"/>
           <a:lstStyle>
-            <a:lvl1pPr marL="0" indent="0">
-              <a:lnSpc>
-                <a:spcPct val="80000"/>
-              </a:lnSpc>
+            <a:lvl1pPr>
               <a:spcBef>
                 <a:spcPts val="0"/>
               </a:spcBef>
-              <a:buClrTx/>
-              <a:buSzTx/>
-              <a:buFontTx/>
-              <a:buNone/>
-              <a:defRPr b="1" cap="all" sz="9400">
+              <a:defRPr b="1" sz="9400">
                 <a:solidFill>
                   <a:srgbClr val="FFFFFF"/>
                 </a:solidFill>
-                <a:latin typeface="+mn-lt"/>
-                <a:ea typeface="+mn-ea"/>
-                <a:cs typeface="+mn-cs"/>
-                <a:sym typeface="Baskerville"/>
               </a:defRPr>
             </a:lvl1pPr>
+            <a:lvl2pPr marL="1673411" indent="-1228911">
+              <a:spcBef>
+                <a:spcPts val="0"/>
+              </a:spcBef>
+              <a:buSzPct val="104999"/>
+              <a:buChar char="‣"/>
+              <a:defRPr b="1" sz="9400">
+                <a:solidFill>
+                  <a:srgbClr val="FFFFFF"/>
+                </a:solidFill>
+              </a:defRPr>
+            </a:lvl2pPr>
+            <a:lvl3pPr marL="2117911" indent="-1228911">
+              <a:spcBef>
+                <a:spcPts val="0"/>
+              </a:spcBef>
+              <a:buSzPct val="104999"/>
+              <a:buChar char="‣"/>
+              <a:defRPr b="1" sz="9400">
+                <a:solidFill>
+                  <a:srgbClr val="FFFFFF"/>
+                </a:solidFill>
+              </a:defRPr>
+            </a:lvl3pPr>
+            <a:lvl4pPr marL="2562411" indent="-1228911">
+              <a:spcBef>
+                <a:spcPts val="0"/>
+              </a:spcBef>
+              <a:buSzPct val="104999"/>
+              <a:buChar char="‣"/>
+              <a:defRPr b="1" sz="9400">
+                <a:solidFill>
+                  <a:srgbClr val="FFFFFF"/>
+                </a:solidFill>
+              </a:defRPr>
+            </a:lvl4pPr>
+            <a:lvl5pPr marL="3006911" indent="-1228911">
+              <a:spcBef>
+                <a:spcPts val="0"/>
+              </a:spcBef>
+              <a:buSzPct val="104999"/>
+              <a:buChar char="‣"/>
+              <a:defRPr b="1" sz="9400">
+                <a:solidFill>
+                  <a:srgbClr val="FFFFFF"/>
+                </a:solidFill>
+              </a:defRPr>
+            </a:lvl5pPr>
           </a:lstStyle>
           <a:p>
             <a:pPr/>
             <a:r>
-              <a:t>在此键入引文。</a:t>
+              <a:t>正文级别 1</a:t>
+            </a:r>
+          </a:p>
+          <a:p>
+            <a:pPr lvl="1"/>
+            <a:r>
+              <a:t>正文级别 2</a:t>
+            </a:r>
+          </a:p>
+          <a:p>
+            <a:pPr lvl="2"/>
+            <a:r>
+              <a:t>正文级别 3</a:t>
+            </a:r>
+          </a:p>
+          <a:p>
+            <a:pPr lvl="3"/>
+            <a:r>
+              <a:t>正文级别 4</a:t>
+            </a:r>
+          </a:p>
+          <a:p>
+            <a:pPr lvl="4"/>
+            <a:r>
+              <a:t>正文级别 5</a:t>
             </a:r>
           </a:p>
         </p:txBody>
       </p:sp>
       <p:sp>
         <p:nvSpPr>
-          <p:cNvPr id="133" name="Shape 133"/>
+          <p:cNvPr id="137" name="Shape 137"/>
           <p:cNvSpPr/>
           <p:nvPr>
-            <p:ph type="pic" idx="14"/>
+            <p:ph type="pic" idx="13"/>
           </p:nvPr>
         </p:nvSpPr>
         <p:spPr>
@@ -1521,7 +1522,7 @@
           </a:prstGeom>
         </p:spPr>
         <p:txBody>
-          <a:bodyPr lIns="91439" tIns="45719" rIns="91439" bIns="45719">
+          <a:bodyPr lIns="91439" tIns="45719" rIns="91439" bIns="45719" anchor="t">
             <a:noAutofit/>
           </a:bodyPr>
           <a:lstStyle/>
@@ -1532,62 +1533,54 @@
       </p:sp>
       <p:sp>
         <p:nvSpPr>
-          <p:cNvPr id="134" name="Shape 134"/>
+          <p:cNvPr id="138" name="Shape 138"/>
           <p:cNvSpPr/>
           <p:nvPr>
-            <p:ph type="body" sz="quarter" idx="15"/>
+            <p:ph type="body" sz="quarter" idx="14"/>
           </p:nvPr>
         </p:nvSpPr>
         <p:spPr>
           <a:xfrm>
             <a:off x="5892800" y="7732183"/>
-            <a:ext cx="6705600" cy="977901"/>
+            <a:ext cx="6705600" cy="977902"/>
           </a:xfrm>
           <a:prstGeom prst="rect">
             <a:avLst/>
           </a:prstGeom>
         </p:spPr>
         <p:txBody>
-          <a:bodyPr anchor="ctr">
-            <a:spAutoFit/>
-          </a:bodyPr>
-          <a:lstStyle>
-            <a:lvl1pPr marL="0" indent="0" defTabSz="457200">
+          <a:bodyPr anchor="ctr"/>
+          <a:lstStyle/>
+          <a:p>
+            <a:pPr defTabSz="457200">
+              <a:lnSpc>
+                <a:spcPct val="100000"/>
+              </a:lnSpc>
               <a:spcBef>
                 <a:spcPts val="0"/>
               </a:spcBef>
-              <a:buClrTx/>
-              <a:buSzTx/>
-              <a:buFontTx/>
-              <a:buNone/>
-              <a:defRPr b="1" sz="6000">
+              <a:defRPr b="1" cap="none" sz="6000">
                 <a:solidFill>
                   <a:srgbClr val="232323"/>
                 </a:solidFill>
-                <a:latin typeface="+mn-lt"/>
-                <a:ea typeface="+mn-ea"/>
-                <a:cs typeface="+mn-cs"/>
-                <a:sym typeface="Baskerville"/>
-              </a:defRPr>
-            </a:lvl1pPr>
-          </a:lstStyle>
-          <a:p>
-            <a:pPr/>
-            <a:r>
-              <a:t>Johnny Appleseed</a:t>
-            </a:r>
+              </a:defRPr>
+            </a:pPr>
           </a:p>
         </p:txBody>
       </p:sp>
       <p:sp>
         <p:nvSpPr>
-          <p:cNvPr id="135" name="Shape 135"/>
+          <p:cNvPr id="139" name="Shape 139"/>
           <p:cNvSpPr/>
           <p:nvPr>
             <p:ph type="sldNum" sz="quarter" idx="2"/>
           </p:nvPr>
         </p:nvSpPr>
         <p:spPr>
+          <a:xfrm>
+            <a:off x="12174419" y="431800"/>
+            <a:ext cx="419101" cy="457200"/>
+          </a:xfrm>
           <a:prstGeom prst="rect">
             <a:avLst/>
           </a:prstGeom>
@@ -1613,10 +1606,141 @@
 <file path=ppt/slideLayouts/slideLayout14.xml><?xml version="1.0" encoding="utf-8"?>
 <p:sldLayout xmlns:a="http://schemas.openxmlformats.org/drawingml/2006/main" xmlns:r="http://schemas.openxmlformats.org/officeDocument/2006/relationships" xmlns:p="http://schemas.openxmlformats.org/presentationml/2006/main" type="tx" showMasterSp="0" showMasterPhAnim="1">
   <p:cSld name="照片">
+    <p:spTree>
+      <p:nvGrpSpPr>
+        <p:cNvPr id="1" name=""/>
+        <p:cNvGrpSpPr/>
+        <p:nvPr/>
+      </p:nvGrpSpPr>
+      <p:grpSpPr>
+        <a:xfrm>
+          <a:off x="0" y="0"/>
+          <a:ext cx="0" cy="0"/>
+          <a:chOff x="0" y="0"/>
+          <a:chExt cx="0" cy="0"/>
+        </a:xfrm>
+      </p:grpSpPr>
+      <p:sp>
+        <p:nvSpPr>
+          <p:cNvPr id="146" name="Shape 146"/>
+          <p:cNvSpPr/>
+          <p:nvPr>
+            <p:ph type="pic" idx="13"/>
+          </p:nvPr>
+        </p:nvSpPr>
+        <p:spPr>
+          <a:xfrm>
+            <a:off x="0" y="0"/>
+            <a:ext cx="13004800" cy="9753600"/>
+          </a:xfrm>
+          <a:prstGeom prst="rect">
+            <a:avLst/>
+          </a:prstGeom>
+        </p:spPr>
+        <p:txBody>
+          <a:bodyPr lIns="91439" tIns="45719" rIns="91439" bIns="45719" anchor="t">
+            <a:noAutofit/>
+          </a:bodyPr>
+          <a:lstStyle/>
+          <a:p>
+            <a:pPr/>
+          </a:p>
+        </p:txBody>
+      </p:sp>
+      <p:sp>
+        <p:nvSpPr>
+          <p:cNvPr id="147" name="Shape 147"/>
+          <p:cNvSpPr/>
+          <p:nvPr>
+            <p:ph type="sldNum" sz="quarter" idx="2"/>
+          </p:nvPr>
+        </p:nvSpPr>
+        <p:spPr>
+          <a:xfrm>
+            <a:off x="12174419" y="431800"/>
+            <a:ext cx="419101" cy="457200"/>
+          </a:xfrm>
+          <a:prstGeom prst="rect">
+            <a:avLst/>
+          </a:prstGeom>
+        </p:spPr>
+        <p:txBody>
+          <a:bodyPr/>
+          <a:lstStyle/>
+          <a:p>
+            <a:pPr/>
+            <a:fld id="{86CB4B4D-7CA3-9044-876B-883B54F8677D}" type="slidenum"/>
+          </a:p>
+        </p:txBody>
+      </p:sp>
+    </p:spTree>
+  </p:cSld>
+  <p:clrMapOvr>
+    <a:masterClrMapping/>
+  </p:clrMapOvr>
+  <p:transition xmlns:p14="http://schemas.microsoft.com/office/powerpoint/2010/main" spd="med" advClick="1"/>
+</p:sldLayout>
+</file>
+
+<file path=ppt/slideLayouts/slideLayout15.xml><?xml version="1.0" encoding="utf-8"?>
+<p:sldLayout xmlns:a="http://schemas.openxmlformats.org/drawingml/2006/main" xmlns:r="http://schemas.openxmlformats.org/officeDocument/2006/relationships" xmlns:p="http://schemas.openxmlformats.org/presentationml/2006/main" type="tx" showMasterSp="0" showMasterPhAnim="1">
+  <p:cSld name="空白">
+    <p:spTree>
+      <p:nvGrpSpPr>
+        <p:cNvPr id="1" name=""/>
+        <p:cNvGrpSpPr/>
+        <p:nvPr/>
+      </p:nvGrpSpPr>
+      <p:grpSpPr>
+        <a:xfrm>
+          <a:off x="0" y="0"/>
+          <a:ext cx="0" cy="0"/>
+          <a:chOff x="0" y="0"/>
+          <a:chExt cx="0" cy="0"/>
+        </a:xfrm>
+      </p:grpSpPr>
+      <p:sp>
+        <p:nvSpPr>
+          <p:cNvPr id="154" name="Shape 154"/>
+          <p:cNvSpPr/>
+          <p:nvPr>
+            <p:ph type="sldNum" sz="quarter" idx="2"/>
+          </p:nvPr>
+        </p:nvSpPr>
+        <p:spPr>
+          <a:xfrm>
+            <a:off x="12174419" y="431800"/>
+            <a:ext cx="419101" cy="457200"/>
+          </a:xfrm>
+          <a:prstGeom prst="rect">
+            <a:avLst/>
+          </a:prstGeom>
+        </p:spPr>
+        <p:txBody>
+          <a:bodyPr/>
+          <a:lstStyle/>
+          <a:p>
+            <a:pPr/>
+            <a:fld id="{86CB4B4D-7CA3-9044-876B-883B54F8677D}" type="slidenum"/>
+          </a:p>
+        </p:txBody>
+      </p:sp>
+    </p:spTree>
+  </p:cSld>
+  <p:clrMapOvr>
+    <a:masterClrMapping/>
+  </p:clrMapOvr>
+  <p:transition xmlns:p14="http://schemas.microsoft.com/office/powerpoint/2010/main" spd="med" advClick="1"/>
+</p:sldLayout>
+</file>
+
+<file path=ppt/slideLayouts/slideLayout16.xml><?xml version="1.0" encoding="utf-8"?>
+<p:sldLayout xmlns:a="http://schemas.openxmlformats.org/drawingml/2006/main" xmlns:r="http://schemas.openxmlformats.org/officeDocument/2006/relationships" xmlns:p="http://schemas.openxmlformats.org/presentationml/2006/main" type="tx" showMasterSp="0" showMasterPhAnim="1">
+  <p:cSld name="空白（备选）">
     <p:bg>
       <p:bgPr>
         <a:solidFill>
-          <a:srgbClr val="222222"/>
+          <a:srgbClr val="FFFFFF"/>
         </a:solidFill>
       </p:bgPr>
     </p:bg>
@@ -1636,7 +1760,59 @@
       </p:grpSpPr>
       <p:sp>
         <p:nvSpPr>
-          <p:cNvPr id="142" name="Shape 142"/>
+          <p:cNvPr id="161" name="Shape 161"/>
+          <p:cNvSpPr/>
+          <p:nvPr>
+            <p:ph type="sldNum" sz="quarter" idx="2"/>
+          </p:nvPr>
+        </p:nvSpPr>
+        <p:spPr>
+          <a:xfrm>
+            <a:off x="12174419" y="431800"/>
+            <a:ext cx="419101" cy="457200"/>
+          </a:xfrm>
+          <a:prstGeom prst="rect">
+            <a:avLst/>
+          </a:prstGeom>
+        </p:spPr>
+        <p:txBody>
+          <a:bodyPr/>
+          <a:lstStyle/>
+          <a:p>
+            <a:pPr/>
+            <a:fld id="{86CB4B4D-7CA3-9044-876B-883B54F8677D}" type="slidenum"/>
+          </a:p>
+        </p:txBody>
+      </p:sp>
+    </p:spTree>
+  </p:cSld>
+  <p:clrMapOvr>
+    <a:masterClrMapping/>
+  </p:clrMapOvr>
+  <p:transition xmlns:p14="http://schemas.microsoft.com/office/powerpoint/2010/main" spd="med" advClick="1"/>
+</p:sldLayout>
+</file>
+
+<file path=ppt/slideLayouts/slideLayout2.xml><?xml version="1.0" encoding="utf-8"?>
+<p:sldLayout xmlns:a="http://schemas.openxmlformats.org/drawingml/2006/main" xmlns:r="http://schemas.openxmlformats.org/officeDocument/2006/relationships" xmlns:p="http://schemas.openxmlformats.org/presentationml/2006/main" type="tx" showMasterSp="0" showMasterPhAnim="1">
+  <p:cSld name="照片 - 水平">
+    <p:spTree>
+      <p:nvGrpSpPr>
+        <p:cNvPr id="1" name=""/>
+        <p:cNvGrpSpPr/>
+        <p:nvPr/>
+      </p:nvGrpSpPr>
+      <p:grpSpPr>
+        <a:xfrm>
+          <a:off x="0" y="0"/>
+          <a:ext cx="0" cy="0"/>
+          <a:chOff x="0" y="0"/>
+          <a:chExt cx="0" cy="0"/>
+        </a:xfrm>
+      </p:grpSpPr>
+      <p:sp>
+        <p:nvSpPr>
+          <p:cNvPr id="21" name="Shape 21"/>
           <p:cNvSpPr/>
           <p:nvPr>
             <p:ph type="pic" idx="13"/>
@@ -1652,7 +1828,7 @@
           </a:prstGeom>
         </p:spPr>
         <p:txBody>
-          <a:bodyPr lIns="91439" tIns="45719" rIns="91439" bIns="45719">
+          <a:bodyPr lIns="91439" tIns="45719" rIns="91439" bIns="45719" anchor="t">
             <a:noAutofit/>
           </a:bodyPr>
           <a:lstStyle/>
@@ -1663,7 +1839,225 @@
       </p:sp>
       <p:sp>
         <p:nvSpPr>
-          <p:cNvPr id="143" name="Shape 143"/>
+          <p:cNvPr id="22" name="Shape 22"/>
+          <p:cNvSpPr/>
+          <p:nvPr>
+            <p:ph type="body" sz="quarter" idx="1"/>
+          </p:nvPr>
+        </p:nvSpPr>
+        <p:spPr>
+          <a:xfrm>
+            <a:off x="406400" y="6140894"/>
+            <a:ext cx="12192000" cy="264"/>
+          </a:xfrm>
+          <a:prstGeom prst="rect">
+            <a:avLst/>
+          </a:prstGeom>
+          <a:ln w="38100">
+            <a:solidFill>
+              <a:srgbClr val="A6AAA9"/>
+            </a:solidFill>
+          </a:ln>
+        </p:spPr>
+        <p:txBody>
+          <a:bodyPr anchor="ctr"/>
+          <a:lstStyle>
+            <a:lvl1pPr marL="444500" indent="-444500">
+              <a:lnSpc>
+                <a:spcPct val="100000"/>
+              </a:lnSpc>
+              <a:spcBef>
+                <a:spcPts val="2800"/>
+              </a:spcBef>
+              <a:buClr>
+                <a:srgbClr val="39A3D5"/>
+              </a:buClr>
+              <a:buSzPct val="104999"/>
+              <a:buFont typeface="Avenir Next"/>
+              <a:buChar char="‣"/>
+              <a:defRPr cap="none" sz="3400">
+                <a:solidFill>
+                  <a:srgbClr val="838787"/>
+                </a:solidFill>
+                <a:latin typeface="Avenir Next Medium"/>
+                <a:ea typeface="Avenir Next Medium"/>
+                <a:cs typeface="Avenir Next Medium"/>
+                <a:sym typeface="Avenir Next Medium"/>
+              </a:defRPr>
+            </a:lvl1pPr>
+            <a:lvl2pPr marL="889000" indent="-444500">
+              <a:lnSpc>
+                <a:spcPct val="100000"/>
+              </a:lnSpc>
+              <a:spcBef>
+                <a:spcPts val="2800"/>
+              </a:spcBef>
+              <a:buClr>
+                <a:srgbClr val="39A3D5"/>
+              </a:buClr>
+              <a:buSzPct val="104999"/>
+              <a:buFont typeface="Avenir Next"/>
+              <a:buChar char="‣"/>
+              <a:defRPr cap="none" sz="3400">
+                <a:solidFill>
+                  <a:srgbClr val="838787"/>
+                </a:solidFill>
+                <a:latin typeface="Avenir Next Medium"/>
+                <a:ea typeface="Avenir Next Medium"/>
+                <a:cs typeface="Avenir Next Medium"/>
+                <a:sym typeface="Avenir Next Medium"/>
+              </a:defRPr>
+            </a:lvl2pPr>
+            <a:lvl3pPr marL="1333500" indent="-444500">
+              <a:lnSpc>
+                <a:spcPct val="100000"/>
+              </a:lnSpc>
+              <a:spcBef>
+                <a:spcPts val="2800"/>
+              </a:spcBef>
+              <a:buClr>
+                <a:srgbClr val="39A3D5"/>
+              </a:buClr>
+              <a:buSzPct val="104999"/>
+              <a:buFont typeface="Avenir Next"/>
+              <a:buChar char="‣"/>
+              <a:defRPr cap="none" sz="3400">
+                <a:solidFill>
+                  <a:srgbClr val="838787"/>
+                </a:solidFill>
+                <a:latin typeface="Avenir Next Medium"/>
+                <a:ea typeface="Avenir Next Medium"/>
+                <a:cs typeface="Avenir Next Medium"/>
+                <a:sym typeface="Avenir Next Medium"/>
+              </a:defRPr>
+            </a:lvl3pPr>
+            <a:lvl4pPr marL="1778000" indent="-444500">
+              <a:lnSpc>
+                <a:spcPct val="100000"/>
+              </a:lnSpc>
+              <a:spcBef>
+                <a:spcPts val="2800"/>
+              </a:spcBef>
+              <a:buClr>
+                <a:srgbClr val="39A3D5"/>
+              </a:buClr>
+              <a:buSzPct val="104999"/>
+              <a:buFont typeface="Avenir Next"/>
+              <a:buChar char="‣"/>
+              <a:defRPr cap="none" sz="3400">
+                <a:solidFill>
+                  <a:srgbClr val="838787"/>
+                </a:solidFill>
+                <a:latin typeface="Avenir Next Medium"/>
+                <a:ea typeface="Avenir Next Medium"/>
+                <a:cs typeface="Avenir Next Medium"/>
+                <a:sym typeface="Avenir Next Medium"/>
+              </a:defRPr>
+            </a:lvl4pPr>
+            <a:lvl5pPr marL="2222500" indent="-444500">
+              <a:lnSpc>
+                <a:spcPct val="100000"/>
+              </a:lnSpc>
+              <a:spcBef>
+                <a:spcPts val="2800"/>
+              </a:spcBef>
+              <a:buClr>
+                <a:srgbClr val="39A3D5"/>
+              </a:buClr>
+              <a:buSzPct val="104999"/>
+              <a:buFont typeface="Avenir Next"/>
+              <a:buChar char="‣"/>
+              <a:defRPr cap="none" sz="3400">
+                <a:solidFill>
+                  <a:srgbClr val="838787"/>
+                </a:solidFill>
+                <a:latin typeface="Avenir Next Medium"/>
+                <a:ea typeface="Avenir Next Medium"/>
+                <a:cs typeface="Avenir Next Medium"/>
+                <a:sym typeface="Avenir Next Medium"/>
+              </a:defRPr>
+            </a:lvl5pPr>
+          </a:lstStyle>
+          <a:p>
+            <a:pPr/>
+            <a:r>
+              <a:t>正文级别 1</a:t>
+            </a:r>
+          </a:p>
+          <a:p>
+            <a:pPr lvl="1"/>
+            <a:r>
+              <a:t>正文级别 2</a:t>
+            </a:r>
+          </a:p>
+          <a:p>
+            <a:pPr lvl="2"/>
+            <a:r>
+              <a:t>正文级别 3</a:t>
+            </a:r>
+          </a:p>
+          <a:p>
+            <a:pPr lvl="3"/>
+            <a:r>
+              <a:t>正文级别 4</a:t>
+            </a:r>
+          </a:p>
+          <a:p>
+            <a:pPr lvl="4"/>
+            <a:r>
+              <a:t>正文级别 5</a:t>
+            </a:r>
+          </a:p>
+        </p:txBody>
+      </p:sp>
+      <p:sp>
+        <p:nvSpPr>
+          <p:cNvPr id="23" name="Shape 23"/>
+          <p:cNvSpPr/>
+          <p:nvPr>
+            <p:ph type="title"/>
+          </p:nvPr>
+        </p:nvSpPr>
+        <p:spPr>
+          <a:prstGeom prst="rect">
+            <a:avLst/>
+          </a:prstGeom>
+        </p:spPr>
+        <p:txBody>
+          <a:bodyPr/>
+          <a:lstStyle/>
+          <a:p>
+            <a:pPr/>
+            <a:r>
+              <a:t>标题文本</a:t>
+            </a:r>
+          </a:p>
+        </p:txBody>
+      </p:sp>
+      <p:sp>
+        <p:nvSpPr>
+          <p:cNvPr id="24" name="Shape 24"/>
+          <p:cNvSpPr/>
+          <p:nvPr>
+            <p:ph type="body" sz="quarter" idx="14"/>
+          </p:nvPr>
+        </p:nvSpPr>
+        <p:spPr>
+          <a:prstGeom prst="rect">
+            <a:avLst/>
+          </a:prstGeom>
+        </p:spPr>
+        <p:txBody>
+          <a:bodyPr/>
+          <a:lstStyle/>
+          <a:p>
+            <a:pPr/>
+          </a:p>
+        </p:txBody>
+      </p:sp>
+      <p:sp>
+        <p:nvSpPr>
+          <p:cNvPr id="25" name="Shape 25"/>
           <p:cNvSpPr/>
           <p:nvPr>
             <p:ph type="sldNum" sz="quarter" idx="2"/>
@@ -1692,13 +2086,13 @@
 </p:sldLayout>
 </file>
 
-<file path=ppt/slideLayouts/slideLayout15.xml><?xml version="1.0" encoding="utf-8"?>
-<p:sldLayout xmlns:a="http://schemas.openxmlformats.org/drawingml/2006/main" xmlns:r="http://schemas.openxmlformats.org/officeDocument/2006/relationships" xmlns:p="http://schemas.openxmlformats.org/presentationml/2006/main" type="tx" showMasterSp="0" showMasterPhAnim="1">
-  <p:cSld name="空白">
+<file path=ppt/slideLayouts/slideLayout3.xml><?xml version="1.0" encoding="utf-8"?>
+<p:sldLayout xmlns:a="http://schemas.openxmlformats.org/drawingml/2006/main" xmlns:r="http://schemas.openxmlformats.org/officeDocument/2006/relationships" xmlns:p="http://schemas.openxmlformats.org/presentationml/2006/main" type="tx" showMasterSp="1" showMasterPhAnim="1">
+  <p:cSld name="标题与副标题（备选）">
     <p:bg>
       <p:bgPr>
         <a:solidFill>
-          <a:srgbClr val="222222"/>
+          <a:srgbClr val="FFFFFF"/>
         </a:solidFill>
       </p:bgPr>
     </p:bg>
@@ -1718,13 +2112,89 @@
       </p:grpSpPr>
       <p:sp>
         <p:nvSpPr>
-          <p:cNvPr id="150" name="Shape 150"/>
+          <p:cNvPr id="32" name="Shape 32"/>
+          <p:cNvSpPr/>
+          <p:nvPr>
+            <p:ph type="title"/>
+          </p:nvPr>
+        </p:nvSpPr>
+        <p:spPr>
+          <a:prstGeom prst="rect">
+            <a:avLst/>
+          </a:prstGeom>
+        </p:spPr>
+        <p:txBody>
+          <a:bodyPr/>
+          <a:lstStyle/>
+          <a:p>
+            <a:pPr/>
+            <a:r>
+              <a:t>标题文本</a:t>
+            </a:r>
+          </a:p>
+        </p:txBody>
+      </p:sp>
+      <p:sp>
+        <p:nvSpPr>
+          <p:cNvPr id="33" name="Shape 33"/>
+          <p:cNvSpPr/>
+          <p:nvPr>
+            <p:ph type="body" sz="quarter" idx="1"/>
+          </p:nvPr>
+        </p:nvSpPr>
+        <p:spPr>
+          <a:prstGeom prst="rect">
+            <a:avLst/>
+          </a:prstGeom>
+        </p:spPr>
+        <p:txBody>
+          <a:bodyPr/>
+          <a:lstStyle/>
+          <a:p>
+            <a:pPr/>
+            <a:r>
+              <a:t>正文级别 1</a:t>
+            </a:r>
+          </a:p>
+          <a:p>
+            <a:pPr lvl="1"/>
+            <a:r>
+              <a:t>正文级别 2</a:t>
+            </a:r>
+          </a:p>
+          <a:p>
+            <a:pPr lvl="2"/>
+            <a:r>
+              <a:t>正文级别 3</a:t>
+            </a:r>
+          </a:p>
+          <a:p>
+            <a:pPr lvl="3"/>
+            <a:r>
+              <a:t>正文级别 4</a:t>
+            </a:r>
+          </a:p>
+          <a:p>
+            <a:pPr lvl="4"/>
+            <a:r>
+              <a:t>正文级别 5</a:t>
+            </a:r>
+          </a:p>
+        </p:txBody>
+      </p:sp>
+      <p:sp>
+        <p:nvSpPr>
+          <p:cNvPr id="34" name="Shape 34"/>
           <p:cNvSpPr/>
           <p:nvPr>
             <p:ph type="sldNum" sz="quarter" idx="2"/>
           </p:nvPr>
         </p:nvSpPr>
         <p:spPr>
+          <a:xfrm>
+            <a:off x="12149657" y="419100"/>
+            <a:ext cx="419101" cy="457200"/>
+          </a:xfrm>
           <a:prstGeom prst="rect">
             <a:avLst/>
           </a:prstGeom>
@@ -1747,9 +2217,9 @@
 </p:sldLayout>
 </file>
 
-<file path=ppt/slideLayouts/slideLayout16.xml><?xml version="1.0" encoding="utf-8"?>
+<file path=ppt/slideLayouts/slideLayout4.xml><?xml version="1.0" encoding="utf-8"?>
 <p:sldLayout xmlns:a="http://schemas.openxmlformats.org/drawingml/2006/main" xmlns:r="http://schemas.openxmlformats.org/officeDocument/2006/relationships" xmlns:p="http://schemas.openxmlformats.org/presentationml/2006/main" type="tx" showMasterSp="0" showMasterPhAnim="1">
-  <p:cSld name="空白（备选）">
+  <p:cSld name="标题 - 居中">
     <p:spTree>
       <p:nvGrpSpPr>
         <p:cNvPr id="1" name=""/>
@@ -1766,7 +2236,35 @@
       </p:grpSpPr>
       <p:sp>
         <p:nvSpPr>
-          <p:cNvPr id="157" name="Shape 157"/>
+          <p:cNvPr id="41" name="Shape 41"/>
+          <p:cNvSpPr/>
+          <p:nvPr>
+            <p:ph type="title"/>
+          </p:nvPr>
+        </p:nvSpPr>
+        <p:spPr>
+          <a:xfrm>
+            <a:off x="406400" y="4038600"/>
+            <a:ext cx="12192000" cy="4521200"/>
+          </a:xfrm>
+          <a:prstGeom prst="rect">
+            <a:avLst/>
+          </a:prstGeom>
+        </p:spPr>
+        <p:txBody>
+          <a:bodyPr/>
+          <a:lstStyle/>
+          <a:p>
+            <a:pPr/>
+            <a:r>
+              <a:t>标题文本</a:t>
+            </a:r>
+          </a:p>
+        </p:txBody>
+      </p:sp>
+      <p:sp>
+        <p:nvSpPr>
+          <p:cNvPr id="42" name="Shape 42"/>
           <p:cNvSpPr/>
           <p:nvPr>
             <p:ph type="sldNum" sz="quarter" idx="2"/>
@@ -1795,13 +2293,203 @@
 </p:sldLayout>
 </file>
 
-<file path=ppt/slideLayouts/slideLayout2.xml><?xml version="1.0" encoding="utf-8"?>
+<file path=ppt/slideLayouts/slideLayout5.xml><?xml version="1.0" encoding="utf-8"?>
 <p:sldLayout xmlns:a="http://schemas.openxmlformats.org/drawingml/2006/main" xmlns:r="http://schemas.openxmlformats.org/officeDocument/2006/relationships" xmlns:p="http://schemas.openxmlformats.org/presentationml/2006/main" type="tx" showMasterSp="0" showMasterPhAnim="1">
-  <p:cSld name="照片 - 水平">
+  <p:cSld name="照片 - 垂直">
+    <p:spTree>
+      <p:nvGrpSpPr>
+        <p:cNvPr id="1" name=""/>
+        <p:cNvGrpSpPr/>
+        <p:nvPr/>
+      </p:nvGrpSpPr>
+      <p:grpSpPr>
+        <a:xfrm>
+          <a:off x="0" y="0"/>
+          <a:ext cx="0" cy="0"/>
+          <a:chOff x="0" y="0"/>
+          <a:chExt cx="0" cy="0"/>
+        </a:xfrm>
+      </p:grpSpPr>
+      <p:sp>
+        <p:nvSpPr>
+          <p:cNvPr id="49" name="Shape 49"/>
+          <p:cNvSpPr/>
+          <p:nvPr/>
+        </p:nvSpPr>
+        <p:spPr>
+          <a:xfrm flipV="1">
+            <a:off x="5892800" y="6141011"/>
+            <a:ext cx="6705601" cy="146"/>
+          </a:xfrm>
+          <a:prstGeom prst="line">
+            <a:avLst/>
+          </a:prstGeom>
+          <a:ln w="38100">
+            <a:solidFill>
+              <a:srgbClr val="A6AAA9"/>
+            </a:solidFill>
+            <a:miter lim="400000"/>
+          </a:ln>
+        </p:spPr>
+        <p:txBody>
+          <a:bodyPr lIns="45718" tIns="45718" rIns="45718" bIns="45718"/>
+          <a:lstStyle/>
+          <a:p>
+            <a:pPr>
+              <a:defRPr>
+                <a:solidFill>
+                  <a:srgbClr val="838787"/>
+                </a:solidFill>
+              </a:defRPr>
+            </a:pPr>
+          </a:p>
+        </p:txBody>
+      </p:sp>
+      <p:sp>
+        <p:nvSpPr>
+          <p:cNvPr id="50" name="Shape 50"/>
+          <p:cNvSpPr/>
+          <p:nvPr>
+            <p:ph type="pic" idx="13"/>
+          </p:nvPr>
+        </p:nvSpPr>
+        <p:spPr>
+          <a:xfrm>
+            <a:off x="0" y="0"/>
+            <a:ext cx="5486400" cy="9753600"/>
+          </a:xfrm>
+          <a:prstGeom prst="rect">
+            <a:avLst/>
+          </a:prstGeom>
+        </p:spPr>
+        <p:txBody>
+          <a:bodyPr lIns="91439" tIns="45719" rIns="91439" bIns="45719" anchor="t">
+            <a:noAutofit/>
+          </a:bodyPr>
+          <a:lstStyle/>
+          <a:p>
+            <a:pPr/>
+          </a:p>
+        </p:txBody>
+      </p:sp>
+      <p:sp>
+        <p:nvSpPr>
+          <p:cNvPr id="51" name="Shape 51"/>
+          <p:cNvSpPr/>
+          <p:nvPr>
+            <p:ph type="title"/>
+          </p:nvPr>
+        </p:nvSpPr>
+        <p:spPr>
+          <a:xfrm>
+            <a:off x="5892800" y="6426200"/>
+            <a:ext cx="6705600" cy="2705100"/>
+          </a:xfrm>
+          <a:prstGeom prst="rect">
+            <a:avLst/>
+          </a:prstGeom>
+        </p:spPr>
+        <p:txBody>
+          <a:bodyPr/>
+          <a:lstStyle/>
+          <a:p>
+            <a:pPr/>
+            <a:r>
+              <a:t>标题文本</a:t>
+            </a:r>
+          </a:p>
+        </p:txBody>
+      </p:sp>
+      <p:sp>
+        <p:nvSpPr>
+          <p:cNvPr id="52" name="Shape 52"/>
+          <p:cNvSpPr/>
+          <p:nvPr>
+            <p:ph type="body" sz="quarter" idx="1"/>
+          </p:nvPr>
+        </p:nvSpPr>
+        <p:spPr>
+          <a:xfrm>
+            <a:off x="5892800" y="4267200"/>
+            <a:ext cx="6705600" cy="1803400"/>
+          </a:xfrm>
+          <a:prstGeom prst="rect">
+            <a:avLst/>
+          </a:prstGeom>
+        </p:spPr>
+        <p:txBody>
+          <a:bodyPr/>
+          <a:lstStyle/>
+          <a:p>
+            <a:pPr/>
+            <a:r>
+              <a:t>正文级别 1</a:t>
+            </a:r>
+          </a:p>
+          <a:p>
+            <a:pPr lvl="1"/>
+            <a:r>
+              <a:t>正文级别 2</a:t>
+            </a:r>
+          </a:p>
+          <a:p>
+            <a:pPr lvl="2"/>
+            <a:r>
+              <a:t>正文级别 3</a:t>
+            </a:r>
+          </a:p>
+          <a:p>
+            <a:pPr lvl="3"/>
+            <a:r>
+              <a:t>正文级别 4</a:t>
+            </a:r>
+          </a:p>
+          <a:p>
+            <a:pPr lvl="4"/>
+            <a:r>
+              <a:t>正文级别 5</a:t>
+            </a:r>
+          </a:p>
+        </p:txBody>
+      </p:sp>
+      <p:sp>
+        <p:nvSpPr>
+          <p:cNvPr id="53" name="Shape 53"/>
+          <p:cNvSpPr/>
+          <p:nvPr>
+            <p:ph type="sldNum" sz="quarter" idx="2"/>
+          </p:nvPr>
+        </p:nvSpPr>
+        <p:spPr>
+          <a:prstGeom prst="rect">
+            <a:avLst/>
+          </a:prstGeom>
+        </p:spPr>
+        <p:txBody>
+          <a:bodyPr/>
+          <a:lstStyle/>
+          <a:p>
+            <a:pPr/>
+            <a:fld id="{86CB4B4D-7CA3-9044-876B-883B54F8677D}" type="slidenum"/>
+          </a:p>
+        </p:txBody>
+      </p:sp>
+    </p:spTree>
+  </p:cSld>
+  <p:clrMapOvr>
+    <a:masterClrMapping/>
+  </p:clrMapOvr>
+  <p:transition xmlns:p14="http://schemas.microsoft.com/office/powerpoint/2010/main" spd="med" advClick="1"/>
+</p:sldLayout>
+</file>
+
+<file path=ppt/slideLayouts/slideLayout6.xml><?xml version="1.0" encoding="utf-8"?>
+<p:sldLayout xmlns:a="http://schemas.openxmlformats.org/drawingml/2006/main" xmlns:r="http://schemas.openxmlformats.org/officeDocument/2006/relationships" xmlns:p="http://schemas.openxmlformats.org/presentationml/2006/main" type="tx" showMasterSp="0" showMasterPhAnim="1">
+  <p:cSld name="标题 - 顶部对齐">
     <p:bg>
       <p:bgPr>
         <a:solidFill>
-          <a:srgbClr val="222222"/>
+          <a:srgbClr val="FFFFFF"/>
         </a:solidFill>
       </p:bgPr>
     </p:bg>
@@ -1821,83 +2509,153 @@
       </p:grpSpPr>
       <p:sp>
         <p:nvSpPr>
-          <p:cNvPr id="22" name="Shape 22"/>
+          <p:cNvPr id="60" name="Shape 60"/>
+          <p:cNvSpPr/>
+          <p:nvPr/>
+        </p:nvSpPr>
+        <p:spPr>
+          <a:xfrm flipV="1">
+            <a:off x="406400" y="993160"/>
+            <a:ext cx="12192001" cy="264"/>
+          </a:xfrm>
+          <a:prstGeom prst="line">
+            <a:avLst/>
+          </a:prstGeom>
+          <a:ln w="25400">
+            <a:solidFill>
+              <a:srgbClr val="A6AAA9"/>
+            </a:solidFill>
+            <a:miter lim="400000"/>
+          </a:ln>
+        </p:spPr>
+        <p:txBody>
+          <a:bodyPr lIns="45718" tIns="45718" rIns="45718" bIns="45718"/>
+          <a:lstStyle/>
+          <a:p>
+            <a:pPr>
+              <a:defRPr>
+                <a:solidFill>
+                  <a:srgbClr val="838787"/>
+                </a:solidFill>
+              </a:defRPr>
+            </a:pPr>
+          </a:p>
+        </p:txBody>
+      </p:sp>
+      <p:sp>
+        <p:nvSpPr>
+          <p:cNvPr id="61" name="Shape 61"/>
           <p:cNvSpPr/>
           <p:nvPr>
-            <p:ph type="pic" idx="13"/>
+            <p:ph type="body" sz="quarter" idx="1"/>
           </p:nvPr>
         </p:nvSpPr>
         <p:spPr>
           <a:xfrm>
-            <a:off x="0" y="0"/>
-            <a:ext cx="13004800" cy="9753600"/>
+            <a:off x="406400" y="393700"/>
+            <a:ext cx="11176000" cy="520702"/>
           </a:xfrm>
           <a:prstGeom prst="rect">
             <a:avLst/>
           </a:prstGeom>
         </p:spPr>
         <p:txBody>
-          <a:bodyPr lIns="91439" tIns="45719" rIns="91439" bIns="45719">
-            <a:noAutofit/>
-          </a:bodyPr>
-          <a:lstStyle/>
+          <a:bodyPr/>
+          <a:lstStyle>
+            <a:lvl1pPr defTabSz="457200">
+              <a:spcBef>
+                <a:spcPts val="0"/>
+              </a:spcBef>
+              <a:defRPr b="1" spc="120" sz="2400">
+                <a:solidFill>
+                  <a:srgbClr val="838787"/>
+                </a:solidFill>
+              </a:defRPr>
+            </a:lvl1pPr>
+            <a:lvl2pPr marL="758264" indent="-313764" defTabSz="457200">
+              <a:spcBef>
+                <a:spcPts val="0"/>
+              </a:spcBef>
+              <a:buSzPct val="104999"/>
+              <a:buChar char="‣"/>
+              <a:defRPr b="1" spc="120" sz="2400">
+                <a:solidFill>
+                  <a:srgbClr val="838787"/>
+                </a:solidFill>
+              </a:defRPr>
+            </a:lvl2pPr>
+            <a:lvl3pPr marL="1202764" indent="-313764" defTabSz="457200">
+              <a:spcBef>
+                <a:spcPts val="0"/>
+              </a:spcBef>
+              <a:buSzPct val="104999"/>
+              <a:buChar char="‣"/>
+              <a:defRPr b="1" spc="120" sz="2400">
+                <a:solidFill>
+                  <a:srgbClr val="838787"/>
+                </a:solidFill>
+              </a:defRPr>
+            </a:lvl3pPr>
+            <a:lvl4pPr marL="1647264" indent="-313764" defTabSz="457200">
+              <a:spcBef>
+                <a:spcPts val="0"/>
+              </a:spcBef>
+              <a:buSzPct val="104999"/>
+              <a:buChar char="‣"/>
+              <a:defRPr b="1" spc="120" sz="2400">
+                <a:solidFill>
+                  <a:srgbClr val="838787"/>
+                </a:solidFill>
+              </a:defRPr>
+            </a:lvl4pPr>
+            <a:lvl5pPr marL="2091764" indent="-313764" defTabSz="457200">
+              <a:spcBef>
+                <a:spcPts val="0"/>
+              </a:spcBef>
+              <a:buSzPct val="104999"/>
+              <a:buChar char="‣"/>
+              <a:defRPr b="1" spc="120" sz="2400">
+                <a:solidFill>
+                  <a:srgbClr val="838787"/>
+                </a:solidFill>
+              </a:defRPr>
+            </a:lvl5pPr>
+          </a:lstStyle>
           <a:p>
             <a:pPr/>
+            <a:r>
+              <a:t>正文级别 1</a:t>
+            </a:r>
+          </a:p>
+          <a:p>
+            <a:pPr lvl="1"/>
+            <a:r>
+              <a:t>正文级别 2</a:t>
+            </a:r>
+          </a:p>
+          <a:p>
+            <a:pPr lvl="2"/>
+            <a:r>
+              <a:t>正文级别 3</a:t>
+            </a:r>
+          </a:p>
+          <a:p>
+            <a:pPr lvl="3"/>
+            <a:r>
+              <a:t>正文级别 4</a:t>
+            </a:r>
+          </a:p>
+          <a:p>
+            <a:pPr lvl="4"/>
+            <a:r>
+              <a:t>正文级别 5</a:t>
+            </a:r>
           </a:p>
         </p:txBody>
       </p:sp>
       <p:sp>
         <p:nvSpPr>
-          <p:cNvPr id="23" name="Shape 23"/>
-          <p:cNvSpPr/>
-          <p:nvPr>
-            <p:ph type="body" sz="quarter" idx="14"/>
-          </p:nvPr>
-        </p:nvSpPr>
-        <p:spPr>
-          <a:xfrm flipV="1">
-            <a:off x="406400" y="6140894"/>
-            <a:ext cx="12192000" cy="263"/>
-          </a:xfrm>
-          <a:prstGeom prst="line">
-            <a:avLst/>
-          </a:prstGeom>
-          <a:ln w="38100">
-            <a:solidFill>
-              <a:srgbClr val="A6AAA9"/>
-            </a:solidFill>
-          </a:ln>
-        </p:spPr>
-        <p:txBody>
-          <a:bodyPr anchor="ctr">
-            <a:noAutofit/>
-          </a:bodyPr>
-          <a:lstStyle/>
-          <a:p>
-            <a:pPr marL="0" indent="0" defTabSz="457200">
-              <a:spcBef>
-                <a:spcPts val="0"/>
-              </a:spcBef>
-              <a:buClrTx/>
-              <a:buSzTx/>
-              <a:buFontTx/>
-              <a:buNone/>
-              <a:defRPr sz="1200">
-                <a:solidFill>
-                  <a:srgbClr val="000000"/>
-                </a:solidFill>
-                <a:latin typeface="Helvetica"/>
-                <a:ea typeface="Helvetica"/>
-                <a:cs typeface="Helvetica"/>
-                <a:sym typeface="Helvetica"/>
-              </a:defRPr>
-            </a:pPr>
-          </a:p>
-        </p:txBody>
-      </p:sp>
-      <p:sp>
-        <p:nvSpPr>
-          <p:cNvPr id="24" name="Shape 24"/>
+          <p:cNvPr id="62" name="Shape 62"/>
           <p:cNvSpPr/>
           <p:nvPr>
             <p:ph type="title"/>
@@ -1905,8 +2663,8 @@
         </p:nvSpPr>
         <p:spPr>
           <a:xfrm>
-            <a:off x="406400" y="6426200"/>
-            <a:ext cx="12192000" cy="2705100"/>
+            <a:off x="406400" y="1536700"/>
+            <a:ext cx="12192000" cy="723900"/>
           </a:xfrm>
           <a:prstGeom prst="rect">
             <a:avLst/>
@@ -1917,9 +2675,9 @@
           <a:lstStyle>
             <a:lvl1pPr>
               <a:spcBef>
-                <a:spcPts val="0"/>
-              </a:spcBef>
-              <a:defRPr sz="17000"/>
+                <a:spcPts val="2800"/>
+              </a:spcBef>
+              <a:defRPr sz="6000"/>
             </a:lvl1pPr>
           </a:lstStyle>
           <a:p>
@@ -1932,165 +2690,7 @@
       </p:sp>
       <p:sp>
         <p:nvSpPr>
-          <p:cNvPr id="25" name="Shape 25"/>
-          <p:cNvSpPr/>
-          <p:nvPr>
-            <p:ph type="body" sz="quarter" idx="1"/>
-          </p:nvPr>
-        </p:nvSpPr>
-        <p:spPr>
-          <a:xfrm>
-            <a:off x="406400" y="4267200"/>
-            <a:ext cx="12192000" cy="1803400"/>
-          </a:xfrm>
-          <a:prstGeom prst="rect">
-            <a:avLst/>
-          </a:prstGeom>
-        </p:spPr>
-        <p:txBody>
-          <a:bodyPr anchor="b"/>
-          <a:lstStyle>
-            <a:lvl1pPr marL="0" indent="0">
-              <a:lnSpc>
-                <a:spcPct val="80000"/>
-              </a:lnSpc>
-              <a:spcBef>
-                <a:spcPts val="2300"/>
-              </a:spcBef>
-              <a:buClrTx/>
-              <a:buSzTx/>
-              <a:buFontTx/>
-              <a:buNone/>
-              <a:defRPr cap="all" sz="5400">
-                <a:solidFill>
-                  <a:srgbClr val="A6AAA9"/>
-                </a:solidFill>
-                <a:latin typeface="+mn-lt"/>
-                <a:ea typeface="+mn-ea"/>
-                <a:cs typeface="+mn-cs"/>
-                <a:sym typeface="Baskerville"/>
-              </a:defRPr>
-            </a:lvl1pPr>
-            <a:lvl2pPr marL="0" indent="228600">
-              <a:lnSpc>
-                <a:spcPct val="80000"/>
-              </a:lnSpc>
-              <a:spcBef>
-                <a:spcPts val="2300"/>
-              </a:spcBef>
-              <a:buClrTx/>
-              <a:buSzTx/>
-              <a:buFontTx/>
-              <a:buNone/>
-              <a:defRPr cap="all" sz="5400">
-                <a:solidFill>
-                  <a:srgbClr val="A6AAA9"/>
-                </a:solidFill>
-                <a:latin typeface="+mn-lt"/>
-                <a:ea typeface="+mn-ea"/>
-                <a:cs typeface="+mn-cs"/>
-                <a:sym typeface="Baskerville"/>
-              </a:defRPr>
-            </a:lvl2pPr>
-            <a:lvl3pPr marL="0" indent="457200">
-              <a:lnSpc>
-                <a:spcPct val="80000"/>
-              </a:lnSpc>
-              <a:spcBef>
-                <a:spcPts val="2300"/>
-              </a:spcBef>
-              <a:buClrTx/>
-              <a:buSzTx/>
-              <a:buFontTx/>
-              <a:buNone/>
-              <a:defRPr cap="all" sz="5400">
-                <a:solidFill>
-                  <a:srgbClr val="A6AAA9"/>
-                </a:solidFill>
-                <a:latin typeface="+mn-lt"/>
-                <a:ea typeface="+mn-ea"/>
-                <a:cs typeface="+mn-cs"/>
-                <a:sym typeface="Baskerville"/>
-              </a:defRPr>
-            </a:lvl3pPr>
-            <a:lvl4pPr marL="0" indent="685800">
-              <a:lnSpc>
-                <a:spcPct val="80000"/>
-              </a:lnSpc>
-              <a:spcBef>
-                <a:spcPts val="2300"/>
-              </a:spcBef>
-              <a:buClrTx/>
-              <a:buSzTx/>
-              <a:buFontTx/>
-              <a:buNone/>
-              <a:defRPr cap="all" sz="5400">
-                <a:solidFill>
-                  <a:srgbClr val="A6AAA9"/>
-                </a:solidFill>
-                <a:latin typeface="+mn-lt"/>
-                <a:ea typeface="+mn-ea"/>
-                <a:cs typeface="+mn-cs"/>
-                <a:sym typeface="Baskerville"/>
-              </a:defRPr>
-            </a:lvl4pPr>
-            <a:lvl5pPr marL="0" indent="914400">
-              <a:lnSpc>
-                <a:spcPct val="80000"/>
-              </a:lnSpc>
-              <a:spcBef>
-                <a:spcPts val="2300"/>
-              </a:spcBef>
-              <a:buClrTx/>
-              <a:buSzTx/>
-              <a:buFontTx/>
-              <a:buNone/>
-              <a:defRPr cap="all" sz="5400">
-                <a:solidFill>
-                  <a:srgbClr val="A6AAA9"/>
-                </a:solidFill>
-                <a:latin typeface="+mn-lt"/>
-                <a:ea typeface="+mn-ea"/>
-                <a:cs typeface="+mn-cs"/>
-                <a:sym typeface="Baskerville"/>
-              </a:defRPr>
-            </a:lvl5pPr>
-          </a:lstStyle>
-          <a:p>
-            <a:pPr/>
-            <a:r>
-              <a:t>正文级别 1</a:t>
-            </a:r>
-          </a:p>
-          <a:p>
-            <a:pPr lvl="1"/>
-            <a:r>
-              <a:t>正文级别 2</a:t>
-            </a:r>
-          </a:p>
-          <a:p>
-            <a:pPr lvl="2"/>
-            <a:r>
-              <a:t>正文级别 3</a:t>
-            </a:r>
-          </a:p>
-          <a:p>
-            <a:pPr lvl="3"/>
-            <a:r>
-              <a:t>正文级别 4</a:t>
-            </a:r>
-          </a:p>
-          <a:p>
-            <a:pPr lvl="4"/>
-            <a:r>
-              <a:t>正文级别 5</a:t>
-            </a:r>
-          </a:p>
-        </p:txBody>
-      </p:sp>
-      <p:sp>
-        <p:nvSpPr>
-          <p:cNvPr id="26" name="Shape 26"/>
+          <p:cNvPr id="63" name="Shape 63"/>
           <p:cNvSpPr/>
           <p:nvPr>
             <p:ph type="sldNum" sz="quarter" idx="2"/>
@@ -2098,7 +2698,7 @@
         </p:nvSpPr>
         <p:spPr>
           <a:xfrm>
-            <a:off x="12182237" y="431800"/>
+            <a:off x="12174419" y="431800"/>
             <a:ext cx="419101" cy="457200"/>
           </a:xfrm>
           <a:prstGeom prst="rect">
@@ -2123,9 +2723,9 @@
 </p:sldLayout>
 </file>
 
-<file path=ppt/slideLayouts/slideLayout3.xml><?xml version="1.0" encoding="utf-8"?>
+<file path=ppt/slideLayouts/slideLayout7.xml><?xml version="1.0" encoding="utf-8"?>
 <p:sldLayout xmlns:a="http://schemas.openxmlformats.org/drawingml/2006/main" xmlns:r="http://schemas.openxmlformats.org/officeDocument/2006/relationships" xmlns:p="http://schemas.openxmlformats.org/presentationml/2006/main" type="tx" showMasterSp="0" showMasterPhAnim="1">
-  <p:cSld name="标题与副标题（备选）">
+  <p:cSld name="标题与项目符号">
     <p:spTree>
       <p:nvGrpSpPr>
         <p:cNvPr id="1" name=""/>
@@ -2142,19 +2742,19 @@
       </p:grpSpPr>
       <p:sp>
         <p:nvSpPr>
-          <p:cNvPr id="33" name="Shape 33"/>
+          <p:cNvPr id="70" name="Shape 70"/>
           <p:cNvSpPr/>
           <p:nvPr/>
         </p:nvSpPr>
         <p:spPr>
           <a:xfrm flipV="1">
-            <a:off x="406400" y="6140894"/>
-            <a:ext cx="12192000" cy="263"/>
+            <a:off x="406400" y="993160"/>
+            <a:ext cx="12192001" cy="264"/>
           </a:xfrm>
           <a:prstGeom prst="line">
             <a:avLst/>
           </a:prstGeom>
-          <a:ln w="38100">
+          <a:ln w="25400">
             <a:solidFill>
               <a:srgbClr val="A6AAA9"/>
             </a:solidFill>
@@ -2162,21 +2762,14 @@
           </a:ln>
         </p:spPr>
         <p:txBody>
-          <a:bodyPr lIns="50800" tIns="50800" rIns="50800" bIns="50800" anchor="ctr"/>
+          <a:bodyPr lIns="45718" tIns="45718" rIns="45718" bIns="45718"/>
           <a:lstStyle/>
           <a:p>
-            <a:pPr defTabSz="457200">
-              <a:spcBef>
-                <a:spcPts val="0"/>
-              </a:spcBef>
-              <a:defRPr sz="1200">
-                <a:solidFill>
-                  <a:srgbClr val="000000"/>
-                </a:solidFill>
-                <a:latin typeface="Helvetica"/>
-                <a:ea typeface="Helvetica"/>
-                <a:cs typeface="Helvetica"/>
-                <a:sym typeface="Helvetica"/>
+            <a:pPr>
+              <a:defRPr>
+                <a:solidFill>
+                  <a:srgbClr val="838787"/>
+                </a:solidFill>
               </a:defRPr>
             </a:pPr>
           </a:p>
@@ -2184,7 +2777,118 @@
       </p:sp>
       <p:sp>
         <p:nvSpPr>
-          <p:cNvPr id="34" name="Shape 34"/>
+          <p:cNvPr id="71" name="Shape 71"/>
+          <p:cNvSpPr/>
+          <p:nvPr>
+            <p:ph type="body" sz="quarter" idx="1"/>
+          </p:nvPr>
+        </p:nvSpPr>
+        <p:spPr>
+          <a:xfrm>
+            <a:off x="406400" y="393700"/>
+            <a:ext cx="11176000" cy="520702"/>
+          </a:xfrm>
+          <a:prstGeom prst="rect">
+            <a:avLst/>
+          </a:prstGeom>
+        </p:spPr>
+        <p:txBody>
+          <a:bodyPr/>
+          <a:lstStyle>
+            <a:lvl1pPr defTabSz="457200">
+              <a:spcBef>
+                <a:spcPts val="0"/>
+              </a:spcBef>
+              <a:defRPr b="1" spc="120" sz="2400">
+                <a:solidFill>
+                  <a:srgbClr val="838787"/>
+                </a:solidFill>
+              </a:defRPr>
+            </a:lvl1pPr>
+            <a:lvl2pPr marL="758264" indent="-313764" defTabSz="457200">
+              <a:spcBef>
+                <a:spcPts val="0"/>
+              </a:spcBef>
+              <a:buSzPct val="104999"/>
+              <a:buChar char="‣"/>
+              <a:defRPr b="1" spc="120" sz="2400">
+                <a:solidFill>
+                  <a:srgbClr val="838787"/>
+                </a:solidFill>
+              </a:defRPr>
+            </a:lvl2pPr>
+            <a:lvl3pPr marL="1202764" indent="-313764" defTabSz="457200">
+              <a:spcBef>
+                <a:spcPts val="0"/>
+              </a:spcBef>
+              <a:buSzPct val="104999"/>
+              <a:buChar char="‣"/>
+              <a:defRPr b="1" spc="120" sz="2400">
+                <a:solidFill>
+                  <a:srgbClr val="838787"/>
+                </a:solidFill>
+              </a:defRPr>
+            </a:lvl3pPr>
+            <a:lvl4pPr marL="1647264" indent="-313764" defTabSz="457200">
+              <a:spcBef>
+                <a:spcPts val="0"/>
+              </a:spcBef>
+              <a:buSzPct val="104999"/>
+              <a:buChar char="‣"/>
+              <a:defRPr b="1" spc="120" sz="2400">
+                <a:solidFill>
+                  <a:srgbClr val="838787"/>
+                </a:solidFill>
+              </a:defRPr>
+            </a:lvl4pPr>
+            <a:lvl5pPr marL="2091764" indent="-313764" defTabSz="457200">
+              <a:spcBef>
+                <a:spcPts val="0"/>
+              </a:spcBef>
+              <a:buSzPct val="104999"/>
+              <a:buChar char="‣"/>
+              <a:defRPr b="1" spc="120" sz="2400">
+                <a:solidFill>
+                  <a:srgbClr val="838787"/>
+                </a:solidFill>
+              </a:defRPr>
+            </a:lvl5pPr>
+          </a:lstStyle>
+          <a:p>
+            <a:pPr/>
+            <a:r>
+              <a:t>正文级别 1</a:t>
+            </a:r>
+          </a:p>
+          <a:p>
+            <a:pPr lvl="1"/>
+            <a:r>
+              <a:t>正文级别 2</a:t>
+            </a:r>
+          </a:p>
+          <a:p>
+            <a:pPr lvl="2"/>
+            <a:r>
+              <a:t>正文级别 3</a:t>
+            </a:r>
+          </a:p>
+          <a:p>
+            <a:pPr lvl="3"/>
+            <a:r>
+              <a:t>正文级别 4</a:t>
+            </a:r>
+          </a:p>
+          <a:p>
+            <a:pPr lvl="4"/>
+            <a:r>
+              <a:t>正文级别 5</a:t>
+            </a:r>
+          </a:p>
+        </p:txBody>
+      </p:sp>
+      <p:sp>
+        <p:nvSpPr>
+          <p:cNvPr id="72" name="Shape 72"/>
           <p:cNvSpPr/>
           <p:nvPr>
             <p:ph type="title"/>
@@ -2192,8 +2896,8 @@
         </p:nvSpPr>
         <p:spPr>
           <a:xfrm>
-            <a:off x="406400" y="6426200"/>
-            <a:ext cx="12192000" cy="2705100"/>
+            <a:off x="406400" y="1536700"/>
+            <a:ext cx="12192000" cy="723900"/>
           </a:xfrm>
           <a:prstGeom prst="rect">
             <a:avLst/>
@@ -2204,9 +2908,9 @@
           <a:lstStyle>
             <a:lvl1pPr>
               <a:spcBef>
-                <a:spcPts val="0"/>
-              </a:spcBef>
-              <a:defRPr sz="17000"/>
+                <a:spcPts val="2800"/>
+              </a:spcBef>
+              <a:defRPr sz="6000"/>
             </a:lvl1pPr>
           </a:lstStyle>
           <a:p>
@@ -2219,165 +2923,54 @@
       </p:sp>
       <p:sp>
         <p:nvSpPr>
-          <p:cNvPr id="35" name="Shape 35"/>
+          <p:cNvPr id="73" name="Shape 73"/>
           <p:cNvSpPr/>
           <p:nvPr>
-            <p:ph type="body" sz="quarter" idx="1"/>
+            <p:ph type="body" idx="13"/>
           </p:nvPr>
         </p:nvSpPr>
         <p:spPr>
           <a:xfrm>
-            <a:off x="406400" y="4267200"/>
-            <a:ext cx="12192000" cy="1803400"/>
+            <a:off x="406400" y="2743200"/>
+            <a:ext cx="12192000" cy="6108700"/>
           </a:xfrm>
           <a:prstGeom prst="rect">
             <a:avLst/>
           </a:prstGeom>
         </p:spPr>
         <p:txBody>
-          <a:bodyPr anchor="b"/>
-          <a:lstStyle>
-            <a:lvl1pPr marL="0" indent="0">
+          <a:bodyPr anchor="t"/>
+          <a:lstStyle/>
+          <a:p>
+            <a:pPr marL="444500" indent="-444500">
               <a:lnSpc>
-                <a:spcPct val="80000"/>
+                <a:spcPct val="100000"/>
               </a:lnSpc>
               <a:spcBef>
-                <a:spcPts val="2300"/>
-              </a:spcBef>
-              <a:buClrTx/>
-              <a:buSzTx/>
-              <a:buFontTx/>
-              <a:buNone/>
-              <a:defRPr cap="all" sz="5400">
-                <a:solidFill>
-                  <a:srgbClr val="A6AAA9"/>
-                </a:solidFill>
-                <a:latin typeface="+mn-lt"/>
-                <a:ea typeface="+mn-ea"/>
-                <a:cs typeface="+mn-cs"/>
-                <a:sym typeface="Baskerville"/>
-              </a:defRPr>
-            </a:lvl1pPr>
-            <a:lvl2pPr marL="0" indent="228600">
-              <a:lnSpc>
-                <a:spcPct val="80000"/>
-              </a:lnSpc>
-              <a:spcBef>
-                <a:spcPts val="2300"/>
-              </a:spcBef>
-              <a:buClrTx/>
-              <a:buSzTx/>
-              <a:buFontTx/>
-              <a:buNone/>
-              <a:defRPr cap="all" sz="5400">
-                <a:solidFill>
-                  <a:srgbClr val="A6AAA9"/>
-                </a:solidFill>
-                <a:latin typeface="+mn-lt"/>
-                <a:ea typeface="+mn-ea"/>
-                <a:cs typeface="+mn-cs"/>
-                <a:sym typeface="Baskerville"/>
-              </a:defRPr>
-            </a:lvl2pPr>
-            <a:lvl3pPr marL="0" indent="457200">
-              <a:lnSpc>
-                <a:spcPct val="80000"/>
-              </a:lnSpc>
-              <a:spcBef>
-                <a:spcPts val="2300"/>
-              </a:spcBef>
-              <a:buClrTx/>
-              <a:buSzTx/>
-              <a:buFontTx/>
-              <a:buNone/>
-              <a:defRPr cap="all" sz="5400">
-                <a:solidFill>
-                  <a:srgbClr val="A6AAA9"/>
-                </a:solidFill>
-                <a:latin typeface="+mn-lt"/>
-                <a:ea typeface="+mn-ea"/>
-                <a:cs typeface="+mn-cs"/>
-                <a:sym typeface="Baskerville"/>
-              </a:defRPr>
-            </a:lvl3pPr>
-            <a:lvl4pPr marL="0" indent="685800">
-              <a:lnSpc>
-                <a:spcPct val="80000"/>
-              </a:lnSpc>
-              <a:spcBef>
-                <a:spcPts val="2300"/>
-              </a:spcBef>
-              <a:buClrTx/>
-              <a:buSzTx/>
-              <a:buFontTx/>
-              <a:buNone/>
-              <a:defRPr cap="all" sz="5400">
-                <a:solidFill>
-                  <a:srgbClr val="A6AAA9"/>
-                </a:solidFill>
-                <a:latin typeface="+mn-lt"/>
-                <a:ea typeface="+mn-ea"/>
-                <a:cs typeface="+mn-cs"/>
-                <a:sym typeface="Baskerville"/>
-              </a:defRPr>
-            </a:lvl4pPr>
-            <a:lvl5pPr marL="0" indent="914400">
-              <a:lnSpc>
-                <a:spcPct val="80000"/>
-              </a:lnSpc>
-              <a:spcBef>
-                <a:spcPts val="2300"/>
-              </a:spcBef>
-              <a:buClrTx/>
-              <a:buSzTx/>
-              <a:buFontTx/>
-              <a:buNone/>
-              <a:defRPr cap="all" sz="5400">
-                <a:solidFill>
-                  <a:srgbClr val="A6AAA9"/>
-                </a:solidFill>
-                <a:latin typeface="+mn-lt"/>
-                <a:ea typeface="+mn-ea"/>
-                <a:cs typeface="+mn-cs"/>
-                <a:sym typeface="Baskerville"/>
-              </a:defRPr>
-            </a:lvl5pPr>
-          </a:lstStyle>
-          <a:p>
-            <a:pPr/>
-            <a:r>
-              <a:t>正文级别 1</a:t>
-            </a:r>
-          </a:p>
-          <a:p>
-            <a:pPr lvl="1"/>
-            <a:r>
-              <a:t>正文级别 2</a:t>
-            </a:r>
-          </a:p>
-          <a:p>
-            <a:pPr lvl="2"/>
-            <a:r>
-              <a:t>正文级别 3</a:t>
-            </a:r>
-          </a:p>
-          <a:p>
-            <a:pPr lvl="3"/>
-            <a:r>
-              <a:t>正文级别 4</a:t>
-            </a:r>
-          </a:p>
-          <a:p>
-            <a:pPr lvl="4"/>
-            <a:r>
-              <a:t>正文级别 5</a:t>
-            </a:r>
+                <a:spcPts val="2800"/>
+              </a:spcBef>
+              <a:buClr>
+                <a:schemeClr val="accent1"/>
+              </a:buClr>
+              <a:buSzPct val="104999"/>
+              <a:buFont typeface="Avenir Next"/>
+              <a:buChar char="▸"/>
+              <a:defRPr cap="none" sz="3400">
+                <a:solidFill>
+                  <a:srgbClr val="838787"/>
+                </a:solidFill>
+                <a:latin typeface="Avenir Next Medium"/>
+                <a:ea typeface="Avenir Next Medium"/>
+                <a:cs typeface="Avenir Next Medium"/>
+                <a:sym typeface="Avenir Next Medium"/>
+              </a:defRPr>
+            </a:pPr>
           </a:p>
         </p:txBody>
       </p:sp>
       <p:sp>
         <p:nvSpPr>
-          <p:cNvPr id="36" name="Shape 36"/>
+          <p:cNvPr id="74" name="Shape 74"/>
           <p:cNvSpPr/>
           <p:nvPr>
             <p:ph type="sldNum" sz="quarter" idx="2"/>
@@ -2385,7 +2978,7 @@
         </p:nvSpPr>
         <p:spPr>
           <a:xfrm>
-            <a:off x="12149656" y="419100"/>
+            <a:off x="12174419" y="431800"/>
             <a:ext cx="419101" cy="457200"/>
           </a:xfrm>
           <a:prstGeom prst="rect">
@@ -2410,13 +3003,13 @@
 </p:sldLayout>
 </file>
 
-<file path=ppt/slideLayouts/slideLayout4.xml><?xml version="1.0" encoding="utf-8"?>
+<file path=ppt/slideLayouts/slideLayout8.xml><?xml version="1.0" encoding="utf-8"?>
 <p:sldLayout xmlns:a="http://schemas.openxmlformats.org/drawingml/2006/main" xmlns:r="http://schemas.openxmlformats.org/officeDocument/2006/relationships" xmlns:p="http://schemas.openxmlformats.org/presentationml/2006/main" type="tx" showMasterSp="0" showMasterPhAnim="1">
-  <p:cSld name="标题 - 居中">
+  <p:cSld name="标题与项目符号（备选）">
     <p:bg>
       <p:bgPr>
         <a:solidFill>
-          <a:srgbClr val="222222"/>
+          <a:srgbClr val="FFFFFF"/>
         </a:solidFill>
       </p:bgPr>
     </p:bg>
@@ -2436,7 +3029,153 @@
       </p:grpSpPr>
       <p:sp>
         <p:nvSpPr>
-          <p:cNvPr id="43" name="Shape 43"/>
+          <p:cNvPr id="81" name="Shape 81"/>
+          <p:cNvSpPr/>
+          <p:nvPr/>
+        </p:nvSpPr>
+        <p:spPr>
+          <a:xfrm flipV="1">
+            <a:off x="406400" y="993160"/>
+            <a:ext cx="12192001" cy="264"/>
+          </a:xfrm>
+          <a:prstGeom prst="line">
+            <a:avLst/>
+          </a:prstGeom>
+          <a:ln w="25400">
+            <a:solidFill>
+              <a:srgbClr val="A6AAA9"/>
+            </a:solidFill>
+            <a:miter lim="400000"/>
+          </a:ln>
+        </p:spPr>
+        <p:txBody>
+          <a:bodyPr lIns="45718" tIns="45718" rIns="45718" bIns="45718"/>
+          <a:lstStyle/>
+          <a:p>
+            <a:pPr>
+              <a:defRPr>
+                <a:solidFill>
+                  <a:srgbClr val="838787"/>
+                </a:solidFill>
+              </a:defRPr>
+            </a:pPr>
+          </a:p>
+        </p:txBody>
+      </p:sp>
+      <p:sp>
+        <p:nvSpPr>
+          <p:cNvPr id="82" name="Shape 82"/>
+          <p:cNvSpPr/>
+          <p:nvPr>
+            <p:ph type="body" sz="quarter" idx="1"/>
+          </p:nvPr>
+        </p:nvSpPr>
+        <p:spPr>
+          <a:xfrm>
+            <a:off x="406400" y="393700"/>
+            <a:ext cx="11176000" cy="520702"/>
+          </a:xfrm>
+          <a:prstGeom prst="rect">
+            <a:avLst/>
+          </a:prstGeom>
+        </p:spPr>
+        <p:txBody>
+          <a:bodyPr/>
+          <a:lstStyle>
+            <a:lvl1pPr defTabSz="457200">
+              <a:spcBef>
+                <a:spcPts val="0"/>
+              </a:spcBef>
+              <a:defRPr b="1" spc="120" sz="2400">
+                <a:solidFill>
+                  <a:srgbClr val="838787"/>
+                </a:solidFill>
+              </a:defRPr>
+            </a:lvl1pPr>
+            <a:lvl2pPr marL="758264" indent="-313764" defTabSz="457200">
+              <a:spcBef>
+                <a:spcPts val="0"/>
+              </a:spcBef>
+              <a:buSzPct val="104999"/>
+              <a:buChar char="‣"/>
+              <a:defRPr b="1" spc="120" sz="2400">
+                <a:solidFill>
+                  <a:srgbClr val="838787"/>
+                </a:solidFill>
+              </a:defRPr>
+            </a:lvl2pPr>
+            <a:lvl3pPr marL="1202764" indent="-313764" defTabSz="457200">
+              <a:spcBef>
+                <a:spcPts val="0"/>
+              </a:spcBef>
+              <a:buSzPct val="104999"/>
+              <a:buChar char="‣"/>
+              <a:defRPr b="1" spc="120" sz="2400">
+                <a:solidFill>
+                  <a:srgbClr val="838787"/>
+                </a:solidFill>
+              </a:defRPr>
+            </a:lvl3pPr>
+            <a:lvl4pPr marL="1647264" indent="-313764" defTabSz="457200">
+              <a:spcBef>
+                <a:spcPts val="0"/>
+              </a:spcBef>
+              <a:buSzPct val="104999"/>
+              <a:buChar char="‣"/>
+              <a:defRPr b="1" spc="120" sz="2400">
+                <a:solidFill>
+                  <a:srgbClr val="838787"/>
+                </a:solidFill>
+              </a:defRPr>
+            </a:lvl4pPr>
+            <a:lvl5pPr marL="2091764" indent="-313764" defTabSz="457200">
+              <a:spcBef>
+                <a:spcPts val="0"/>
+              </a:spcBef>
+              <a:buSzPct val="104999"/>
+              <a:buChar char="‣"/>
+              <a:defRPr b="1" spc="120" sz="2400">
+                <a:solidFill>
+                  <a:srgbClr val="838787"/>
+                </a:solidFill>
+              </a:defRPr>
+            </a:lvl5pPr>
+          </a:lstStyle>
+          <a:p>
+            <a:pPr/>
+            <a:r>
+              <a:t>正文级别 1</a:t>
+            </a:r>
+          </a:p>
+          <a:p>
+            <a:pPr lvl="1"/>
+            <a:r>
+              <a:t>正文级别 2</a:t>
+            </a:r>
+          </a:p>
+          <a:p>
+            <a:pPr lvl="2"/>
+            <a:r>
+              <a:t>正文级别 3</a:t>
+            </a:r>
+          </a:p>
+          <a:p>
+            <a:pPr lvl="3"/>
+            <a:r>
+              <a:t>正文级别 4</a:t>
+            </a:r>
+          </a:p>
+          <a:p>
+            <a:pPr lvl="4"/>
+            <a:r>
+              <a:t>正文级别 5</a:t>
+            </a:r>
+          </a:p>
+        </p:txBody>
+      </p:sp>
+      <p:sp>
+        <p:nvSpPr>
+          <p:cNvPr id="83" name="Shape 83"/>
           <p:cNvSpPr/>
           <p:nvPr>
             <p:ph type="title"/>
@@ -2444,8 +3183,8 @@
         </p:nvSpPr>
         <p:spPr>
           <a:xfrm>
-            <a:off x="406400" y="4038600"/>
-            <a:ext cx="12192000" cy="4521200"/>
+            <a:off x="406400" y="1536700"/>
+            <a:ext cx="12192000" cy="723900"/>
           </a:xfrm>
           <a:prstGeom prst="rect">
             <a:avLst/>
@@ -2456,9 +3195,9 @@
           <a:lstStyle>
             <a:lvl1pPr>
               <a:spcBef>
-                <a:spcPts val="0"/>
-              </a:spcBef>
-              <a:defRPr sz="17000"/>
+                <a:spcPts val="2800"/>
+              </a:spcBef>
+              <a:defRPr sz="6000"/>
             </a:lvl1pPr>
           </a:lstStyle>
           <a:p>
@@ -2471,7 +3210,54 @@
       </p:sp>
       <p:sp>
         <p:nvSpPr>
-          <p:cNvPr id="44" name="Shape 44"/>
+          <p:cNvPr id="84" name="Shape 84"/>
+          <p:cNvSpPr/>
+          <p:nvPr>
+            <p:ph type="body" idx="13"/>
+          </p:nvPr>
+        </p:nvSpPr>
+        <p:spPr>
+          <a:xfrm>
+            <a:off x="406400" y="2743200"/>
+            <a:ext cx="12192000" cy="6108700"/>
+          </a:xfrm>
+          <a:prstGeom prst="rect">
+            <a:avLst/>
+          </a:prstGeom>
+        </p:spPr>
+        <p:txBody>
+          <a:bodyPr anchor="t"/>
+          <a:lstStyle/>
+          <a:p>
+            <a:pPr marL="444500" indent="-444500">
+              <a:lnSpc>
+                <a:spcPct val="100000"/>
+              </a:lnSpc>
+              <a:spcBef>
+                <a:spcPts val="2800"/>
+              </a:spcBef>
+              <a:buClr>
+                <a:schemeClr val="accent1"/>
+              </a:buClr>
+              <a:buSzPct val="104999"/>
+              <a:buFont typeface="Avenir Next"/>
+              <a:buChar char="▸"/>
+              <a:defRPr cap="none" sz="3400">
+                <a:solidFill>
+                  <a:srgbClr val="838787"/>
+                </a:solidFill>
+                <a:latin typeface="Avenir Next Medium"/>
+                <a:ea typeface="Avenir Next Medium"/>
+                <a:cs typeface="Avenir Next Medium"/>
+                <a:sym typeface="Avenir Next Medium"/>
+              </a:defRPr>
+            </a:pPr>
+          </a:p>
+        </p:txBody>
+      </p:sp>
+      <p:sp>
+        <p:nvSpPr>
+          <p:cNvPr id="85" name="Shape 85"/>
           <p:cNvSpPr/>
           <p:nvPr>
             <p:ph type="sldNum" sz="quarter" idx="2"/>
@@ -2479,7 +3265,7 @@
         </p:nvSpPr>
         <p:spPr>
           <a:xfrm>
-            <a:off x="12182237" y="431800"/>
+            <a:off x="12174419" y="431800"/>
             <a:ext cx="419101" cy="457200"/>
           </a:xfrm>
           <a:prstGeom prst="rect">
@@ -2504,16 +3290,9 @@
 </p:sldLayout>
 </file>
 
-<file path=ppt/slideLayouts/slideLayout5.xml><?xml version="1.0" encoding="utf-8"?>
+<file path=ppt/slideLayouts/slideLayout9.xml><?xml version="1.0" encoding="utf-8"?>
 <p:sldLayout xmlns:a="http://schemas.openxmlformats.org/drawingml/2006/main" xmlns:r="http://schemas.openxmlformats.org/officeDocument/2006/relationships" xmlns:p="http://schemas.openxmlformats.org/presentationml/2006/main" type="tx" showMasterSp="0" showMasterPhAnim="1">
-  <p:cSld name="照片 - 垂直">
-    <p:bg>
-      <p:bgPr>
-        <a:solidFill>
-          <a:srgbClr val="222222"/>
-        </a:solidFill>
-      </p:bgPr>
-    </p:bg>
+  <p:cSld name="标题、项目符号与照片">
     <p:spTree>
       <p:nvGrpSpPr>
         <p:cNvPr id="1" name=""/>
@@ -2530,19 +3309,19 @@
       </p:grpSpPr>
       <p:sp>
         <p:nvSpPr>
-          <p:cNvPr id="51" name="Shape 51"/>
+          <p:cNvPr id="92" name="Shape 92"/>
           <p:cNvSpPr/>
           <p:nvPr/>
         </p:nvSpPr>
         <p:spPr>
           <a:xfrm flipV="1">
-            <a:off x="5892800" y="6141012"/>
-            <a:ext cx="6705600" cy="145"/>
+            <a:off x="406400" y="993160"/>
+            <a:ext cx="12192001" cy="264"/>
           </a:xfrm>
           <a:prstGeom prst="line">
             <a:avLst/>
           </a:prstGeom>
-          <a:ln w="38100">
+          <a:ln w="25400">
             <a:solidFill>
               <a:srgbClr val="A6AAA9"/>
             </a:solidFill>
@@ -2550,21 +3329,14 @@
           </a:ln>
         </p:spPr>
         <p:txBody>
-          <a:bodyPr lIns="50800" tIns="50800" rIns="50800" bIns="50800" anchor="ctr"/>
+          <a:bodyPr lIns="45718" tIns="45718" rIns="45718" bIns="45718"/>
           <a:lstStyle/>
           <a:p>
-            <a:pPr defTabSz="457200">
-              <a:spcBef>
-                <a:spcPts val="0"/>
-              </a:spcBef>
-              <a:defRPr sz="1200">
-                <a:solidFill>
-                  <a:srgbClr val="000000"/>
-                </a:solidFill>
-                <a:latin typeface="Helvetica"/>
-                <a:ea typeface="Helvetica"/>
-                <a:cs typeface="Helvetica"/>
-                <a:sym typeface="Helvetica"/>
+            <a:pPr>
+              <a:defRPr>
+                <a:solidFill>
+                  <a:srgbClr val="838787"/>
+                </a:solidFill>
               </a:defRPr>
             </a:pPr>
           </a:p>
@@ -2572,43 +3344,16 @@
       </p:sp>
       <p:sp>
         <p:nvSpPr>
-          <p:cNvPr id="52" name="Shape 52"/>
+          <p:cNvPr id="93" name="Shape 93"/>
           <p:cNvSpPr/>
           <p:nvPr>
-            <p:ph type="pic" idx="13"/>
+            <p:ph type="body" sz="quarter" idx="1"/>
           </p:nvPr>
         </p:nvSpPr>
         <p:spPr>
           <a:xfrm>
-            <a:off x="0" y="0"/>
-            <a:ext cx="5486400" cy="9753600"/>
-          </a:xfrm>
-          <a:prstGeom prst="rect">
-            <a:avLst/>
-          </a:prstGeom>
-        </p:spPr>
-        <p:txBody>
-          <a:bodyPr lIns="91439" tIns="45719" rIns="91439" bIns="45719">
-            <a:noAutofit/>
-          </a:bodyPr>
-          <a:lstStyle/>
-          <a:p>
-            <a:pPr/>
-          </a:p>
-        </p:txBody>
-      </p:sp>
-      <p:sp>
-        <p:nvSpPr>
-          <p:cNvPr id="53" name="Shape 53"/>
-          <p:cNvSpPr/>
-          <p:nvPr>
-            <p:ph type="title"/>
-          </p:nvPr>
-        </p:nvSpPr>
-        <p:spPr>
-          <a:xfrm>
-            <a:off x="5892800" y="6426200"/>
-            <a:ext cx="6705600" cy="2705100"/>
+            <a:off x="406400" y="393700"/>
+            <a:ext cx="11176000" cy="520702"/>
           </a:xfrm>
           <a:prstGeom prst="rect">
             <a:avLst/>
@@ -2617,821 +3362,103 @@
         <p:txBody>
           <a:bodyPr/>
           <a:lstStyle>
-            <a:lvl1pPr>
+            <a:lvl1pPr defTabSz="457200">
               <a:spcBef>
                 <a:spcPts val="0"/>
               </a:spcBef>
-              <a:defRPr sz="17000"/>
+              <a:defRPr b="1" spc="120" sz="2400">
+                <a:solidFill>
+                  <a:srgbClr val="838787"/>
+                </a:solidFill>
+              </a:defRPr>
             </a:lvl1pPr>
+            <a:lvl2pPr marL="758264" indent="-313764" defTabSz="457200">
+              <a:spcBef>
+                <a:spcPts val="0"/>
+              </a:spcBef>
+              <a:buSzPct val="104999"/>
+              <a:buChar char="‣"/>
+              <a:defRPr b="1" spc="120" sz="2400">
+                <a:solidFill>
+                  <a:srgbClr val="838787"/>
+                </a:solidFill>
+              </a:defRPr>
+            </a:lvl2pPr>
+            <a:lvl3pPr marL="1202764" indent="-313764" defTabSz="457200">
+              <a:spcBef>
+                <a:spcPts val="0"/>
+              </a:spcBef>
+              <a:buSzPct val="104999"/>
+              <a:buChar char="‣"/>
+              <a:defRPr b="1" spc="120" sz="2400">
+                <a:solidFill>
+                  <a:srgbClr val="838787"/>
+                </a:solidFill>
+              </a:defRPr>
+            </a:lvl3pPr>
+            <a:lvl4pPr marL="1647264" indent="-313764" defTabSz="457200">
+              <a:spcBef>
+                <a:spcPts val="0"/>
+              </a:spcBef>
+              <a:buSzPct val="104999"/>
+              <a:buChar char="‣"/>
+              <a:defRPr b="1" spc="120" sz="2400">
+                <a:solidFill>
+                  <a:srgbClr val="838787"/>
+                </a:solidFill>
+              </a:defRPr>
+            </a:lvl4pPr>
+            <a:lvl5pPr marL="2091764" indent="-313764" defTabSz="457200">
+              <a:spcBef>
+                <a:spcPts val="0"/>
+              </a:spcBef>
+              <a:buSzPct val="104999"/>
+              <a:buChar char="‣"/>
+              <a:defRPr b="1" spc="120" sz="2400">
+                <a:solidFill>
+                  <a:srgbClr val="838787"/>
+                </a:solidFill>
+              </a:defRPr>
+            </a:lvl5pPr>
           </a:lstStyle>
           <a:p>
             <a:pPr/>
             <a:r>
-              <a:t>标题文本</a:t>
+              <a:t>正文级别 1</a:t>
+            </a:r>
+          </a:p>
+          <a:p>
+            <a:pPr lvl="1"/>
+            <a:r>
+              <a:t>正文级别 2</a:t>
+            </a:r>
+          </a:p>
+          <a:p>
+            <a:pPr lvl="2"/>
+            <a:r>
+              <a:t>正文级别 3</a:t>
+            </a:r>
+          </a:p>
+          <a:p>
+            <a:pPr lvl="3"/>
+            <a:r>
+              <a:t>正文级别 4</a:t>
+            </a:r>
+          </a:p>
+          <a:p>
+            <a:pPr lvl="4"/>
+            <a:r>
+              <a:t>正文级别 5</a:t>
             </a:r>
           </a:p>
         </p:txBody>
       </p:sp>
       <p:sp>
         <p:nvSpPr>
-          <p:cNvPr id="54" name="Shape 54"/>
+          <p:cNvPr id="94" name="Shape 94"/>
           <p:cNvSpPr/>
           <p:nvPr>
-            <p:ph type="body" sz="quarter" idx="1"/>
-          </p:nvPr>
-        </p:nvSpPr>
-        <p:spPr>
-          <a:xfrm>
-            <a:off x="5892800" y="4267200"/>
-            <a:ext cx="6705600" cy="1803400"/>
-          </a:xfrm>
-          <a:prstGeom prst="rect">
-            <a:avLst/>
-          </a:prstGeom>
-        </p:spPr>
-        <p:txBody>
-          <a:bodyPr anchor="b"/>
-          <a:lstStyle>
-            <a:lvl1pPr marL="0" indent="0">
-              <a:lnSpc>
-                <a:spcPct val="80000"/>
-              </a:lnSpc>
-              <a:spcBef>
-                <a:spcPts val="2300"/>
-              </a:spcBef>
-              <a:buClrTx/>
-              <a:buSzTx/>
-              <a:buFontTx/>
-              <a:buNone/>
-              <a:defRPr cap="all" sz="5400">
-                <a:solidFill>
-                  <a:srgbClr val="A6AAA9"/>
-                </a:solidFill>
-                <a:latin typeface="+mn-lt"/>
-                <a:ea typeface="+mn-ea"/>
-                <a:cs typeface="+mn-cs"/>
-                <a:sym typeface="Baskerville"/>
-              </a:defRPr>
-            </a:lvl1pPr>
-            <a:lvl2pPr marL="0" indent="228600">
-              <a:lnSpc>
-                <a:spcPct val="80000"/>
-              </a:lnSpc>
-              <a:spcBef>
-                <a:spcPts val="2300"/>
-              </a:spcBef>
-              <a:buClrTx/>
-              <a:buSzTx/>
-              <a:buFontTx/>
-              <a:buNone/>
-              <a:defRPr cap="all" sz="5400">
-                <a:solidFill>
-                  <a:srgbClr val="A6AAA9"/>
-                </a:solidFill>
-                <a:latin typeface="+mn-lt"/>
-                <a:ea typeface="+mn-ea"/>
-                <a:cs typeface="+mn-cs"/>
-                <a:sym typeface="Baskerville"/>
-              </a:defRPr>
-            </a:lvl2pPr>
-            <a:lvl3pPr marL="0" indent="457200">
-              <a:lnSpc>
-                <a:spcPct val="80000"/>
-              </a:lnSpc>
-              <a:spcBef>
-                <a:spcPts val="2300"/>
-              </a:spcBef>
-              <a:buClrTx/>
-              <a:buSzTx/>
-              <a:buFontTx/>
-              <a:buNone/>
-              <a:defRPr cap="all" sz="5400">
-                <a:solidFill>
-                  <a:srgbClr val="A6AAA9"/>
-                </a:solidFill>
-                <a:latin typeface="+mn-lt"/>
-                <a:ea typeface="+mn-ea"/>
-                <a:cs typeface="+mn-cs"/>
-                <a:sym typeface="Baskerville"/>
-              </a:defRPr>
-            </a:lvl3pPr>
-            <a:lvl4pPr marL="0" indent="685800">
-              <a:lnSpc>
-                <a:spcPct val="80000"/>
-              </a:lnSpc>
-              <a:spcBef>
-                <a:spcPts val="2300"/>
-              </a:spcBef>
-              <a:buClrTx/>
-              <a:buSzTx/>
-              <a:buFontTx/>
-              <a:buNone/>
-              <a:defRPr cap="all" sz="5400">
-                <a:solidFill>
-                  <a:srgbClr val="A6AAA9"/>
-                </a:solidFill>
-                <a:latin typeface="+mn-lt"/>
-                <a:ea typeface="+mn-ea"/>
-                <a:cs typeface="+mn-cs"/>
-                <a:sym typeface="Baskerville"/>
-              </a:defRPr>
-            </a:lvl4pPr>
-            <a:lvl5pPr marL="0" indent="914400">
-              <a:lnSpc>
-                <a:spcPct val="80000"/>
-              </a:lnSpc>
-              <a:spcBef>
-                <a:spcPts val="2300"/>
-              </a:spcBef>
-              <a:buClrTx/>
-              <a:buSzTx/>
-              <a:buFontTx/>
-              <a:buNone/>
-              <a:defRPr cap="all" sz="5400">
-                <a:solidFill>
-                  <a:srgbClr val="A6AAA9"/>
-                </a:solidFill>
-                <a:latin typeface="+mn-lt"/>
-                <a:ea typeface="+mn-ea"/>
-                <a:cs typeface="+mn-cs"/>
-                <a:sym typeface="Baskerville"/>
-              </a:defRPr>
-            </a:lvl5pPr>
-          </a:lstStyle>
-          <a:p>
-            <a:pPr/>
-            <a:r>
-              <a:t>正文级别 1</a:t>
-            </a:r>
-          </a:p>
-          <a:p>
-            <a:pPr lvl="1"/>
-            <a:r>
-              <a:t>正文级别 2</a:t>
-            </a:r>
-          </a:p>
-          <a:p>
-            <a:pPr lvl="2"/>
-            <a:r>
-              <a:t>正文级别 3</a:t>
-            </a:r>
-          </a:p>
-          <a:p>
-            <a:pPr lvl="3"/>
-            <a:r>
-              <a:t>正文级别 4</a:t>
-            </a:r>
-          </a:p>
-          <a:p>
-            <a:pPr lvl="4"/>
-            <a:r>
-              <a:t>正文级别 5</a:t>
-            </a:r>
-          </a:p>
-        </p:txBody>
-      </p:sp>
-      <p:sp>
-        <p:nvSpPr>
-          <p:cNvPr id="55" name="Shape 55"/>
-          <p:cNvSpPr/>
-          <p:nvPr>
-            <p:ph type="sldNum" sz="quarter" idx="2"/>
-          </p:nvPr>
-        </p:nvSpPr>
-        <p:spPr>
-          <a:xfrm>
-            <a:off x="12182237" y="431800"/>
-            <a:ext cx="419101" cy="457200"/>
-          </a:xfrm>
-          <a:prstGeom prst="rect">
-            <a:avLst/>
-          </a:prstGeom>
-        </p:spPr>
-        <p:txBody>
-          <a:bodyPr/>
-          <a:lstStyle/>
-          <a:p>
-            <a:pPr/>
-            <a:fld id="{86CB4B4D-7CA3-9044-876B-883B54F8677D}" type="slidenum"/>
-          </a:p>
-        </p:txBody>
-      </p:sp>
-    </p:spTree>
-  </p:cSld>
-  <p:clrMapOvr>
-    <a:masterClrMapping/>
-  </p:clrMapOvr>
-  <p:transition xmlns:p14="http://schemas.microsoft.com/office/powerpoint/2010/main" spd="med" advClick="1"/>
-</p:sldLayout>
-</file>
-
-<file path=ppt/slideLayouts/slideLayout6.xml><?xml version="1.0" encoding="utf-8"?>
-<p:sldLayout xmlns:a="http://schemas.openxmlformats.org/drawingml/2006/main" xmlns:r="http://schemas.openxmlformats.org/officeDocument/2006/relationships" xmlns:p="http://schemas.openxmlformats.org/presentationml/2006/main" type="tx" showMasterSp="1" showMasterPhAnim="1">
-  <p:cSld name="标题 - 顶部对齐">
-    <p:spTree>
-      <p:nvGrpSpPr>
-        <p:cNvPr id="1" name=""/>
-        <p:cNvGrpSpPr/>
-        <p:nvPr/>
-      </p:nvGrpSpPr>
-      <p:grpSpPr>
-        <a:xfrm>
-          <a:off x="0" y="0"/>
-          <a:ext cx="0" cy="0"/>
-          <a:chOff x="0" y="0"/>
-          <a:chExt cx="0" cy="0"/>
-        </a:xfrm>
-      </p:grpSpPr>
-      <p:sp>
-        <p:nvSpPr>
-          <p:cNvPr id="62" name="Shape 62"/>
-          <p:cNvSpPr/>
-          <p:nvPr>
-            <p:ph type="body" sz="quarter" idx="13"/>
-          </p:nvPr>
-        </p:nvSpPr>
-        <p:spPr>
-          <a:xfrm>
-            <a:off x="406400" y="393700"/>
-            <a:ext cx="11176000" cy="520701"/>
-          </a:xfrm>
-          <a:prstGeom prst="rect">
-            <a:avLst/>
-          </a:prstGeom>
-        </p:spPr>
-        <p:txBody>
-          <a:bodyPr anchor="b">
-            <a:spAutoFit/>
-          </a:bodyPr>
-          <a:lstStyle>
-            <a:lvl1pPr marL="0" indent="0" defTabSz="457200">
-              <a:lnSpc>
-                <a:spcPct val="80000"/>
-              </a:lnSpc>
-              <a:spcBef>
-                <a:spcPts val="0"/>
-              </a:spcBef>
-              <a:buClrTx/>
-              <a:buSzTx/>
-              <a:buFontTx/>
-              <a:buNone/>
-              <a:defRPr b="1" cap="all" spc="120" sz="2400">
-                <a:latin typeface="+mn-lt"/>
-                <a:ea typeface="+mn-ea"/>
-                <a:cs typeface="+mn-cs"/>
-                <a:sym typeface="Baskerville"/>
-              </a:defRPr>
-            </a:lvl1pPr>
-          </a:lstStyle>
-          <a:p>
-            <a:pPr/>
-            <a:r>
-              <a:t>文本</a:t>
-            </a:r>
-          </a:p>
-        </p:txBody>
-      </p:sp>
-      <p:sp>
-        <p:nvSpPr>
-          <p:cNvPr id="63" name="Shape 63"/>
-          <p:cNvSpPr/>
-          <p:nvPr>
-            <p:ph type="title"/>
-          </p:nvPr>
-        </p:nvSpPr>
-        <p:spPr>
-          <a:prstGeom prst="rect">
-            <a:avLst/>
-          </a:prstGeom>
-        </p:spPr>
-        <p:txBody>
-          <a:bodyPr/>
-          <a:lstStyle/>
-          <a:p>
-            <a:pPr/>
-            <a:r>
-              <a:t>标题文本</a:t>
-            </a:r>
-          </a:p>
-        </p:txBody>
-      </p:sp>
-      <p:sp>
-        <p:nvSpPr>
-          <p:cNvPr id="64" name="Shape 64"/>
-          <p:cNvSpPr/>
-          <p:nvPr>
-            <p:ph type="sldNum" sz="quarter" idx="2"/>
-          </p:nvPr>
-        </p:nvSpPr>
-        <p:spPr>
-          <a:prstGeom prst="rect">
-            <a:avLst/>
-          </a:prstGeom>
-        </p:spPr>
-        <p:txBody>
-          <a:bodyPr/>
-          <a:lstStyle/>
-          <a:p>
-            <a:pPr/>
-            <a:fld id="{86CB4B4D-7CA3-9044-876B-883B54F8677D}" type="slidenum"/>
-          </a:p>
-        </p:txBody>
-      </p:sp>
-    </p:spTree>
-  </p:cSld>
-  <p:clrMapOvr>
-    <a:masterClrMapping/>
-  </p:clrMapOvr>
-  <p:transition xmlns:p14="http://schemas.microsoft.com/office/powerpoint/2010/main" spd="med" advClick="1"/>
-</p:sldLayout>
-</file>
-
-<file path=ppt/slideLayouts/slideLayout7.xml><?xml version="1.0" encoding="utf-8"?>
-<p:sldLayout xmlns:a="http://schemas.openxmlformats.org/drawingml/2006/main" xmlns:r="http://schemas.openxmlformats.org/officeDocument/2006/relationships" xmlns:p="http://schemas.openxmlformats.org/presentationml/2006/main" type="tx" showMasterSp="1" showMasterPhAnim="1">
-  <p:cSld name="标题与项目符号">
-    <p:bg>
-      <p:bgPr>
-        <a:solidFill>
-          <a:srgbClr val="222222"/>
-        </a:solidFill>
-      </p:bgPr>
-    </p:bg>
-    <p:spTree>
-      <p:nvGrpSpPr>
-        <p:cNvPr id="1" name=""/>
-        <p:cNvGrpSpPr/>
-        <p:nvPr/>
-      </p:nvGrpSpPr>
-      <p:grpSpPr>
-        <a:xfrm>
-          <a:off x="0" y="0"/>
-          <a:ext cx="0" cy="0"/>
-          <a:chOff x="0" y="0"/>
-          <a:chExt cx="0" cy="0"/>
-        </a:xfrm>
-      </p:grpSpPr>
-      <p:sp>
-        <p:nvSpPr>
-          <p:cNvPr id="71" name="Shape 71"/>
-          <p:cNvSpPr/>
-          <p:nvPr>
-            <p:ph type="body" sz="quarter" idx="13"/>
-          </p:nvPr>
-        </p:nvSpPr>
-        <p:spPr>
-          <a:xfrm>
-            <a:off x="406400" y="393700"/>
-            <a:ext cx="11176000" cy="520701"/>
-          </a:xfrm>
-          <a:prstGeom prst="rect">
-            <a:avLst/>
-          </a:prstGeom>
-        </p:spPr>
-        <p:txBody>
-          <a:bodyPr anchor="b">
-            <a:spAutoFit/>
-          </a:bodyPr>
-          <a:lstStyle>
-            <a:lvl1pPr marL="0" indent="0" defTabSz="457200">
-              <a:lnSpc>
-                <a:spcPct val="80000"/>
-              </a:lnSpc>
-              <a:spcBef>
-                <a:spcPts val="0"/>
-              </a:spcBef>
-              <a:buClrTx/>
-              <a:buSzTx/>
-              <a:buFontTx/>
-              <a:buNone/>
-              <a:defRPr b="1" cap="all" spc="120" sz="2400">
-                <a:latin typeface="+mn-lt"/>
-                <a:ea typeface="+mn-ea"/>
-                <a:cs typeface="+mn-cs"/>
-                <a:sym typeface="Baskerville"/>
-              </a:defRPr>
-            </a:lvl1pPr>
-          </a:lstStyle>
-          <a:p>
-            <a:pPr/>
-            <a:r>
-              <a:t>文本</a:t>
-            </a:r>
-          </a:p>
-        </p:txBody>
-      </p:sp>
-      <p:sp>
-        <p:nvSpPr>
-          <p:cNvPr id="72" name="Shape 72"/>
-          <p:cNvSpPr/>
-          <p:nvPr>
-            <p:ph type="title"/>
-          </p:nvPr>
-        </p:nvSpPr>
-        <p:spPr>
-          <a:prstGeom prst="rect">
-            <a:avLst/>
-          </a:prstGeom>
-        </p:spPr>
-        <p:txBody>
-          <a:bodyPr/>
-          <a:lstStyle/>
-          <a:p>
-            <a:pPr/>
-            <a:r>
-              <a:t>标题文本</a:t>
-            </a:r>
-          </a:p>
-        </p:txBody>
-      </p:sp>
-      <p:sp>
-        <p:nvSpPr>
-          <p:cNvPr id="73" name="Shape 73"/>
-          <p:cNvSpPr/>
-          <p:nvPr>
-            <p:ph type="body" idx="1"/>
-          </p:nvPr>
-        </p:nvSpPr>
-        <p:spPr>
-          <a:prstGeom prst="rect">
-            <a:avLst/>
-          </a:prstGeom>
-        </p:spPr>
-        <p:txBody>
-          <a:bodyPr/>
-          <a:lstStyle>
-            <a:lvl1pPr>
-              <a:buClr>
-                <a:schemeClr val="accent1"/>
-              </a:buClr>
-              <a:buChar char="▸"/>
-            </a:lvl1pPr>
-            <a:lvl2pPr>
-              <a:buClr>
-                <a:schemeClr val="accent1"/>
-              </a:buClr>
-              <a:buChar char="▸"/>
-            </a:lvl2pPr>
-            <a:lvl3pPr>
-              <a:buClr>
-                <a:schemeClr val="accent1"/>
-              </a:buClr>
-              <a:buChar char="▸"/>
-            </a:lvl3pPr>
-            <a:lvl4pPr>
-              <a:buClr>
-                <a:schemeClr val="accent1"/>
-              </a:buClr>
-              <a:buChar char="▸"/>
-            </a:lvl4pPr>
-            <a:lvl5pPr>
-              <a:buClr>
-                <a:schemeClr val="accent1"/>
-              </a:buClr>
-              <a:buChar char="▸"/>
-            </a:lvl5pPr>
-          </a:lstStyle>
-          <a:p>
-            <a:pPr/>
-            <a:r>
-              <a:t>正文级别 1</a:t>
-            </a:r>
-          </a:p>
-          <a:p>
-            <a:pPr lvl="1"/>
-            <a:r>
-              <a:t>正文级别 2</a:t>
-            </a:r>
-          </a:p>
-          <a:p>
-            <a:pPr lvl="2"/>
-            <a:r>
-              <a:t>正文级别 3</a:t>
-            </a:r>
-          </a:p>
-          <a:p>
-            <a:pPr lvl="3"/>
-            <a:r>
-              <a:t>正文级别 4</a:t>
-            </a:r>
-          </a:p>
-          <a:p>
-            <a:pPr lvl="4"/>
-            <a:r>
-              <a:t>正文级别 5</a:t>
-            </a:r>
-          </a:p>
-        </p:txBody>
-      </p:sp>
-      <p:sp>
-        <p:nvSpPr>
-          <p:cNvPr id="74" name="Shape 74"/>
-          <p:cNvSpPr/>
-          <p:nvPr>
-            <p:ph type="sldNum" sz="quarter" idx="2"/>
-          </p:nvPr>
-        </p:nvSpPr>
-        <p:spPr>
-          <a:prstGeom prst="rect">
-            <a:avLst/>
-          </a:prstGeom>
-        </p:spPr>
-        <p:txBody>
-          <a:bodyPr/>
-          <a:lstStyle/>
-          <a:p>
-            <a:pPr/>
-            <a:fld id="{86CB4B4D-7CA3-9044-876B-883B54F8677D}" type="slidenum"/>
-          </a:p>
-        </p:txBody>
-      </p:sp>
-    </p:spTree>
-  </p:cSld>
-  <p:clrMapOvr>
-    <a:masterClrMapping/>
-  </p:clrMapOvr>
-  <p:transition xmlns:p14="http://schemas.microsoft.com/office/powerpoint/2010/main" spd="med" advClick="1"/>
-</p:sldLayout>
-</file>
-
-<file path=ppt/slideLayouts/slideLayout8.xml><?xml version="1.0" encoding="utf-8"?>
-<p:sldLayout xmlns:a="http://schemas.openxmlformats.org/drawingml/2006/main" xmlns:r="http://schemas.openxmlformats.org/officeDocument/2006/relationships" xmlns:p="http://schemas.openxmlformats.org/presentationml/2006/main" type="tx" showMasterSp="1" showMasterPhAnim="1">
-  <p:cSld name="标题与项目符号（备选）">
-    <p:spTree>
-      <p:nvGrpSpPr>
-        <p:cNvPr id="1" name=""/>
-        <p:cNvGrpSpPr/>
-        <p:nvPr/>
-      </p:nvGrpSpPr>
-      <p:grpSpPr>
-        <a:xfrm>
-          <a:off x="0" y="0"/>
-          <a:ext cx="0" cy="0"/>
-          <a:chOff x="0" y="0"/>
-          <a:chExt cx="0" cy="0"/>
-        </a:xfrm>
-      </p:grpSpPr>
-      <p:sp>
-        <p:nvSpPr>
-          <p:cNvPr id="81" name="Shape 81"/>
-          <p:cNvSpPr/>
-          <p:nvPr>
-            <p:ph type="body" sz="quarter" idx="13"/>
-          </p:nvPr>
-        </p:nvSpPr>
-        <p:spPr>
-          <a:xfrm>
-            <a:off x="406400" y="393700"/>
-            <a:ext cx="11176000" cy="520701"/>
-          </a:xfrm>
-          <a:prstGeom prst="rect">
-            <a:avLst/>
-          </a:prstGeom>
-        </p:spPr>
-        <p:txBody>
-          <a:bodyPr anchor="b">
-            <a:spAutoFit/>
-          </a:bodyPr>
-          <a:lstStyle>
-            <a:lvl1pPr marL="0" indent="0" defTabSz="457200">
-              <a:lnSpc>
-                <a:spcPct val="80000"/>
-              </a:lnSpc>
-              <a:spcBef>
-                <a:spcPts val="0"/>
-              </a:spcBef>
-              <a:buClrTx/>
-              <a:buSzTx/>
-              <a:buFontTx/>
-              <a:buNone/>
-              <a:defRPr b="1" cap="all" spc="120" sz="2400">
-                <a:latin typeface="+mn-lt"/>
-                <a:ea typeface="+mn-ea"/>
-                <a:cs typeface="+mn-cs"/>
-                <a:sym typeface="Baskerville"/>
-              </a:defRPr>
-            </a:lvl1pPr>
-          </a:lstStyle>
-          <a:p>
-            <a:pPr/>
-            <a:r>
-              <a:t>文本</a:t>
-            </a:r>
-          </a:p>
-        </p:txBody>
-      </p:sp>
-      <p:sp>
-        <p:nvSpPr>
-          <p:cNvPr id="82" name="Shape 82"/>
-          <p:cNvSpPr/>
-          <p:nvPr>
-            <p:ph type="title"/>
-          </p:nvPr>
-        </p:nvSpPr>
-        <p:spPr>
-          <a:prstGeom prst="rect">
-            <a:avLst/>
-          </a:prstGeom>
-        </p:spPr>
-        <p:txBody>
-          <a:bodyPr/>
-          <a:lstStyle/>
-          <a:p>
-            <a:pPr/>
-            <a:r>
-              <a:t>标题文本</a:t>
-            </a:r>
-          </a:p>
-        </p:txBody>
-      </p:sp>
-      <p:sp>
-        <p:nvSpPr>
-          <p:cNvPr id="83" name="Shape 83"/>
-          <p:cNvSpPr/>
-          <p:nvPr>
-            <p:ph type="body" idx="1"/>
-          </p:nvPr>
-        </p:nvSpPr>
-        <p:spPr>
-          <a:prstGeom prst="rect">
-            <a:avLst/>
-          </a:prstGeom>
-        </p:spPr>
-        <p:txBody>
-          <a:bodyPr/>
-          <a:lstStyle>
-            <a:lvl1pPr>
-              <a:buClr>
-                <a:schemeClr val="accent1"/>
-              </a:buClr>
-              <a:buChar char="▸"/>
-            </a:lvl1pPr>
-            <a:lvl2pPr>
-              <a:buClr>
-                <a:schemeClr val="accent1"/>
-              </a:buClr>
-              <a:buChar char="▸"/>
-            </a:lvl2pPr>
-            <a:lvl3pPr>
-              <a:buClr>
-                <a:schemeClr val="accent1"/>
-              </a:buClr>
-              <a:buChar char="▸"/>
-            </a:lvl3pPr>
-            <a:lvl4pPr>
-              <a:buClr>
-                <a:schemeClr val="accent1"/>
-              </a:buClr>
-              <a:buChar char="▸"/>
-            </a:lvl4pPr>
-            <a:lvl5pPr>
-              <a:buClr>
-                <a:schemeClr val="accent1"/>
-              </a:buClr>
-              <a:buChar char="▸"/>
-            </a:lvl5pPr>
-          </a:lstStyle>
-          <a:p>
-            <a:pPr/>
-            <a:r>
-              <a:t>正文级别 1</a:t>
-            </a:r>
-          </a:p>
-          <a:p>
-            <a:pPr lvl="1"/>
-            <a:r>
-              <a:t>正文级别 2</a:t>
-            </a:r>
-          </a:p>
-          <a:p>
-            <a:pPr lvl="2"/>
-            <a:r>
-              <a:t>正文级别 3</a:t>
-            </a:r>
-          </a:p>
-          <a:p>
-            <a:pPr lvl="3"/>
-            <a:r>
-              <a:t>正文级别 4</a:t>
-            </a:r>
-          </a:p>
-          <a:p>
-            <a:pPr lvl="4"/>
-            <a:r>
-              <a:t>正文级别 5</a:t>
-            </a:r>
-          </a:p>
-        </p:txBody>
-      </p:sp>
-      <p:sp>
-        <p:nvSpPr>
-          <p:cNvPr id="84" name="Shape 84"/>
-          <p:cNvSpPr/>
-          <p:nvPr>
-            <p:ph type="sldNum" sz="quarter" idx="2"/>
-          </p:nvPr>
-        </p:nvSpPr>
-        <p:spPr>
-          <a:prstGeom prst="rect">
-            <a:avLst/>
-          </a:prstGeom>
-        </p:spPr>
-        <p:txBody>
-          <a:bodyPr/>
-          <a:lstStyle/>
-          <a:p>
-            <a:pPr/>
-            <a:fld id="{86CB4B4D-7CA3-9044-876B-883B54F8677D}" type="slidenum"/>
-          </a:p>
-        </p:txBody>
-      </p:sp>
-    </p:spTree>
-  </p:cSld>
-  <p:clrMapOvr>
-    <a:masterClrMapping/>
-  </p:clrMapOvr>
-  <p:transition xmlns:p14="http://schemas.microsoft.com/office/powerpoint/2010/main" spd="med" advClick="1"/>
-</p:sldLayout>
-</file>
-
-<file path=ppt/slideLayouts/slideLayout9.xml><?xml version="1.0" encoding="utf-8"?>
-<p:sldLayout xmlns:a="http://schemas.openxmlformats.org/drawingml/2006/main" xmlns:r="http://schemas.openxmlformats.org/officeDocument/2006/relationships" xmlns:p="http://schemas.openxmlformats.org/presentationml/2006/main" type="tx" showMasterSp="1" showMasterPhAnim="1">
-  <p:cSld name="标题、项目符号与照片">
-    <p:bg>
-      <p:bgPr>
-        <a:solidFill>
-          <a:srgbClr val="222222"/>
-        </a:solidFill>
-      </p:bgPr>
-    </p:bg>
-    <p:spTree>
-      <p:nvGrpSpPr>
-        <p:cNvPr id="1" name=""/>
-        <p:cNvGrpSpPr/>
-        <p:nvPr/>
-      </p:nvGrpSpPr>
-      <p:grpSpPr>
-        <a:xfrm>
-          <a:off x="0" y="0"/>
-          <a:ext cx="0" cy="0"/>
-          <a:chOff x="0" y="0"/>
-          <a:chExt cx="0" cy="0"/>
-        </a:xfrm>
-      </p:grpSpPr>
-      <p:sp>
-        <p:nvSpPr>
-          <p:cNvPr id="91" name="Shape 91"/>
-          <p:cNvSpPr/>
-          <p:nvPr>
-            <p:ph type="body" sz="quarter" idx="13"/>
-          </p:nvPr>
-        </p:nvSpPr>
-        <p:spPr>
-          <a:xfrm>
-            <a:off x="406400" y="393700"/>
-            <a:ext cx="11176000" cy="520701"/>
-          </a:xfrm>
-          <a:prstGeom prst="rect">
-            <a:avLst/>
-          </a:prstGeom>
-        </p:spPr>
-        <p:txBody>
-          <a:bodyPr anchor="b">
-            <a:spAutoFit/>
-          </a:bodyPr>
-          <a:lstStyle>
-            <a:lvl1pPr marL="0" indent="0" defTabSz="457200">
-              <a:lnSpc>
-                <a:spcPct val="80000"/>
-              </a:lnSpc>
-              <a:spcBef>
-                <a:spcPts val="0"/>
-              </a:spcBef>
-              <a:buClrTx/>
-              <a:buSzTx/>
-              <a:buFontTx/>
-              <a:buNone/>
-              <a:defRPr b="1" cap="all" spc="120" sz="2400">
-                <a:latin typeface="+mn-lt"/>
-                <a:ea typeface="+mn-ea"/>
-                <a:cs typeface="+mn-cs"/>
-                <a:sym typeface="Baskerville"/>
-              </a:defRPr>
-            </a:lvl1pPr>
-          </a:lstStyle>
-          <a:p>
-            <a:pPr/>
-            <a:r>
-              <a:t>文本</a:t>
-            </a:r>
-          </a:p>
-        </p:txBody>
-      </p:sp>
-      <p:sp>
-        <p:nvSpPr>
-          <p:cNvPr id="92" name="Shape 92"/>
-          <p:cNvSpPr/>
-          <p:nvPr>
-            <p:ph type="pic" sz="half" idx="14"/>
+            <p:ph type="pic" sz="half" idx="13"/>
           </p:nvPr>
         </p:nvSpPr>
         <p:spPr>
@@ -3444,7 +3471,7 @@
           </a:prstGeom>
         </p:spPr>
         <p:txBody>
-          <a:bodyPr lIns="91439" tIns="45719" rIns="91439" bIns="45719">
+          <a:bodyPr lIns="91439" tIns="45719" rIns="91439" bIns="45719" anchor="t">
             <a:noAutofit/>
           </a:bodyPr>
           <a:lstStyle/>
@@ -3455,7 +3482,7 @@
       </p:sp>
       <p:sp>
         <p:nvSpPr>
-          <p:cNvPr id="93" name="Shape 93"/>
+          <p:cNvPr id="95" name="Shape 95"/>
           <p:cNvSpPr/>
           <p:nvPr>
             <p:ph type="title"/>
@@ -3472,7 +3499,14 @@
         </p:spPr>
         <p:txBody>
           <a:bodyPr/>
-          <a:lstStyle/>
+          <a:lstStyle>
+            <a:lvl1pPr>
+              <a:spcBef>
+                <a:spcPts val="2800"/>
+              </a:spcBef>
+              <a:defRPr sz="6000"/>
+            </a:lvl1pPr>
+          </a:lstStyle>
           <a:p>
             <a:pPr/>
             <a:r>
@@ -3483,10 +3517,10 @@
       </p:sp>
       <p:sp>
         <p:nvSpPr>
-          <p:cNvPr id="94" name="Shape 94"/>
+          <p:cNvPr id="96" name="Shape 96"/>
           <p:cNvSpPr/>
           <p:nvPr>
-            <p:ph type="body" sz="half" idx="1"/>
+            <p:ph type="body" sz="half" idx="14"/>
           </p:nvPr>
         </p:nvSpPr>
         <p:spPr>
@@ -3499,85 +3533,48 @@
           </a:prstGeom>
         </p:spPr>
         <p:txBody>
-          <a:bodyPr/>
-          <a:lstStyle>
-            <a:lvl1pPr>
+          <a:bodyPr anchor="t"/>
+          <a:lstStyle/>
+          <a:p>
+            <a:pPr marL="444500" indent="-444500">
+              <a:lnSpc>
+                <a:spcPct val="100000"/>
+              </a:lnSpc>
+              <a:spcBef>
+                <a:spcPts val="2800"/>
+              </a:spcBef>
               <a:buClr>
                 <a:schemeClr val="accent1"/>
               </a:buClr>
+              <a:buSzPct val="104999"/>
+              <a:buFont typeface="Avenir Next"/>
               <a:buChar char="▸"/>
-              <a:defRPr sz="2800"/>
-            </a:lvl1pPr>
-            <a:lvl2pPr>
-              <a:buClr>
-                <a:schemeClr val="accent1"/>
-              </a:buClr>
-              <a:buChar char="▸"/>
-              <a:defRPr sz="2800"/>
-            </a:lvl2pPr>
-            <a:lvl3pPr>
-              <a:buClr>
-                <a:schemeClr val="accent1"/>
-              </a:buClr>
-              <a:buChar char="▸"/>
-              <a:defRPr sz="2800"/>
-            </a:lvl3pPr>
-            <a:lvl4pPr>
-              <a:buClr>
-                <a:schemeClr val="accent1"/>
-              </a:buClr>
-              <a:buChar char="▸"/>
-              <a:defRPr sz="2800"/>
-            </a:lvl4pPr>
-            <a:lvl5pPr>
-              <a:buClr>
-                <a:schemeClr val="accent1"/>
-              </a:buClr>
-              <a:buChar char="▸"/>
-              <a:defRPr sz="2800"/>
-            </a:lvl5pPr>
-          </a:lstStyle>
-          <a:p>
-            <a:pPr/>
-            <a:r>
-              <a:t>正文级别 1</a:t>
-            </a:r>
-          </a:p>
-          <a:p>
-            <a:pPr lvl="1"/>
-            <a:r>
-              <a:t>正文级别 2</a:t>
-            </a:r>
-          </a:p>
-          <a:p>
-            <a:pPr lvl="2"/>
-            <a:r>
-              <a:t>正文级别 3</a:t>
-            </a:r>
-          </a:p>
-          <a:p>
-            <a:pPr lvl="3"/>
-            <a:r>
-              <a:t>正文级别 4</a:t>
-            </a:r>
-          </a:p>
-          <a:p>
-            <a:pPr lvl="4"/>
-            <a:r>
-              <a:t>正文级别 5</a:t>
-            </a:r>
+              <a:defRPr cap="none" sz="2800">
+                <a:solidFill>
+                  <a:srgbClr val="838787"/>
+                </a:solidFill>
+                <a:latin typeface="Avenir Next Medium"/>
+                <a:ea typeface="Avenir Next Medium"/>
+                <a:cs typeface="Avenir Next Medium"/>
+                <a:sym typeface="Avenir Next Medium"/>
+              </a:defRPr>
+            </a:pPr>
           </a:p>
         </p:txBody>
       </p:sp>
       <p:sp>
         <p:nvSpPr>
-          <p:cNvPr id="95" name="Shape 95"/>
+          <p:cNvPr id="97" name="Shape 97"/>
           <p:cNvSpPr/>
           <p:nvPr>
             <p:ph type="sldNum" sz="quarter" idx="2"/>
           </p:nvPr>
         </p:nvSpPr>
         <p:spPr>
+          <a:xfrm>
+            <a:off x="12174419" y="431800"/>
+            <a:ext cx="419101" cy="457200"/>
+          </a:xfrm>
           <a:prstGeom prst="rect">
             <a:avLst/>
           </a:prstGeom>
@@ -3606,7 +3603,7 @@
     <p:bg>
       <p:bgPr>
         <a:solidFill>
-          <a:srgbClr val="FFFFFF"/>
+          <a:srgbClr val="222222"/>
         </a:solidFill>
       </p:bgPr>
     </p:bg>
@@ -3632,13 +3629,13 @@
         </p:nvSpPr>
         <p:spPr>
           <a:xfrm flipV="1">
-            <a:off x="406400" y="993160"/>
-            <a:ext cx="12192000" cy="263"/>
+            <a:off x="406400" y="6140894"/>
+            <a:ext cx="12192001" cy="264"/>
           </a:xfrm>
           <a:prstGeom prst="line">
             <a:avLst/>
           </a:prstGeom>
-          <a:ln w="25400">
+          <a:ln w="38100">
             <a:solidFill>
               <a:srgbClr val="A6AAA9"/>
             </a:solidFill>
@@ -3646,21 +3643,14 @@
           </a:ln>
         </p:spPr>
         <p:txBody>
-          <a:bodyPr lIns="50800" tIns="50800" rIns="50800" bIns="50800" anchor="ctr"/>
+          <a:bodyPr lIns="45718" tIns="45718" rIns="45718" bIns="45718"/>
           <a:lstStyle/>
           <a:p>
-            <a:pPr defTabSz="457200">
-              <a:spcBef>
-                <a:spcPts val="0"/>
-              </a:spcBef>
-              <a:defRPr sz="1200">
-                <a:solidFill>
-                  <a:srgbClr val="000000"/>
-                </a:solidFill>
-                <a:latin typeface="Helvetica"/>
-                <a:ea typeface="Helvetica"/>
-                <a:cs typeface="Helvetica"/>
-                <a:sym typeface="Helvetica"/>
+            <a:pPr>
+              <a:defRPr>
+                <a:solidFill>
+                  <a:srgbClr val="838787"/>
+                </a:solidFill>
               </a:defRPr>
             </a:pPr>
           </a:p>
@@ -3676,8 +3666,8 @@
         </p:nvSpPr>
         <p:spPr>
           <a:xfrm>
-            <a:off x="406400" y="1536700"/>
-            <a:ext cx="12192000" cy="723900"/>
+            <a:off x="406400" y="6426200"/>
+            <a:ext cx="12192000" cy="2705100"/>
           </a:xfrm>
           <a:prstGeom prst="rect">
             <a:avLst/>
@@ -3714,8 +3704,8 @@
         </p:nvSpPr>
         <p:spPr>
           <a:xfrm>
-            <a:off x="406400" y="2743200"/>
-            <a:ext cx="12192000" cy="6108700"/>
+            <a:off x="406400" y="4267200"/>
+            <a:ext cx="12192000" cy="1803400"/>
           </a:xfrm>
           <a:prstGeom prst="rect">
             <a:avLst/>
@@ -3730,7 +3720,7 @@
           </a:extLst>
         </p:spPr>
         <p:txBody>
-          <a:bodyPr lIns="50800" tIns="50800" rIns="50800" bIns="50800">
+          <a:bodyPr lIns="50800" tIns="50800" rIns="50800" bIns="50800" anchor="b">
             <a:normAutofit fontScale="100000" lnSpcReduction="0"/>
           </a:bodyPr>
           <a:lstStyle/>
@@ -3776,7 +3766,7 @@
         </p:nvSpPr>
         <p:spPr>
           <a:xfrm>
-            <a:off x="12174418" y="431800"/>
+            <a:off x="12182238" y="431800"/>
             <a:ext cx="419101" cy="457200"/>
           </a:xfrm>
           <a:prstGeom prst="rect">
@@ -3799,10 +3789,9 @@
                 <a:spcPts val="0"/>
               </a:spcBef>
               <a:defRPr sz="2400">
-                <a:latin typeface="+mn-lt"/>
-                <a:ea typeface="+mn-ea"/>
-                <a:cs typeface="+mn-cs"/>
-                <a:sym typeface="Baskerville"/>
+                <a:solidFill>
+                  <a:srgbClr val="838787"/>
+                </a:solidFill>
               </a:defRPr>
             </a:lvl1pPr>
           </a:lstStyle>
@@ -3814,7 +3803,7 @@
       </p:sp>
     </p:spTree>
   </p:cSld>
-  <p:clrMap bg1="dk1" tx1="lt1" bg2="dk2" tx2="lt2" accent1="accent1" accent2="accent2" accent3="accent3" accent4="accent4" accent5="accent5" accent6="accent6" hlink="hlink" folHlink="folHlink"/>
+  <p:clrMap bg1="lt1" tx1="dk1" bg2="lt2" tx2="dk2" accent1="accent1" accent2="accent2" accent3="accent3" accent4="accent4" accent5="accent5" accent6="accent6" hlink="hlink" folHlink="folHlink"/>
   <p:sldLayoutIdLst>
     <p:sldLayoutId id="2147483649" r:id="rId2"/>
     <p:sldLayoutId id="2147483650" r:id="rId3"/>
@@ -3841,7 +3830,7 @@
           <a:spcPct val="80000"/>
         </a:lnSpc>
         <a:spcBef>
-          <a:spcPts val="2800"/>
+          <a:spcPts val="0"/>
         </a:spcBef>
         <a:spcAft>
           <a:spcPts val="0"/>
@@ -3851,7 +3840,7 @@
         <a:buFontTx/>
         <a:buNone/>
         <a:tabLst/>
-        <a:defRPr b="1" baseline="0" cap="all" i="0" spc="0" strike="noStrike" sz="6000" u="none">
+        <a:defRPr b="1" baseline="0" cap="all" i="0" spc="0" strike="noStrike" sz="17000" u="none">
           <a:ln>
             <a:noFill/>
           </a:ln>
@@ -3859,18 +3848,18 @@
             <a:schemeClr val="accent1"/>
           </a:solidFill>
           <a:uFillTx/>
-          <a:latin typeface="+mn-lt"/>
-          <a:ea typeface="+mn-ea"/>
-          <a:cs typeface="+mn-cs"/>
+          <a:latin typeface="Baskerville"/>
+          <a:ea typeface="Baskerville"/>
+          <a:cs typeface="Baskerville"/>
           <a:sym typeface="Baskerville"/>
         </a:defRPr>
       </a:lvl1pPr>
-      <a:lvl2pPr marL="0" marR="0" indent="228600" algn="l" defTabSz="584200" rtl="0" latinLnBrk="0">
+      <a:lvl2pPr marL="0" marR="0" indent="0" algn="l" defTabSz="584200" rtl="0" latinLnBrk="0">
         <a:lnSpc>
           <a:spcPct val="80000"/>
         </a:lnSpc>
         <a:spcBef>
-          <a:spcPts val="2800"/>
+          <a:spcPts val="0"/>
         </a:spcBef>
         <a:spcAft>
           <a:spcPts val="0"/>
@@ -3880,7 +3869,7 @@
         <a:buFontTx/>
         <a:buNone/>
         <a:tabLst/>
-        <a:defRPr b="1" baseline="0" cap="all" i="0" spc="0" strike="noStrike" sz="6000" u="none">
+        <a:defRPr b="1" baseline="0" cap="all" i="0" spc="0" strike="noStrike" sz="17000" u="none">
           <a:ln>
             <a:noFill/>
           </a:ln>
@@ -3888,18 +3877,18 @@
             <a:schemeClr val="accent1"/>
           </a:solidFill>
           <a:uFillTx/>
-          <a:latin typeface="+mn-lt"/>
-          <a:ea typeface="+mn-ea"/>
-          <a:cs typeface="+mn-cs"/>
+          <a:latin typeface="Baskerville"/>
+          <a:ea typeface="Baskerville"/>
+          <a:cs typeface="Baskerville"/>
           <a:sym typeface="Baskerville"/>
         </a:defRPr>
       </a:lvl2pPr>
-      <a:lvl3pPr marL="0" marR="0" indent="457200" algn="l" defTabSz="584200" rtl="0" latinLnBrk="0">
+      <a:lvl3pPr marL="0" marR="0" indent="0" algn="l" defTabSz="584200" rtl="0" latinLnBrk="0">
         <a:lnSpc>
           <a:spcPct val="80000"/>
         </a:lnSpc>
         <a:spcBef>
-          <a:spcPts val="2800"/>
+          <a:spcPts val="0"/>
         </a:spcBef>
         <a:spcAft>
           <a:spcPts val="0"/>
@@ -3909,7 +3898,7 @@
         <a:buFontTx/>
         <a:buNone/>
         <a:tabLst/>
-        <a:defRPr b="1" baseline="0" cap="all" i="0" spc="0" strike="noStrike" sz="6000" u="none">
+        <a:defRPr b="1" baseline="0" cap="all" i="0" spc="0" strike="noStrike" sz="17000" u="none">
           <a:ln>
             <a:noFill/>
           </a:ln>
@@ -3917,18 +3906,18 @@
             <a:schemeClr val="accent1"/>
           </a:solidFill>
           <a:uFillTx/>
-          <a:latin typeface="+mn-lt"/>
-          <a:ea typeface="+mn-ea"/>
-          <a:cs typeface="+mn-cs"/>
+          <a:latin typeface="Baskerville"/>
+          <a:ea typeface="Baskerville"/>
+          <a:cs typeface="Baskerville"/>
           <a:sym typeface="Baskerville"/>
         </a:defRPr>
       </a:lvl3pPr>
-      <a:lvl4pPr marL="0" marR="0" indent="685800" algn="l" defTabSz="584200" rtl="0" latinLnBrk="0">
+      <a:lvl4pPr marL="0" marR="0" indent="0" algn="l" defTabSz="584200" rtl="0" latinLnBrk="0">
         <a:lnSpc>
           <a:spcPct val="80000"/>
         </a:lnSpc>
         <a:spcBef>
-          <a:spcPts val="2800"/>
+          <a:spcPts val="0"/>
         </a:spcBef>
         <a:spcAft>
           <a:spcPts val="0"/>
@@ -3938,7 +3927,7 @@
         <a:buFontTx/>
         <a:buNone/>
         <a:tabLst/>
-        <a:defRPr b="1" baseline="0" cap="all" i="0" spc="0" strike="noStrike" sz="6000" u="none">
+        <a:defRPr b="1" baseline="0" cap="all" i="0" spc="0" strike="noStrike" sz="17000" u="none">
           <a:ln>
             <a:noFill/>
           </a:ln>
@@ -3946,18 +3935,18 @@
             <a:schemeClr val="accent1"/>
           </a:solidFill>
           <a:uFillTx/>
-          <a:latin typeface="+mn-lt"/>
-          <a:ea typeface="+mn-ea"/>
-          <a:cs typeface="+mn-cs"/>
+          <a:latin typeface="Baskerville"/>
+          <a:ea typeface="Baskerville"/>
+          <a:cs typeface="Baskerville"/>
           <a:sym typeface="Baskerville"/>
         </a:defRPr>
       </a:lvl4pPr>
-      <a:lvl5pPr marL="0" marR="0" indent="914400" algn="l" defTabSz="584200" rtl="0" latinLnBrk="0">
+      <a:lvl5pPr marL="0" marR="0" indent="0" algn="l" defTabSz="584200" rtl="0" latinLnBrk="0">
         <a:lnSpc>
           <a:spcPct val="80000"/>
         </a:lnSpc>
         <a:spcBef>
-          <a:spcPts val="2800"/>
+          <a:spcPts val="0"/>
         </a:spcBef>
         <a:spcAft>
           <a:spcPts val="0"/>
@@ -3967,7 +3956,7 @@
         <a:buFontTx/>
         <a:buNone/>
         <a:tabLst/>
-        <a:defRPr b="1" baseline="0" cap="all" i="0" spc="0" strike="noStrike" sz="6000" u="none">
+        <a:defRPr b="1" baseline="0" cap="all" i="0" spc="0" strike="noStrike" sz="17000" u="none">
           <a:ln>
             <a:noFill/>
           </a:ln>
@@ -3975,18 +3964,18 @@
             <a:schemeClr val="accent1"/>
           </a:solidFill>
           <a:uFillTx/>
-          <a:latin typeface="+mn-lt"/>
-          <a:ea typeface="+mn-ea"/>
-          <a:cs typeface="+mn-cs"/>
+          <a:latin typeface="Baskerville"/>
+          <a:ea typeface="Baskerville"/>
+          <a:cs typeface="Baskerville"/>
           <a:sym typeface="Baskerville"/>
         </a:defRPr>
       </a:lvl5pPr>
-      <a:lvl6pPr marL="0" marR="0" indent="1143000" algn="l" defTabSz="584200" rtl="0" latinLnBrk="0">
+      <a:lvl6pPr marL="0" marR="0" indent="0" algn="l" defTabSz="584200" rtl="0" latinLnBrk="0">
         <a:lnSpc>
           <a:spcPct val="80000"/>
         </a:lnSpc>
         <a:spcBef>
-          <a:spcPts val="2800"/>
+          <a:spcPts val="0"/>
         </a:spcBef>
         <a:spcAft>
           <a:spcPts val="0"/>
@@ -3996,7 +3985,7 @@
         <a:buFontTx/>
         <a:buNone/>
         <a:tabLst/>
-        <a:defRPr b="1" baseline="0" cap="all" i="0" spc="0" strike="noStrike" sz="6000" u="none">
+        <a:defRPr b="1" baseline="0" cap="all" i="0" spc="0" strike="noStrike" sz="17000" u="none">
           <a:ln>
             <a:noFill/>
           </a:ln>
@@ -4004,18 +3993,18 @@
             <a:schemeClr val="accent1"/>
           </a:solidFill>
           <a:uFillTx/>
-          <a:latin typeface="+mn-lt"/>
-          <a:ea typeface="+mn-ea"/>
-          <a:cs typeface="+mn-cs"/>
+          <a:latin typeface="Baskerville"/>
+          <a:ea typeface="Baskerville"/>
+          <a:cs typeface="Baskerville"/>
           <a:sym typeface="Baskerville"/>
         </a:defRPr>
       </a:lvl6pPr>
-      <a:lvl7pPr marL="0" marR="0" indent="1371600" algn="l" defTabSz="584200" rtl="0" latinLnBrk="0">
+      <a:lvl7pPr marL="0" marR="0" indent="0" algn="l" defTabSz="584200" rtl="0" latinLnBrk="0">
         <a:lnSpc>
           <a:spcPct val="80000"/>
         </a:lnSpc>
         <a:spcBef>
-          <a:spcPts val="2800"/>
+          <a:spcPts val="0"/>
         </a:spcBef>
         <a:spcAft>
           <a:spcPts val="0"/>
@@ -4025,7 +4014,7 @@
         <a:buFontTx/>
         <a:buNone/>
         <a:tabLst/>
-        <a:defRPr b="1" baseline="0" cap="all" i="0" spc="0" strike="noStrike" sz="6000" u="none">
+        <a:defRPr b="1" baseline="0" cap="all" i="0" spc="0" strike="noStrike" sz="17000" u="none">
           <a:ln>
             <a:noFill/>
           </a:ln>
@@ -4033,18 +4022,18 @@
             <a:schemeClr val="accent1"/>
           </a:solidFill>
           <a:uFillTx/>
-          <a:latin typeface="+mn-lt"/>
-          <a:ea typeface="+mn-ea"/>
-          <a:cs typeface="+mn-cs"/>
+          <a:latin typeface="Baskerville"/>
+          <a:ea typeface="Baskerville"/>
+          <a:cs typeface="Baskerville"/>
           <a:sym typeface="Baskerville"/>
         </a:defRPr>
       </a:lvl7pPr>
-      <a:lvl8pPr marL="0" marR="0" indent="1600200" algn="l" defTabSz="584200" rtl="0" latinLnBrk="0">
+      <a:lvl8pPr marL="0" marR="0" indent="0" algn="l" defTabSz="584200" rtl="0" latinLnBrk="0">
         <a:lnSpc>
           <a:spcPct val="80000"/>
         </a:lnSpc>
         <a:spcBef>
-          <a:spcPts val="2800"/>
+          <a:spcPts val="0"/>
         </a:spcBef>
         <a:spcAft>
           <a:spcPts val="0"/>
@@ -4054,7 +4043,7 @@
         <a:buFontTx/>
         <a:buNone/>
         <a:tabLst/>
-        <a:defRPr b="1" baseline="0" cap="all" i="0" spc="0" strike="noStrike" sz="6000" u="none">
+        <a:defRPr b="1" baseline="0" cap="all" i="0" spc="0" strike="noStrike" sz="17000" u="none">
           <a:ln>
             <a:noFill/>
           </a:ln>
@@ -4062,18 +4051,18 @@
             <a:schemeClr val="accent1"/>
           </a:solidFill>
           <a:uFillTx/>
-          <a:latin typeface="+mn-lt"/>
-          <a:ea typeface="+mn-ea"/>
-          <a:cs typeface="+mn-cs"/>
+          <a:latin typeface="Baskerville"/>
+          <a:ea typeface="Baskerville"/>
+          <a:cs typeface="Baskerville"/>
           <a:sym typeface="Baskerville"/>
         </a:defRPr>
       </a:lvl8pPr>
-      <a:lvl9pPr marL="0" marR="0" indent="1828800" algn="l" defTabSz="584200" rtl="0" latinLnBrk="0">
+      <a:lvl9pPr marL="0" marR="0" indent="0" algn="l" defTabSz="584200" rtl="0" latinLnBrk="0">
         <a:lnSpc>
           <a:spcPct val="80000"/>
         </a:lnSpc>
         <a:spcBef>
-          <a:spcPts val="2800"/>
+          <a:spcPts val="0"/>
         </a:spcBef>
         <a:spcAft>
           <a:spcPts val="0"/>
@@ -4083,7 +4072,7 @@
         <a:buFontTx/>
         <a:buNone/>
         <a:tabLst/>
-        <a:defRPr b="1" baseline="0" cap="all" i="0" spc="0" strike="noStrike" sz="6000" u="none">
+        <a:defRPr b="1" baseline="0" cap="all" i="0" spc="0" strike="noStrike" sz="17000" u="none">
           <a:ln>
             <a:noFill/>
           </a:ln>
@@ -4091,314 +4080,278 @@
             <a:schemeClr val="accent1"/>
           </a:solidFill>
           <a:uFillTx/>
-          <a:latin typeface="+mn-lt"/>
-          <a:ea typeface="+mn-ea"/>
-          <a:cs typeface="+mn-cs"/>
+          <a:latin typeface="Baskerville"/>
+          <a:ea typeface="Baskerville"/>
+          <a:cs typeface="Baskerville"/>
           <a:sym typeface="Baskerville"/>
         </a:defRPr>
       </a:lvl9pPr>
     </p:titleStyle>
     <p:bodyStyle>
-      <a:lvl1pPr marL="444500" marR="0" indent="-444500" algn="l" defTabSz="584200" latinLnBrk="0">
+      <a:lvl1pPr marL="0" marR="0" indent="0" algn="l" defTabSz="584200" rtl="0" latinLnBrk="0">
         <a:lnSpc>
-          <a:spcPct val="100000"/>
+          <a:spcPct val="80000"/>
         </a:lnSpc>
         <a:spcBef>
-          <a:spcPts val="2800"/>
+          <a:spcPts val="2300"/>
         </a:spcBef>
         <a:spcAft>
           <a:spcPts val="0"/>
         </a:spcAft>
-        <a:buClr>
-          <a:schemeClr val="accent1">
-            <a:satOff val="-4060"/>
-          </a:schemeClr>
-        </a:buClr>
-        <a:buSzPct val="104999"/>
-        <a:buFont typeface="Avenir Next"/>
-        <a:buChar char="‣"/>
+        <a:buClrTx/>
+        <a:buSzTx/>
+        <a:buFontTx/>
+        <a:buNone/>
         <a:tabLst/>
-        <a:defRPr b="0" baseline="0" cap="none" i="0" spc="0" strike="noStrike" sz="3400" u="none">
+        <a:defRPr b="0" baseline="0" cap="all" i="0" spc="0" strike="noStrike" sz="5400" u="none">
           <a:ln>
             <a:noFill/>
           </a:ln>
           <a:solidFill>
-            <a:srgbClr val="838787"/>
+            <a:srgbClr val="A6AAA9"/>
           </a:solidFill>
           <a:uFillTx/>
-          <a:latin typeface="Avenir Next Medium"/>
-          <a:ea typeface="Avenir Next Medium"/>
-          <a:cs typeface="Avenir Next Medium"/>
-          <a:sym typeface="Avenir Next Medium"/>
+          <a:latin typeface="Baskerville"/>
+          <a:ea typeface="Baskerville"/>
+          <a:cs typeface="Baskerville"/>
+          <a:sym typeface="Baskerville"/>
         </a:defRPr>
       </a:lvl1pPr>
-      <a:lvl2pPr marL="889000" marR="0" indent="-444500" algn="l" defTabSz="584200" latinLnBrk="0">
+      <a:lvl2pPr marL="0" marR="0" indent="0" algn="l" defTabSz="584200" rtl="0" latinLnBrk="0">
         <a:lnSpc>
-          <a:spcPct val="100000"/>
+          <a:spcPct val="80000"/>
         </a:lnSpc>
         <a:spcBef>
-          <a:spcPts val="2800"/>
+          <a:spcPts val="2300"/>
         </a:spcBef>
         <a:spcAft>
           <a:spcPts val="0"/>
         </a:spcAft>
-        <a:buClr>
-          <a:schemeClr val="accent1">
-            <a:satOff val="-4060"/>
-          </a:schemeClr>
-        </a:buClr>
-        <a:buSzPct val="104999"/>
-        <a:buFont typeface="Avenir Next"/>
-        <a:buChar char="‣"/>
+        <a:buClrTx/>
+        <a:buSzTx/>
+        <a:buFontTx/>
+        <a:buNone/>
         <a:tabLst/>
-        <a:defRPr b="0" baseline="0" cap="none" i="0" spc="0" strike="noStrike" sz="3400" u="none">
+        <a:defRPr b="0" baseline="0" cap="all" i="0" spc="0" strike="noStrike" sz="5400" u="none">
           <a:ln>
             <a:noFill/>
           </a:ln>
           <a:solidFill>
-            <a:srgbClr val="838787"/>
+            <a:srgbClr val="A6AAA9"/>
           </a:solidFill>
           <a:uFillTx/>
-          <a:latin typeface="Avenir Next Medium"/>
-          <a:ea typeface="Avenir Next Medium"/>
-          <a:cs typeface="Avenir Next Medium"/>
-          <a:sym typeface="Avenir Next Medium"/>
+          <a:latin typeface="Baskerville"/>
+          <a:ea typeface="Baskerville"/>
+          <a:cs typeface="Baskerville"/>
+          <a:sym typeface="Baskerville"/>
         </a:defRPr>
       </a:lvl2pPr>
-      <a:lvl3pPr marL="1333500" marR="0" indent="-444500" algn="l" defTabSz="584200" latinLnBrk="0">
+      <a:lvl3pPr marL="0" marR="0" indent="0" algn="l" defTabSz="584200" rtl="0" latinLnBrk="0">
         <a:lnSpc>
-          <a:spcPct val="100000"/>
+          <a:spcPct val="80000"/>
         </a:lnSpc>
         <a:spcBef>
-          <a:spcPts val="2800"/>
+          <a:spcPts val="2300"/>
         </a:spcBef>
         <a:spcAft>
           <a:spcPts val="0"/>
         </a:spcAft>
-        <a:buClr>
-          <a:schemeClr val="accent1">
-            <a:satOff val="-4060"/>
-          </a:schemeClr>
-        </a:buClr>
-        <a:buSzPct val="104999"/>
-        <a:buFont typeface="Avenir Next"/>
-        <a:buChar char="‣"/>
+        <a:buClrTx/>
+        <a:buSzTx/>
+        <a:buFontTx/>
+        <a:buNone/>
         <a:tabLst/>
-        <a:defRPr b="0" baseline="0" cap="none" i="0" spc="0" strike="noStrike" sz="3400" u="none">
+        <a:defRPr b="0" baseline="0" cap="all" i="0" spc="0" strike="noStrike" sz="5400" u="none">
           <a:ln>
             <a:noFill/>
           </a:ln>
           <a:solidFill>
-            <a:srgbClr val="838787"/>
+            <a:srgbClr val="A6AAA9"/>
           </a:solidFill>
           <a:uFillTx/>
-          <a:latin typeface="Avenir Next Medium"/>
-          <a:ea typeface="Avenir Next Medium"/>
-          <a:cs typeface="Avenir Next Medium"/>
-          <a:sym typeface="Avenir Next Medium"/>
+          <a:latin typeface="Baskerville"/>
+          <a:ea typeface="Baskerville"/>
+          <a:cs typeface="Baskerville"/>
+          <a:sym typeface="Baskerville"/>
         </a:defRPr>
       </a:lvl3pPr>
-      <a:lvl4pPr marL="1778000" marR="0" indent="-444500" algn="l" defTabSz="584200" latinLnBrk="0">
+      <a:lvl4pPr marL="0" marR="0" indent="0" algn="l" defTabSz="584200" rtl="0" latinLnBrk="0">
         <a:lnSpc>
-          <a:spcPct val="100000"/>
+          <a:spcPct val="80000"/>
         </a:lnSpc>
         <a:spcBef>
-          <a:spcPts val="2800"/>
+          <a:spcPts val="2300"/>
         </a:spcBef>
         <a:spcAft>
           <a:spcPts val="0"/>
         </a:spcAft>
-        <a:buClr>
-          <a:schemeClr val="accent1">
-            <a:satOff val="-4060"/>
-          </a:schemeClr>
-        </a:buClr>
-        <a:buSzPct val="104999"/>
-        <a:buFont typeface="Avenir Next"/>
-        <a:buChar char="‣"/>
+        <a:buClrTx/>
+        <a:buSzTx/>
+        <a:buFontTx/>
+        <a:buNone/>
         <a:tabLst/>
-        <a:defRPr b="0" baseline="0" cap="none" i="0" spc="0" strike="noStrike" sz="3400" u="none">
+        <a:defRPr b="0" baseline="0" cap="all" i="0" spc="0" strike="noStrike" sz="5400" u="none">
           <a:ln>
             <a:noFill/>
           </a:ln>
           <a:solidFill>
-            <a:srgbClr val="838787"/>
+            <a:srgbClr val="A6AAA9"/>
           </a:solidFill>
           <a:uFillTx/>
-          <a:latin typeface="Avenir Next Medium"/>
-          <a:ea typeface="Avenir Next Medium"/>
-          <a:cs typeface="Avenir Next Medium"/>
-          <a:sym typeface="Avenir Next Medium"/>
+          <a:latin typeface="Baskerville"/>
+          <a:ea typeface="Baskerville"/>
+          <a:cs typeface="Baskerville"/>
+          <a:sym typeface="Baskerville"/>
         </a:defRPr>
       </a:lvl4pPr>
-      <a:lvl5pPr marL="2222500" marR="0" indent="-444500" algn="l" defTabSz="584200" latinLnBrk="0">
+      <a:lvl5pPr marL="0" marR="0" indent="0" algn="l" defTabSz="584200" rtl="0" latinLnBrk="0">
         <a:lnSpc>
-          <a:spcPct val="100000"/>
+          <a:spcPct val="80000"/>
         </a:lnSpc>
         <a:spcBef>
-          <a:spcPts val="2800"/>
+          <a:spcPts val="2300"/>
         </a:spcBef>
         <a:spcAft>
           <a:spcPts val="0"/>
         </a:spcAft>
-        <a:buClr>
-          <a:schemeClr val="accent1">
-            <a:satOff val="-4060"/>
-          </a:schemeClr>
-        </a:buClr>
-        <a:buSzPct val="104999"/>
-        <a:buFont typeface="Avenir Next"/>
-        <a:buChar char="‣"/>
+        <a:buClrTx/>
+        <a:buSzTx/>
+        <a:buFontTx/>
+        <a:buNone/>
         <a:tabLst/>
-        <a:defRPr b="0" baseline="0" cap="none" i="0" spc="0" strike="noStrike" sz="3400" u="none">
+        <a:defRPr b="0" baseline="0" cap="all" i="0" spc="0" strike="noStrike" sz="5400" u="none">
           <a:ln>
             <a:noFill/>
           </a:ln>
           <a:solidFill>
-            <a:srgbClr val="838787"/>
+            <a:srgbClr val="A6AAA9"/>
           </a:solidFill>
           <a:uFillTx/>
-          <a:latin typeface="Avenir Next Medium"/>
-          <a:ea typeface="Avenir Next Medium"/>
-          <a:cs typeface="Avenir Next Medium"/>
-          <a:sym typeface="Avenir Next Medium"/>
+          <a:latin typeface="Baskerville"/>
+          <a:ea typeface="Baskerville"/>
+          <a:cs typeface="Baskerville"/>
+          <a:sym typeface="Baskerville"/>
         </a:defRPr>
       </a:lvl5pPr>
-      <a:lvl6pPr marL="2667000" marR="0" indent="-444500" algn="l" defTabSz="584200" latinLnBrk="0">
+      <a:lvl6pPr marL="2928470" marR="0" indent="-705970" algn="l" defTabSz="584200" rtl="0" latinLnBrk="0">
         <a:lnSpc>
-          <a:spcPct val="100000"/>
+          <a:spcPct val="80000"/>
         </a:lnSpc>
         <a:spcBef>
-          <a:spcPts val="2800"/>
+          <a:spcPts val="2300"/>
         </a:spcBef>
         <a:spcAft>
           <a:spcPts val="0"/>
         </a:spcAft>
-        <a:buClr>
-          <a:schemeClr val="accent1">
-            <a:satOff val="-4060"/>
-          </a:schemeClr>
-        </a:buClr>
+        <a:buClrTx/>
         <a:buSzPct val="104999"/>
-        <a:buFont typeface="Avenir Next"/>
+        <a:buFontTx/>
         <a:buChar char="‣"/>
         <a:tabLst/>
-        <a:defRPr b="0" baseline="0" cap="none" i="0" spc="0" strike="noStrike" sz="3400" u="none">
+        <a:defRPr b="0" baseline="0" cap="all" i="0" spc="0" strike="noStrike" sz="5400" u="none">
           <a:ln>
             <a:noFill/>
           </a:ln>
           <a:solidFill>
-            <a:srgbClr val="838787"/>
+            <a:srgbClr val="A6AAA9"/>
           </a:solidFill>
           <a:uFillTx/>
-          <a:latin typeface="Avenir Next Medium"/>
-          <a:ea typeface="Avenir Next Medium"/>
-          <a:cs typeface="Avenir Next Medium"/>
-          <a:sym typeface="Avenir Next Medium"/>
+          <a:latin typeface="Baskerville"/>
+          <a:ea typeface="Baskerville"/>
+          <a:cs typeface="Baskerville"/>
+          <a:sym typeface="Baskerville"/>
         </a:defRPr>
       </a:lvl6pPr>
-      <a:lvl7pPr marL="3111500" marR="0" indent="-444500" algn="l" defTabSz="584200" latinLnBrk="0">
+      <a:lvl7pPr marL="3372970" marR="0" indent="-705970" algn="l" defTabSz="584200" rtl="0" latinLnBrk="0">
         <a:lnSpc>
-          <a:spcPct val="100000"/>
+          <a:spcPct val="80000"/>
         </a:lnSpc>
         <a:spcBef>
-          <a:spcPts val="2800"/>
+          <a:spcPts val="2300"/>
         </a:spcBef>
         <a:spcAft>
           <a:spcPts val="0"/>
         </a:spcAft>
-        <a:buClr>
-          <a:schemeClr val="accent1">
-            <a:satOff val="-4060"/>
-          </a:schemeClr>
-        </a:buClr>
+        <a:buClrTx/>
         <a:buSzPct val="104999"/>
-        <a:buFont typeface="Avenir Next"/>
+        <a:buFontTx/>
         <a:buChar char="‣"/>
         <a:tabLst/>
-        <a:defRPr b="0" baseline="0" cap="none" i="0" spc="0" strike="noStrike" sz="3400" u="none">
+        <a:defRPr b="0" baseline="0" cap="all" i="0" spc="0" strike="noStrike" sz="5400" u="none">
           <a:ln>
             <a:noFill/>
           </a:ln>
           <a:solidFill>
-            <a:srgbClr val="838787"/>
+            <a:srgbClr val="A6AAA9"/>
           </a:solidFill>
           <a:uFillTx/>
-          <a:latin typeface="Avenir Next Medium"/>
-          <a:ea typeface="Avenir Next Medium"/>
-          <a:cs typeface="Avenir Next Medium"/>
-          <a:sym typeface="Avenir Next Medium"/>
+          <a:latin typeface="Baskerville"/>
+          <a:ea typeface="Baskerville"/>
+          <a:cs typeface="Baskerville"/>
+          <a:sym typeface="Baskerville"/>
         </a:defRPr>
       </a:lvl7pPr>
-      <a:lvl8pPr marL="3556000" marR="0" indent="-444500" algn="l" defTabSz="584200" latinLnBrk="0">
+      <a:lvl8pPr marL="3817470" marR="0" indent="-705970" algn="l" defTabSz="584200" rtl="0" latinLnBrk="0">
         <a:lnSpc>
-          <a:spcPct val="100000"/>
+          <a:spcPct val="80000"/>
         </a:lnSpc>
         <a:spcBef>
-          <a:spcPts val="2800"/>
+          <a:spcPts val="2300"/>
         </a:spcBef>
         <a:spcAft>
           <a:spcPts val="0"/>
         </a:spcAft>
-        <a:buClr>
-          <a:schemeClr val="accent1">
-            <a:satOff val="-4060"/>
-          </a:schemeClr>
-        </a:buClr>
+        <a:buClrTx/>
         <a:buSzPct val="104999"/>
-        <a:buFont typeface="Avenir Next"/>
+        <a:buFontTx/>
         <a:buChar char="‣"/>
         <a:tabLst/>
-        <a:defRPr b="0" baseline="0" cap="none" i="0" spc="0" strike="noStrike" sz="3400" u="none">
+        <a:defRPr b="0" baseline="0" cap="all" i="0" spc="0" strike="noStrike" sz="5400" u="none">
           <a:ln>
             <a:noFill/>
           </a:ln>
           <a:solidFill>
-            <a:srgbClr val="838787"/>
+            <a:srgbClr val="A6AAA9"/>
           </a:solidFill>
           <a:uFillTx/>
-          <a:latin typeface="Avenir Next Medium"/>
-          <a:ea typeface="Avenir Next Medium"/>
-          <a:cs typeface="Avenir Next Medium"/>
-          <a:sym typeface="Avenir Next Medium"/>
+          <a:latin typeface="Baskerville"/>
+          <a:ea typeface="Baskerville"/>
+          <a:cs typeface="Baskerville"/>
+          <a:sym typeface="Baskerville"/>
         </a:defRPr>
       </a:lvl8pPr>
-      <a:lvl9pPr marL="4000500" marR="0" indent="-444500" algn="l" defTabSz="584200" latinLnBrk="0">
+      <a:lvl9pPr marL="4261970" marR="0" indent="-705970" algn="l" defTabSz="584200" rtl="0" latinLnBrk="0">
         <a:lnSpc>
-          <a:spcPct val="100000"/>
+          <a:spcPct val="80000"/>
         </a:lnSpc>
         <a:spcBef>
-          <a:spcPts val="2800"/>
+          <a:spcPts val="2300"/>
         </a:spcBef>
         <a:spcAft>
           <a:spcPts val="0"/>
         </a:spcAft>
-        <a:buClr>
-          <a:schemeClr val="accent1">
-            <a:satOff val="-4060"/>
-          </a:schemeClr>
-        </a:buClr>
+        <a:buClrTx/>
         <a:buSzPct val="104999"/>
-        <a:buFont typeface="Avenir Next"/>
+        <a:buFontTx/>
         <a:buChar char="‣"/>
         <a:tabLst/>
-        <a:defRPr b="0" baseline="0" cap="none" i="0" spc="0" strike="noStrike" sz="3400" u="none">
+        <a:defRPr b="0" baseline="0" cap="all" i="0" spc="0" strike="noStrike" sz="5400" u="none">
           <a:ln>
             <a:noFill/>
           </a:ln>
           <a:solidFill>
-            <a:srgbClr val="838787"/>
+            <a:srgbClr val="A6AAA9"/>
           </a:solidFill>
           <a:uFillTx/>
-          <a:latin typeface="Avenir Next Medium"/>
-          <a:ea typeface="Avenir Next Medium"/>
-          <a:cs typeface="Avenir Next Medium"/>
-          <a:sym typeface="Avenir Next Medium"/>
+          <a:latin typeface="Baskerville"/>
+          <a:ea typeface="Baskerville"/>
+          <a:cs typeface="Baskerville"/>
+          <a:sym typeface="Baskerville"/>
         </a:defRPr>
       </a:lvl9pPr>
     </p:bodyStyle>
     <p:otherStyle>
-      <a:lvl1pPr marL="0" marR="0" indent="0" algn="r" defTabSz="584200" latinLnBrk="0">
+      <a:lvl1pPr marL="0" marR="0" indent="0" algn="r" defTabSz="584200" rtl="0" latinLnBrk="0">
         <a:lnSpc>
           <a:spcPct val="80000"/>
         </a:lnSpc>
@@ -4427,7 +4380,7 @@
           <a:sym typeface="Baskerville"/>
         </a:defRPr>
       </a:lvl1pPr>
-      <a:lvl2pPr marL="0" marR="0" indent="228600" algn="r" defTabSz="584200" latinLnBrk="0">
+      <a:lvl2pPr marL="0" marR="0" indent="0" algn="r" defTabSz="584200" rtl="0" latinLnBrk="0">
         <a:lnSpc>
           <a:spcPct val="80000"/>
         </a:lnSpc>
@@ -4456,7 +4409,7 @@
           <a:sym typeface="Baskerville"/>
         </a:defRPr>
       </a:lvl2pPr>
-      <a:lvl3pPr marL="0" marR="0" indent="457200" algn="r" defTabSz="584200" latinLnBrk="0">
+      <a:lvl3pPr marL="0" marR="0" indent="0" algn="r" defTabSz="584200" rtl="0" latinLnBrk="0">
         <a:lnSpc>
           <a:spcPct val="80000"/>
         </a:lnSpc>
@@ -4485,7 +4438,7 @@
           <a:sym typeface="Baskerville"/>
         </a:defRPr>
       </a:lvl3pPr>
-      <a:lvl4pPr marL="0" marR="0" indent="685800" algn="r" defTabSz="584200" latinLnBrk="0">
+      <a:lvl4pPr marL="0" marR="0" indent="0" algn="r" defTabSz="584200" rtl="0" latinLnBrk="0">
         <a:lnSpc>
           <a:spcPct val="80000"/>
         </a:lnSpc>
@@ -4514,7 +4467,7 @@
           <a:sym typeface="Baskerville"/>
         </a:defRPr>
       </a:lvl4pPr>
-      <a:lvl5pPr marL="0" marR="0" indent="914400" algn="r" defTabSz="584200" latinLnBrk="0">
+      <a:lvl5pPr marL="0" marR="0" indent="0" algn="r" defTabSz="584200" rtl="0" latinLnBrk="0">
         <a:lnSpc>
           <a:spcPct val="80000"/>
         </a:lnSpc>
@@ -4543,7 +4496,7 @@
           <a:sym typeface="Baskerville"/>
         </a:defRPr>
       </a:lvl5pPr>
-      <a:lvl6pPr marL="0" marR="0" indent="1143000" algn="r" defTabSz="584200" latinLnBrk="0">
+      <a:lvl6pPr marL="0" marR="0" indent="0" algn="r" defTabSz="584200" rtl="0" latinLnBrk="0">
         <a:lnSpc>
           <a:spcPct val="80000"/>
         </a:lnSpc>
@@ -4572,7 +4525,7 @@
           <a:sym typeface="Baskerville"/>
         </a:defRPr>
       </a:lvl6pPr>
-      <a:lvl7pPr marL="0" marR="0" indent="1371600" algn="r" defTabSz="584200" latinLnBrk="0">
+      <a:lvl7pPr marL="0" marR="0" indent="0" algn="r" defTabSz="584200" rtl="0" latinLnBrk="0">
         <a:lnSpc>
           <a:spcPct val="80000"/>
         </a:lnSpc>
@@ -4601,7 +4554,7 @@
           <a:sym typeface="Baskerville"/>
         </a:defRPr>
       </a:lvl7pPr>
-      <a:lvl8pPr marL="0" marR="0" indent="1600200" algn="r" defTabSz="584200" latinLnBrk="0">
+      <a:lvl8pPr marL="0" marR="0" indent="0" algn="r" defTabSz="584200" rtl="0" latinLnBrk="0">
         <a:lnSpc>
           <a:spcPct val="80000"/>
         </a:lnSpc>
@@ -4630,7 +4583,7 @@
           <a:sym typeface="Baskerville"/>
         </a:defRPr>
       </a:lvl8pPr>
-      <a:lvl9pPr marL="0" marR="0" indent="1828800" algn="r" defTabSz="584200" latinLnBrk="0">
+      <a:lvl9pPr marL="0" marR="0" indent="0" algn="r" defTabSz="584200" rtl="0" latinLnBrk="0">
         <a:lnSpc>
           <a:spcPct val="80000"/>
         </a:lnSpc>
@@ -4683,7 +4636,7 @@
       </p:grpSpPr>
       <p:sp>
         <p:nvSpPr>
-          <p:cNvPr id="166" name="Shape 166"/>
+          <p:cNvPr id="170" name="Shape 170"/>
           <p:cNvSpPr/>
           <p:nvPr>
             <p:ph type="ctrTitle"/>
@@ -4698,7 +4651,7 @@
           <a:bodyPr/>
           <a:lstStyle>
             <a:lvl1pPr defTabSz="338835">
-              <a:defRPr sz="9860"/>
+              <a:defRPr sz="9800"/>
             </a:lvl1pPr>
           </a:lstStyle>
           <a:p>
@@ -4711,7 +4664,7 @@
       </p:sp>
       <p:sp>
         <p:nvSpPr>
-          <p:cNvPr id="167" name="Shape 167"/>
+          <p:cNvPr id="171" name="Shape 171"/>
           <p:cNvSpPr/>
           <p:nvPr>
             <p:ph type="subTitle" sz="quarter" idx="1"/>
@@ -4761,20 +4714,28 @@
       </p:grpSpPr>
       <p:sp>
         <p:nvSpPr>
-          <p:cNvPr id="169" name="Shape 169"/>
+          <p:cNvPr id="173" name="Shape 173"/>
           <p:cNvSpPr/>
           <p:nvPr>
-            <p:ph type="body" idx="13"/>
+            <p:ph type="body" sz="quarter" idx="1"/>
           </p:nvPr>
         </p:nvSpPr>
         <p:spPr>
+          <a:xfrm>
+            <a:off x="406400" y="393699"/>
+            <a:ext cx="11176000" cy="520703"/>
+          </a:xfrm>
           <a:prstGeom prst="rect">
             <a:avLst/>
           </a:prstGeom>
         </p:spPr>
         <p:txBody>
           <a:bodyPr/>
-          <a:lstStyle/>
+          <a:lstStyle>
+            <a:lvl1pPr>
+              <a:defRPr spc="100"/>
+            </a:lvl1pPr>
+          </a:lstStyle>
           <a:p>
             <a:pPr/>
             <a:r>
@@ -4785,7 +4746,7 @@
       </p:sp>
       <p:sp>
         <p:nvSpPr>
-          <p:cNvPr id="170" name="Shape 170"/>
+          <p:cNvPr id="174" name="Shape 174"/>
           <p:cNvSpPr/>
           <p:nvPr>
             <p:ph type="title"/>
@@ -4803,7 +4764,7 @@
               <a:spcBef>
                 <a:spcPts val="1600"/>
               </a:spcBef>
-              <a:defRPr sz="3480"/>
+              <a:defRPr sz="3400"/>
             </a:lvl1pPr>
           </a:lstStyle>
           <a:p>
@@ -4816,52 +4777,189 @@
       </p:sp>
       <p:sp>
         <p:nvSpPr>
-          <p:cNvPr id="171" name="Shape 171"/>
+          <p:cNvPr id="175" name="Shape 175"/>
           <p:cNvSpPr/>
           <p:nvPr>
-            <p:ph type="body" idx="1"/>
+            <p:ph type="body" idx="13"/>
           </p:nvPr>
         </p:nvSpPr>
         <p:spPr>
           <a:prstGeom prst="rect">
             <a:avLst/>
           </a:prstGeom>
+          <a:extLst>
+            <a:ext uri="{C572A759-6A51-4108-AA02-DFA0A04FC94B}">
+              <ma14:wrappingTextBoxFlag xmlns:ma14="http://schemas.microsoft.com/office/mac/drawingml/2011/main" val="1"/>
+            </a:ext>
+          </a:extLst>
         </p:spPr>
         <p:txBody>
           <a:bodyPr/>
           <a:lstStyle/>
           <a:p>
-            <a:pPr/>
+            <a:pPr marL="444500" indent="-444500">
+              <a:lnSpc>
+                <a:spcPct val="100000"/>
+              </a:lnSpc>
+              <a:spcBef>
+                <a:spcPts val="2800"/>
+              </a:spcBef>
+              <a:buClr>
+                <a:schemeClr val="accent1"/>
+              </a:buClr>
+              <a:buSzPct val="104999"/>
+              <a:buFont typeface="Avenir Next"/>
+              <a:buChar char="▸"/>
+              <a:defRPr cap="none" sz="3400">
+                <a:solidFill>
+                  <a:srgbClr val="838787"/>
+                </a:solidFill>
+                <a:latin typeface="Avenir Next Medium"/>
+                <a:ea typeface="Avenir Next Medium"/>
+                <a:cs typeface="Avenir Next Medium"/>
+                <a:sym typeface="Avenir Next Medium"/>
+              </a:defRPr>
+            </a:pPr>
             <a:r>
               <a:t>window对象(alert, confirm …)</a:t>
             </a:r>
           </a:p>
           <a:p>
-            <a:pPr/>
+            <a:pPr marL="444500" indent="-444500">
+              <a:lnSpc>
+                <a:spcPct val="100000"/>
+              </a:lnSpc>
+              <a:spcBef>
+                <a:spcPts val="2800"/>
+              </a:spcBef>
+              <a:buClr>
+                <a:schemeClr val="accent1"/>
+              </a:buClr>
+              <a:buSzPct val="104999"/>
+              <a:buFont typeface="Avenir Next"/>
+              <a:buChar char="▸"/>
+              <a:defRPr cap="none" sz="3400">
+                <a:solidFill>
+                  <a:srgbClr val="838787"/>
+                </a:solidFill>
+                <a:latin typeface="Avenir Next Medium"/>
+                <a:ea typeface="Avenir Next Medium"/>
+                <a:cs typeface="Avenir Next Medium"/>
+                <a:sym typeface="Avenir Next Medium"/>
+              </a:defRPr>
+            </a:pPr>
             <a:r>
               <a:t>document对象(cookies, forms, links …)</a:t>
             </a:r>
           </a:p>
           <a:p>
-            <a:pPr/>
+            <a:pPr marL="444500" indent="-444500">
+              <a:lnSpc>
+                <a:spcPct val="100000"/>
+              </a:lnSpc>
+              <a:spcBef>
+                <a:spcPts val="2800"/>
+              </a:spcBef>
+              <a:buClr>
+                <a:schemeClr val="accent1"/>
+              </a:buClr>
+              <a:buSzPct val="104999"/>
+              <a:buFont typeface="Avenir Next"/>
+              <a:buChar char="▸"/>
+              <a:defRPr cap="none" sz="3400">
+                <a:solidFill>
+                  <a:srgbClr val="838787"/>
+                </a:solidFill>
+                <a:latin typeface="Avenir Next Medium"/>
+                <a:ea typeface="Avenir Next Medium"/>
+                <a:cs typeface="Avenir Next Medium"/>
+                <a:sym typeface="Avenir Next Medium"/>
+              </a:defRPr>
+            </a:pPr>
             <a:r>
               <a:t>navigator对象</a:t>
             </a:r>
           </a:p>
           <a:p>
-            <a:pPr/>
+            <a:pPr marL="444500" indent="-444500">
+              <a:lnSpc>
+                <a:spcPct val="100000"/>
+              </a:lnSpc>
+              <a:spcBef>
+                <a:spcPts val="2800"/>
+              </a:spcBef>
+              <a:buClr>
+                <a:schemeClr val="accent1"/>
+              </a:buClr>
+              <a:buSzPct val="104999"/>
+              <a:buFont typeface="Avenir Next"/>
+              <a:buChar char="▸"/>
+              <a:defRPr cap="none" sz="3400">
+                <a:solidFill>
+                  <a:srgbClr val="838787"/>
+                </a:solidFill>
+                <a:latin typeface="Avenir Next Medium"/>
+                <a:ea typeface="Avenir Next Medium"/>
+                <a:cs typeface="Avenir Next Medium"/>
+                <a:sym typeface="Avenir Next Medium"/>
+              </a:defRPr>
+            </a:pPr>
             <a:r>
               <a:t>screen对象</a:t>
             </a:r>
           </a:p>
           <a:p>
-            <a:pPr/>
+            <a:pPr marL="444500" indent="-444500">
+              <a:lnSpc>
+                <a:spcPct val="100000"/>
+              </a:lnSpc>
+              <a:spcBef>
+                <a:spcPts val="2800"/>
+              </a:spcBef>
+              <a:buClr>
+                <a:schemeClr val="accent1"/>
+              </a:buClr>
+              <a:buSzPct val="104999"/>
+              <a:buFont typeface="Avenir Next"/>
+              <a:buChar char="▸"/>
+              <a:defRPr cap="none" sz="3400">
+                <a:solidFill>
+                  <a:srgbClr val="838787"/>
+                </a:solidFill>
+                <a:latin typeface="Avenir Next Medium"/>
+                <a:ea typeface="Avenir Next Medium"/>
+                <a:cs typeface="Avenir Next Medium"/>
+                <a:sym typeface="Avenir Next Medium"/>
+              </a:defRPr>
+            </a:pPr>
             <a:r>
               <a:t>location对象</a:t>
             </a:r>
           </a:p>
           <a:p>
-            <a:pPr/>
+            <a:pPr marL="444500" indent="-444500">
+              <a:lnSpc>
+                <a:spcPct val="100000"/>
+              </a:lnSpc>
+              <a:spcBef>
+                <a:spcPts val="2800"/>
+              </a:spcBef>
+              <a:buClr>
+                <a:schemeClr val="accent1"/>
+              </a:buClr>
+              <a:buSzPct val="104999"/>
+              <a:buFont typeface="Avenir Next"/>
+              <a:buChar char="▸"/>
+              <a:defRPr cap="none" sz="3400">
+                <a:solidFill>
+                  <a:srgbClr val="838787"/>
+                </a:solidFill>
+                <a:latin typeface="Avenir Next Medium"/>
+                <a:ea typeface="Avenir Next Medium"/>
+                <a:cs typeface="Avenir Next Medium"/>
+                <a:sym typeface="Avenir Next Medium"/>
+              </a:defRPr>
+            </a:pPr>
             <a:r>
               <a:t>history对象</a:t>
             </a:r>
@@ -4896,20 +4994,28 @@
       </p:grpSpPr>
       <p:sp>
         <p:nvSpPr>
-          <p:cNvPr id="173" name="Shape 173"/>
+          <p:cNvPr id="177" name="Shape 177"/>
           <p:cNvSpPr/>
           <p:nvPr>
-            <p:ph type="body" idx="13"/>
+            <p:ph type="body" sz="quarter" idx="1"/>
           </p:nvPr>
         </p:nvSpPr>
         <p:spPr>
+          <a:xfrm>
+            <a:off x="406400" y="393699"/>
+            <a:ext cx="11176000" cy="520703"/>
+          </a:xfrm>
           <a:prstGeom prst="rect">
             <a:avLst/>
           </a:prstGeom>
         </p:spPr>
         <p:txBody>
           <a:bodyPr/>
-          <a:lstStyle/>
+          <a:lstStyle>
+            <a:lvl1pPr>
+              <a:defRPr spc="100"/>
+            </a:lvl1pPr>
+          </a:lstStyle>
           <a:p>
             <a:pPr/>
             <a:r>
@@ -4920,7 +5026,7 @@
       </p:sp>
       <p:sp>
         <p:nvSpPr>
-          <p:cNvPr id="174" name="Shape 174"/>
+          <p:cNvPr id="178" name="Shape 178"/>
           <p:cNvSpPr/>
           <p:nvPr>
             <p:ph type="title"/>
@@ -4938,7 +5044,7 @@
               <a:spcBef>
                 <a:spcPts val="1600"/>
               </a:spcBef>
-              <a:defRPr sz="3480"/>
+              <a:defRPr sz="3400"/>
             </a:lvl1pPr>
           </a:lstStyle>
           <a:p>
@@ -4951,34 +5057,105 @@
       </p:sp>
       <p:sp>
         <p:nvSpPr>
-          <p:cNvPr id="175" name="Shape 175"/>
+          <p:cNvPr id="179" name="Shape 179"/>
           <p:cNvSpPr/>
           <p:nvPr>
-            <p:ph type="body" idx="1"/>
+            <p:ph type="body" idx="13"/>
           </p:nvPr>
         </p:nvSpPr>
         <p:spPr>
           <a:prstGeom prst="rect">
             <a:avLst/>
           </a:prstGeom>
+          <a:extLst>
+            <a:ext uri="{C572A759-6A51-4108-AA02-DFA0A04FC94B}">
+              <ma14:wrappingTextBoxFlag xmlns:ma14="http://schemas.microsoft.com/office/mac/drawingml/2011/main" val="1"/>
+            </a:ext>
+          </a:extLst>
         </p:spPr>
         <p:txBody>
           <a:bodyPr/>
           <a:lstStyle/>
           <a:p>
-            <a:pPr/>
+            <a:pPr marL="444500" indent="-444500">
+              <a:lnSpc>
+                <a:spcPct val="100000"/>
+              </a:lnSpc>
+              <a:spcBef>
+                <a:spcPts val="2800"/>
+              </a:spcBef>
+              <a:buClr>
+                <a:schemeClr val="accent1"/>
+              </a:buClr>
+              <a:buSzPct val="104999"/>
+              <a:buFont typeface="Avenir Next"/>
+              <a:buChar char="▸"/>
+              <a:defRPr cap="none" sz="3400">
+                <a:solidFill>
+                  <a:srgbClr val="838787"/>
+                </a:solidFill>
+                <a:latin typeface="Avenir Next Medium"/>
+                <a:ea typeface="Avenir Next Medium"/>
+                <a:cs typeface="Avenir Next Medium"/>
+                <a:sym typeface="Avenir Next Medium"/>
+              </a:defRPr>
+            </a:pPr>
             <a:r>
               <a:t>document，navigator，screen…</a:t>
             </a:r>
           </a:p>
           <a:p>
-            <a:pPr/>
+            <a:pPr marL="444500" indent="-444500">
+              <a:lnSpc>
+                <a:spcPct val="100000"/>
+              </a:lnSpc>
+              <a:spcBef>
+                <a:spcPts val="2800"/>
+              </a:spcBef>
+              <a:buClr>
+                <a:schemeClr val="accent1"/>
+              </a:buClr>
+              <a:buSzPct val="104999"/>
+              <a:buFont typeface="Avenir Next"/>
+              <a:buChar char="▸"/>
+              <a:defRPr cap="none" sz="3400">
+                <a:solidFill>
+                  <a:srgbClr val="838787"/>
+                </a:solidFill>
+                <a:latin typeface="Avenir Next Medium"/>
+                <a:ea typeface="Avenir Next Medium"/>
+                <a:cs typeface="Avenir Next Medium"/>
+                <a:sym typeface="Avenir Next Medium"/>
+              </a:defRPr>
+            </a:pPr>
             <a:r>
               <a:t>alert, confirm, prompt, setTimeout, ….</a:t>
             </a:r>
           </a:p>
           <a:p>
-            <a:pPr/>
+            <a:pPr marL="444500" indent="-444500">
+              <a:lnSpc>
+                <a:spcPct val="100000"/>
+              </a:lnSpc>
+              <a:spcBef>
+                <a:spcPts val="2800"/>
+              </a:spcBef>
+              <a:buClr>
+                <a:schemeClr val="accent1"/>
+              </a:buClr>
+              <a:buSzPct val="104999"/>
+              <a:buFont typeface="Avenir Next"/>
+              <a:buChar char="▸"/>
+              <a:defRPr cap="none" sz="3400">
+                <a:solidFill>
+                  <a:srgbClr val="838787"/>
+                </a:solidFill>
+                <a:latin typeface="Avenir Next Medium"/>
+                <a:ea typeface="Avenir Next Medium"/>
+                <a:cs typeface="Avenir Next Medium"/>
+                <a:sym typeface="Avenir Next Medium"/>
+              </a:defRPr>
+            </a:pPr>
             <a:r>
               <a:t>indexDb, FormData, top, parent</a:t>
             </a:r>
@@ -5013,20 +5190,28 @@
       </p:grpSpPr>
       <p:sp>
         <p:nvSpPr>
-          <p:cNvPr id="177" name="Shape 177"/>
+          <p:cNvPr id="181" name="Shape 181"/>
           <p:cNvSpPr/>
           <p:nvPr>
-            <p:ph type="body" idx="13"/>
+            <p:ph type="body" sz="quarter" idx="1"/>
           </p:nvPr>
         </p:nvSpPr>
         <p:spPr>
+          <a:xfrm>
+            <a:off x="406400" y="393699"/>
+            <a:ext cx="11176000" cy="520703"/>
+          </a:xfrm>
           <a:prstGeom prst="rect">
             <a:avLst/>
           </a:prstGeom>
         </p:spPr>
         <p:txBody>
           <a:bodyPr/>
-          <a:lstStyle/>
+          <a:lstStyle>
+            <a:lvl1pPr>
+              <a:defRPr spc="100"/>
+            </a:lvl1pPr>
+          </a:lstStyle>
           <a:p>
             <a:pPr/>
             <a:r>
@@ -5037,7 +5222,7 @@
       </p:sp>
       <p:sp>
         <p:nvSpPr>
-          <p:cNvPr id="178" name="Shape 178"/>
+          <p:cNvPr id="182" name="Shape 182"/>
           <p:cNvSpPr/>
           <p:nvPr>
             <p:ph type="title"/>
@@ -5055,7 +5240,7 @@
               <a:spcBef>
                 <a:spcPts val="1600"/>
               </a:spcBef>
-              <a:defRPr sz="3480"/>
+              <a:defRPr sz="3400"/>
             </a:lvl1pPr>
           </a:lstStyle>
           <a:p>
@@ -5068,114 +5253,272 @@
       </p:sp>
       <p:sp>
         <p:nvSpPr>
-          <p:cNvPr id="179" name="Shape 179"/>
+          <p:cNvPr id="183" name="Shape 183"/>
           <p:cNvSpPr/>
           <p:nvPr>
-            <p:ph type="body" idx="1"/>
+            <p:ph type="body" idx="13"/>
           </p:nvPr>
         </p:nvSpPr>
         <p:spPr>
           <a:prstGeom prst="rect">
             <a:avLst/>
           </a:prstGeom>
+          <a:extLst>
+            <a:ext uri="{C572A759-6A51-4108-AA02-DFA0A04FC94B}">
+              <ma14:wrappingTextBoxFlag xmlns:ma14="http://schemas.microsoft.com/office/mac/drawingml/2011/main" val="1"/>
+            </a:ext>
+          </a:extLst>
         </p:spPr>
         <p:txBody>
           <a:bodyPr/>
           <a:lstStyle/>
           <a:p>
-            <a:pPr marL="320040" indent="-320040" defTabSz="420624">
+            <a:pPr marL="320040" indent="-320040" defTabSz="420623">
+              <a:lnSpc>
+                <a:spcPct val="100000"/>
+              </a:lnSpc>
               <a:spcBef>
                 <a:spcPts val="2000"/>
               </a:spcBef>
-              <a:defRPr sz="2448"/>
+              <a:buClr>
+                <a:schemeClr val="accent1"/>
+              </a:buClr>
+              <a:buSzPct val="104999"/>
+              <a:buFont typeface="Avenir Next"/>
+              <a:buChar char="▸"/>
+              <a:defRPr cap="none" sz="2400">
+                <a:solidFill>
+                  <a:srgbClr val="838787"/>
+                </a:solidFill>
+                <a:latin typeface="Avenir Next Medium"/>
+                <a:ea typeface="Avenir Next Medium"/>
+                <a:cs typeface="Avenir Next Medium"/>
+                <a:sym typeface="Avenir Next Medium"/>
+              </a:defRPr>
             </a:pPr>
             <a:r>
               <a:t>查找，编辑节点</a:t>
             </a:r>
           </a:p>
           <a:p>
-            <a:pPr marL="320040" indent="-320040" defTabSz="420624">
+            <a:pPr marL="320040" indent="-320040" defTabSz="420623">
+              <a:lnSpc>
+                <a:spcPct val="100000"/>
+              </a:lnSpc>
               <a:spcBef>
                 <a:spcPts val="2000"/>
               </a:spcBef>
-              <a:defRPr sz="2448"/>
+              <a:buClr>
+                <a:schemeClr val="accent1"/>
+              </a:buClr>
+              <a:buSzPct val="104999"/>
+              <a:buFont typeface="Avenir Next"/>
+              <a:buChar char="▸"/>
+              <a:defRPr cap="none" sz="2400">
+                <a:solidFill>
+                  <a:srgbClr val="838787"/>
+                </a:solidFill>
+                <a:latin typeface="Avenir Next Medium"/>
+                <a:ea typeface="Avenir Next Medium"/>
+                <a:cs typeface="Avenir Next Medium"/>
+                <a:sym typeface="Avenir Next Medium"/>
+              </a:defRPr>
             </a:pPr>
             <a:r>
               <a:t>all 提供对文档中所有元素的访问</a:t>
             </a:r>
           </a:p>
           <a:p>
-            <a:pPr marL="320040" indent="-320040" defTabSz="420624">
+            <a:pPr marL="320040" indent="-320040" defTabSz="420623">
+              <a:lnSpc>
+                <a:spcPct val="100000"/>
+              </a:lnSpc>
               <a:spcBef>
                 <a:spcPts val="2000"/>
               </a:spcBef>
-              <a:defRPr sz="2448"/>
+              <a:buClr>
+                <a:schemeClr val="accent1"/>
+              </a:buClr>
+              <a:buSzPct val="104999"/>
+              <a:buFont typeface="Avenir Next"/>
+              <a:buChar char="▸"/>
+              <a:defRPr cap="none" sz="2400">
+                <a:solidFill>
+                  <a:srgbClr val="838787"/>
+                </a:solidFill>
+                <a:latin typeface="Avenir Next Medium"/>
+                <a:ea typeface="Avenir Next Medium"/>
+                <a:cs typeface="Avenir Next Medium"/>
+                <a:sym typeface="Avenir Next Medium"/>
+              </a:defRPr>
             </a:pPr>
             <a:r>
               <a:t>anchors 所有的锚点对象</a:t>
             </a:r>
           </a:p>
           <a:p>
-            <a:pPr marL="320040" indent="-320040" defTabSz="420624">
+            <a:pPr marL="320040" indent="-320040" defTabSz="420623">
+              <a:lnSpc>
+                <a:spcPct val="100000"/>
+              </a:lnSpc>
               <a:spcBef>
                 <a:spcPts val="2000"/>
               </a:spcBef>
-              <a:defRPr sz="2448"/>
+              <a:buClr>
+                <a:schemeClr val="accent1"/>
+              </a:buClr>
+              <a:buSzPct val="104999"/>
+              <a:buFont typeface="Avenir Next"/>
+              <a:buChar char="▸"/>
+              <a:defRPr cap="none" sz="2400">
+                <a:solidFill>
+                  <a:srgbClr val="838787"/>
+                </a:solidFill>
+                <a:latin typeface="Avenir Next Medium"/>
+                <a:ea typeface="Avenir Next Medium"/>
+                <a:cs typeface="Avenir Next Medium"/>
+                <a:sym typeface="Avenir Next Medium"/>
+              </a:defRPr>
             </a:pPr>
             <a:r>
               <a:t>forms 所有的表单form对象</a:t>
             </a:r>
           </a:p>
           <a:p>
-            <a:pPr marL="320040" indent="-320040" defTabSz="420624">
+            <a:pPr marL="320040" indent="-320040" defTabSz="420623">
+              <a:lnSpc>
+                <a:spcPct val="100000"/>
+              </a:lnSpc>
               <a:spcBef>
                 <a:spcPts val="2000"/>
               </a:spcBef>
-              <a:defRPr sz="2448"/>
+              <a:buClr>
+                <a:schemeClr val="accent1"/>
+              </a:buClr>
+              <a:buSzPct val="104999"/>
+              <a:buFont typeface="Avenir Next"/>
+              <a:buChar char="▸"/>
+              <a:defRPr cap="none" sz="2400">
+                <a:solidFill>
+                  <a:srgbClr val="838787"/>
+                </a:solidFill>
+                <a:latin typeface="Avenir Next Medium"/>
+                <a:ea typeface="Avenir Next Medium"/>
+                <a:cs typeface="Avenir Next Medium"/>
+                <a:sym typeface="Avenir Next Medium"/>
+              </a:defRPr>
             </a:pPr>
             <a:r>
               <a:t>images 所有的图片对象</a:t>
             </a:r>
           </a:p>
           <a:p>
-            <a:pPr marL="320040" indent="-320040" defTabSz="420624">
+            <a:pPr marL="320040" indent="-320040" defTabSz="420623">
+              <a:lnSpc>
+                <a:spcPct val="100000"/>
+              </a:lnSpc>
               <a:spcBef>
                 <a:spcPts val="2000"/>
               </a:spcBef>
-              <a:defRPr sz="2448"/>
+              <a:buClr>
+                <a:schemeClr val="accent1"/>
+              </a:buClr>
+              <a:buSzPct val="104999"/>
+              <a:buFont typeface="Avenir Next"/>
+              <a:buChar char="▸"/>
+              <a:defRPr cap="none" sz="2400">
+                <a:solidFill>
+                  <a:srgbClr val="838787"/>
+                </a:solidFill>
+                <a:latin typeface="Avenir Next Medium"/>
+                <a:ea typeface="Avenir Next Medium"/>
+                <a:cs typeface="Avenir Next Medium"/>
+                <a:sym typeface="Avenir Next Medium"/>
+              </a:defRPr>
             </a:pPr>
             <a:r>
               <a:t>links 所有的链接对象</a:t>
             </a:r>
           </a:p>
           <a:p>
-            <a:pPr marL="320040" indent="-320040" defTabSz="420624">
+            <a:pPr marL="320040" indent="-320040" defTabSz="420623">
+              <a:lnSpc>
+                <a:spcPct val="100000"/>
+              </a:lnSpc>
               <a:spcBef>
                 <a:spcPts val="2000"/>
               </a:spcBef>
-              <a:defRPr sz="2448"/>
+              <a:buClr>
+                <a:schemeClr val="accent1"/>
+              </a:buClr>
+              <a:buSzPct val="104999"/>
+              <a:buFont typeface="Avenir Next"/>
+              <a:buChar char="▸"/>
+              <a:defRPr cap="none" sz="2400">
+                <a:solidFill>
+                  <a:srgbClr val="838787"/>
+                </a:solidFill>
+                <a:latin typeface="Avenir Next Medium"/>
+                <a:ea typeface="Avenir Next Medium"/>
+                <a:cs typeface="Avenir Next Medium"/>
+                <a:sym typeface="Avenir Next Medium"/>
+              </a:defRPr>
             </a:pPr>
             <a:r>
               <a:t>body，head，title，domain，lastModified</a:t>
             </a:r>
           </a:p>
           <a:p>
-            <a:pPr marL="320040" indent="-320040" defTabSz="420624">
+            <a:pPr marL="320040" indent="-320040" defTabSz="420623">
+              <a:lnSpc>
+                <a:spcPct val="100000"/>
+              </a:lnSpc>
               <a:spcBef>
                 <a:spcPts val="2000"/>
               </a:spcBef>
-              <a:defRPr sz="2448"/>
+              <a:buClr>
+                <a:schemeClr val="accent1"/>
+              </a:buClr>
+              <a:buSzPct val="104999"/>
+              <a:buFont typeface="Avenir Next"/>
+              <a:buChar char="▸"/>
+              <a:defRPr cap="none" sz="2400">
+                <a:solidFill>
+                  <a:srgbClr val="838787"/>
+                </a:solidFill>
+                <a:latin typeface="Avenir Next Medium"/>
+                <a:ea typeface="Avenir Next Medium"/>
+                <a:cs typeface="Avenir Next Medium"/>
+                <a:sym typeface="Avenir Next Medium"/>
+              </a:defRPr>
             </a:pPr>
             <a:r>
               <a:t>cookies 当前文档有关的cookie</a:t>
             </a:r>
           </a:p>
           <a:p>
-            <a:pPr marL="320040" indent="-320040" defTabSz="420624">
+            <a:pPr marL="320040" indent="-320040" defTabSz="420623">
+              <a:lnSpc>
+                <a:spcPct val="100000"/>
+              </a:lnSpc>
               <a:spcBef>
                 <a:spcPts val="2000"/>
               </a:spcBef>
-              <a:defRPr sz="2448"/>
+              <a:buClr>
+                <a:schemeClr val="accent1"/>
+              </a:buClr>
+              <a:buSzPct val="104999"/>
+              <a:buFont typeface="Avenir Next"/>
+              <a:buChar char="▸"/>
+              <a:defRPr cap="none" sz="2400">
+                <a:solidFill>
+                  <a:srgbClr val="838787"/>
+                </a:solidFill>
+                <a:latin typeface="Avenir Next Medium"/>
+                <a:ea typeface="Avenir Next Medium"/>
+                <a:cs typeface="Avenir Next Medium"/>
+                <a:sym typeface="Avenir Next Medium"/>
+              </a:defRPr>
             </a:pPr>
             <a:r>
               <a:t>write，writeln 向当前文档位置动态添加代码</a:t>
@@ -5211,20 +5554,28 @@
       </p:grpSpPr>
       <p:sp>
         <p:nvSpPr>
-          <p:cNvPr id="181" name="Shape 181"/>
+          <p:cNvPr id="185" name="Shape 185"/>
           <p:cNvSpPr/>
           <p:nvPr>
-            <p:ph type="body" idx="13"/>
+            <p:ph type="body" sz="quarter" idx="1"/>
           </p:nvPr>
         </p:nvSpPr>
         <p:spPr>
+          <a:xfrm>
+            <a:off x="406400" y="393699"/>
+            <a:ext cx="11176000" cy="520703"/>
+          </a:xfrm>
           <a:prstGeom prst="rect">
             <a:avLst/>
           </a:prstGeom>
         </p:spPr>
         <p:txBody>
           <a:bodyPr/>
-          <a:lstStyle/>
+          <a:lstStyle>
+            <a:lvl1pPr>
+              <a:defRPr spc="100"/>
+            </a:lvl1pPr>
+          </a:lstStyle>
           <a:p>
             <a:pPr/>
             <a:r>
@@ -5235,7 +5586,7 @@
       </p:sp>
       <p:sp>
         <p:nvSpPr>
-          <p:cNvPr id="182" name="Shape 182"/>
+          <p:cNvPr id="186" name="Shape 186"/>
           <p:cNvSpPr/>
           <p:nvPr>
             <p:ph type="title"/>
@@ -5253,7 +5604,7 @@
               <a:spcBef>
                 <a:spcPts val="1600"/>
               </a:spcBef>
-              <a:defRPr sz="3480"/>
+              <a:defRPr sz="3400"/>
             </a:lvl1pPr>
           </a:lstStyle>
           <a:p>
@@ -5266,46 +5617,161 @@
       </p:sp>
       <p:sp>
         <p:nvSpPr>
-          <p:cNvPr id="183" name="Shape 183"/>
+          <p:cNvPr id="187" name="Shape 187"/>
           <p:cNvSpPr/>
           <p:nvPr>
-            <p:ph type="body" idx="1"/>
+            <p:ph type="body" idx="13"/>
           </p:nvPr>
         </p:nvSpPr>
         <p:spPr>
           <a:prstGeom prst="rect">
             <a:avLst/>
           </a:prstGeom>
+          <a:extLst>
+            <a:ext uri="{C572A759-6A51-4108-AA02-DFA0A04FC94B}">
+              <ma14:wrappingTextBoxFlag xmlns:ma14="http://schemas.microsoft.com/office/mac/drawingml/2011/main" val="1"/>
+            </a:ext>
+          </a:extLst>
         </p:spPr>
         <p:txBody>
           <a:bodyPr/>
           <a:lstStyle/>
           <a:p>
-            <a:pPr/>
+            <a:pPr marL="444500" indent="-444500">
+              <a:lnSpc>
+                <a:spcPct val="100000"/>
+              </a:lnSpc>
+              <a:spcBef>
+                <a:spcPts val="2800"/>
+              </a:spcBef>
+              <a:buClr>
+                <a:schemeClr val="accent1"/>
+              </a:buClr>
+              <a:buSzPct val="104999"/>
+              <a:buFont typeface="Avenir Next"/>
+              <a:buChar char="▸"/>
+              <a:defRPr cap="none" sz="3400">
+                <a:solidFill>
+                  <a:srgbClr val="838787"/>
+                </a:solidFill>
+                <a:latin typeface="Avenir Next Medium"/>
+                <a:ea typeface="Avenir Next Medium"/>
+                <a:cs typeface="Avenir Next Medium"/>
+                <a:sym typeface="Avenir Next Medium"/>
+              </a:defRPr>
+            </a:pPr>
             <a:r>
               <a:t>appName，appVersion</a:t>
             </a:r>
           </a:p>
           <a:p>
-            <a:pPr/>
+            <a:pPr marL="444500" indent="-444500">
+              <a:lnSpc>
+                <a:spcPct val="100000"/>
+              </a:lnSpc>
+              <a:spcBef>
+                <a:spcPts val="2800"/>
+              </a:spcBef>
+              <a:buClr>
+                <a:schemeClr val="accent1"/>
+              </a:buClr>
+              <a:buSzPct val="104999"/>
+              <a:buFont typeface="Avenir Next"/>
+              <a:buChar char="▸"/>
+              <a:defRPr cap="none" sz="3400">
+                <a:solidFill>
+                  <a:srgbClr val="838787"/>
+                </a:solidFill>
+                <a:latin typeface="Avenir Next Medium"/>
+                <a:ea typeface="Avenir Next Medium"/>
+                <a:cs typeface="Avenir Next Medium"/>
+                <a:sym typeface="Avenir Next Medium"/>
+              </a:defRPr>
+            </a:pPr>
             <a:r>
               <a:t>cupClass</a:t>
             </a:r>
           </a:p>
           <a:p>
-            <a:pPr/>
+            <a:pPr marL="444500" indent="-444500">
+              <a:lnSpc>
+                <a:spcPct val="100000"/>
+              </a:lnSpc>
+              <a:spcBef>
+                <a:spcPts val="2800"/>
+              </a:spcBef>
+              <a:buClr>
+                <a:schemeClr val="accent1"/>
+              </a:buClr>
+              <a:buSzPct val="104999"/>
+              <a:buFont typeface="Avenir Next"/>
+              <a:buChar char="▸"/>
+              <a:defRPr cap="none" sz="3400">
+                <a:solidFill>
+                  <a:srgbClr val="838787"/>
+                </a:solidFill>
+                <a:latin typeface="Avenir Next Medium"/>
+                <a:ea typeface="Avenir Next Medium"/>
+                <a:cs typeface="Avenir Next Medium"/>
+                <a:sym typeface="Avenir Next Medium"/>
+              </a:defRPr>
+            </a:pPr>
             <a:r>
               <a:t>platform</a:t>
             </a:r>
           </a:p>
           <a:p>
-            <a:pPr/>
+            <a:pPr marL="444500" indent="-444500">
+              <a:lnSpc>
+                <a:spcPct val="100000"/>
+              </a:lnSpc>
+              <a:spcBef>
+                <a:spcPts val="2800"/>
+              </a:spcBef>
+              <a:buClr>
+                <a:schemeClr val="accent1"/>
+              </a:buClr>
+              <a:buSzPct val="104999"/>
+              <a:buFont typeface="Avenir Next"/>
+              <a:buChar char="▸"/>
+              <a:defRPr cap="none" sz="3400">
+                <a:solidFill>
+                  <a:srgbClr val="838787"/>
+                </a:solidFill>
+                <a:latin typeface="Avenir Next Medium"/>
+                <a:ea typeface="Avenir Next Medium"/>
+                <a:cs typeface="Avenir Next Medium"/>
+                <a:sym typeface="Avenir Next Medium"/>
+              </a:defRPr>
+            </a:pPr>
             <a:r>
               <a:t>systemLanguage</a:t>
             </a:r>
           </a:p>
           <a:p>
-            <a:pPr/>
+            <a:pPr marL="444500" indent="-444500">
+              <a:lnSpc>
+                <a:spcPct val="100000"/>
+              </a:lnSpc>
+              <a:spcBef>
+                <a:spcPts val="2800"/>
+              </a:spcBef>
+              <a:buClr>
+                <a:schemeClr val="accent1"/>
+              </a:buClr>
+              <a:buSzPct val="104999"/>
+              <a:buFont typeface="Avenir Next"/>
+              <a:buChar char="▸"/>
+              <a:defRPr cap="none" sz="3400">
+                <a:solidFill>
+                  <a:srgbClr val="838787"/>
+                </a:solidFill>
+                <a:latin typeface="Avenir Next Medium"/>
+                <a:ea typeface="Avenir Next Medium"/>
+                <a:cs typeface="Avenir Next Medium"/>
+                <a:sym typeface="Avenir Next Medium"/>
+              </a:defRPr>
+            </a:pPr>
             <a:r>
               <a:t>userAgent，userLanguage</a:t>
             </a:r>
@@ -5340,20 +5806,28 @@
       </p:grpSpPr>
       <p:sp>
         <p:nvSpPr>
-          <p:cNvPr id="185" name="Shape 185"/>
+          <p:cNvPr id="189" name="Shape 189"/>
           <p:cNvSpPr/>
           <p:nvPr>
-            <p:ph type="body" idx="13"/>
+            <p:ph type="body" sz="quarter" idx="1"/>
           </p:nvPr>
         </p:nvSpPr>
         <p:spPr>
+          <a:xfrm>
+            <a:off x="406400" y="393699"/>
+            <a:ext cx="11176000" cy="520703"/>
+          </a:xfrm>
           <a:prstGeom prst="rect">
             <a:avLst/>
           </a:prstGeom>
         </p:spPr>
         <p:txBody>
           <a:bodyPr/>
-          <a:lstStyle/>
+          <a:lstStyle>
+            <a:lvl1pPr>
+              <a:defRPr spc="100"/>
+            </a:lvl1pPr>
+          </a:lstStyle>
           <a:p>
             <a:pPr/>
             <a:r>
@@ -5364,7 +5838,7 @@
       </p:sp>
       <p:sp>
         <p:nvSpPr>
-          <p:cNvPr id="186" name="Shape 186"/>
+          <p:cNvPr id="190" name="Shape 190"/>
           <p:cNvSpPr/>
           <p:nvPr>
             <p:ph type="title"/>
@@ -5382,7 +5856,7 @@
               <a:spcBef>
                 <a:spcPts val="1600"/>
               </a:spcBef>
-              <a:defRPr sz="3480"/>
+              <a:defRPr sz="3400"/>
             </a:lvl1pPr>
           </a:lstStyle>
           <a:p>
@@ -5395,34 +5869,105 @@
       </p:sp>
       <p:sp>
         <p:nvSpPr>
-          <p:cNvPr id="187" name="Shape 187"/>
+          <p:cNvPr id="191" name="Shape 191"/>
           <p:cNvSpPr/>
           <p:nvPr>
-            <p:ph type="body" idx="1"/>
+            <p:ph type="body" idx="13"/>
           </p:nvPr>
         </p:nvSpPr>
         <p:spPr>
           <a:prstGeom prst="rect">
             <a:avLst/>
           </a:prstGeom>
+          <a:extLst>
+            <a:ext uri="{C572A759-6A51-4108-AA02-DFA0A04FC94B}">
+              <ma14:wrappingTextBoxFlag xmlns:ma14="http://schemas.microsoft.com/office/mac/drawingml/2011/main" val="1"/>
+            </a:ext>
+          </a:extLst>
         </p:spPr>
         <p:txBody>
           <a:bodyPr/>
           <a:lstStyle/>
           <a:p>
-            <a:pPr/>
+            <a:pPr marL="444500" indent="-444500">
+              <a:lnSpc>
+                <a:spcPct val="100000"/>
+              </a:lnSpc>
+              <a:spcBef>
+                <a:spcPts val="2800"/>
+              </a:spcBef>
+              <a:buClr>
+                <a:schemeClr val="accent1"/>
+              </a:buClr>
+              <a:buSzPct val="104999"/>
+              <a:buFont typeface="Avenir Next"/>
+              <a:buChar char="▸"/>
+              <a:defRPr cap="none" sz="3400">
+                <a:solidFill>
+                  <a:srgbClr val="838787"/>
+                </a:solidFill>
+                <a:latin typeface="Avenir Next Medium"/>
+                <a:ea typeface="Avenir Next Medium"/>
+                <a:cs typeface="Avenir Next Medium"/>
+                <a:sym typeface="Avenir Next Medium"/>
+              </a:defRPr>
+            </a:pPr>
             <a:r>
               <a:t>avaiHeight，avaiWidth 屏幕宽高(windows任务栏除外)</a:t>
             </a:r>
           </a:p>
           <a:p>
-            <a:pPr/>
+            <a:pPr marL="444500" indent="-444500">
+              <a:lnSpc>
+                <a:spcPct val="100000"/>
+              </a:lnSpc>
+              <a:spcBef>
+                <a:spcPts val="2800"/>
+              </a:spcBef>
+              <a:buClr>
+                <a:schemeClr val="accent1"/>
+              </a:buClr>
+              <a:buSzPct val="104999"/>
+              <a:buFont typeface="Avenir Next"/>
+              <a:buChar char="▸"/>
+              <a:defRPr cap="none" sz="3400">
+                <a:solidFill>
+                  <a:srgbClr val="838787"/>
+                </a:solidFill>
+                <a:latin typeface="Avenir Next Medium"/>
+                <a:ea typeface="Avenir Next Medium"/>
+                <a:cs typeface="Avenir Next Medium"/>
+                <a:sym typeface="Avenir Next Medium"/>
+              </a:defRPr>
+            </a:pPr>
             <a:r>
               <a:t>deviceXDPI ，deviceYDPI 显示屏设备每英寸显示点数</a:t>
             </a:r>
           </a:p>
           <a:p>
-            <a:pPr/>
+            <a:pPr marL="444500" indent="-444500">
+              <a:lnSpc>
+                <a:spcPct val="100000"/>
+              </a:lnSpc>
+              <a:spcBef>
+                <a:spcPts val="2800"/>
+              </a:spcBef>
+              <a:buClr>
+                <a:schemeClr val="accent1"/>
+              </a:buClr>
+              <a:buSzPct val="104999"/>
+              <a:buFont typeface="Avenir Next"/>
+              <a:buChar char="▸"/>
+              <a:defRPr cap="none" sz="3400">
+                <a:solidFill>
+                  <a:srgbClr val="838787"/>
+                </a:solidFill>
+                <a:latin typeface="Avenir Next Medium"/>
+                <a:ea typeface="Avenir Next Medium"/>
+                <a:cs typeface="Avenir Next Medium"/>
+                <a:sym typeface="Avenir Next Medium"/>
+              </a:defRPr>
+            </a:pPr>
             <a:r>
               <a:t>height，width 显示器屏幕宽高</a:t>
             </a:r>
@@ -5457,20 +6002,28 @@
       </p:grpSpPr>
       <p:sp>
         <p:nvSpPr>
-          <p:cNvPr id="189" name="Shape 189"/>
+          <p:cNvPr id="193" name="Shape 193"/>
           <p:cNvSpPr/>
           <p:nvPr>
-            <p:ph type="body" idx="13"/>
+            <p:ph type="body" sz="quarter" idx="1"/>
           </p:nvPr>
         </p:nvSpPr>
         <p:spPr>
+          <a:xfrm>
+            <a:off x="406400" y="393699"/>
+            <a:ext cx="11176000" cy="520703"/>
+          </a:xfrm>
           <a:prstGeom prst="rect">
             <a:avLst/>
           </a:prstGeom>
         </p:spPr>
         <p:txBody>
           <a:bodyPr/>
-          <a:lstStyle/>
+          <a:lstStyle>
+            <a:lvl1pPr>
+              <a:defRPr spc="100"/>
+            </a:lvl1pPr>
+          </a:lstStyle>
           <a:p>
             <a:pPr/>
             <a:r>
@@ -5481,7 +6034,7 @@
       </p:sp>
       <p:sp>
         <p:nvSpPr>
-          <p:cNvPr id="190" name="Shape 190"/>
+          <p:cNvPr id="194" name="Shape 194"/>
           <p:cNvSpPr/>
           <p:nvPr>
             <p:ph type="title"/>
@@ -5499,7 +6052,7 @@
               <a:spcBef>
                 <a:spcPts val="1600"/>
               </a:spcBef>
-              <a:defRPr sz="3480"/>
+              <a:defRPr sz="3400"/>
             </a:lvl1pPr>
           </a:lstStyle>
           <a:p>
@@ -5512,125 +6065,300 @@
       </p:sp>
       <p:sp>
         <p:nvSpPr>
-          <p:cNvPr id="191" name="Shape 191"/>
+          <p:cNvPr id="195" name="Shape 195"/>
           <p:cNvSpPr/>
           <p:nvPr>
-            <p:ph type="body" idx="1"/>
+            <p:ph type="body" idx="13"/>
           </p:nvPr>
         </p:nvSpPr>
         <p:spPr>
           <a:prstGeom prst="rect">
             <a:avLst/>
           </a:prstGeom>
+          <a:extLst>
+            <a:ext uri="{C572A759-6A51-4108-AA02-DFA0A04FC94B}">
+              <ma14:wrappingTextBoxFlag xmlns:ma14="http://schemas.microsoft.com/office/mac/drawingml/2011/main" val="1"/>
+            </a:ext>
+          </a:extLst>
         </p:spPr>
         <p:txBody>
           <a:bodyPr/>
           <a:lstStyle/>
           <a:p>
-            <a:pPr marL="284479" indent="-284479" defTabSz="373887">
+            <a:pPr marL="284479" indent="-284479" defTabSz="373886">
+              <a:lnSpc>
+                <a:spcPct val="100000"/>
+              </a:lnSpc>
               <a:spcBef>
                 <a:spcPts val="1700"/>
               </a:spcBef>
-              <a:defRPr sz="2176"/>
+              <a:buClr>
+                <a:schemeClr val="accent1"/>
+              </a:buClr>
+              <a:buSzPct val="104999"/>
+              <a:buFont typeface="Avenir Next"/>
+              <a:buChar char="▸"/>
+              <a:defRPr cap="none" sz="2100">
+                <a:solidFill>
+                  <a:srgbClr val="838787"/>
+                </a:solidFill>
+                <a:latin typeface="Avenir Next Medium"/>
+                <a:ea typeface="Avenir Next Medium"/>
+                <a:cs typeface="Avenir Next Medium"/>
+                <a:sym typeface="Avenir Next Medium"/>
+              </a:defRPr>
             </a:pPr>
             <a:r>
               <a:t>hash 设置或返回地址栏中 # 号开始的内容(锚点内容)</a:t>
             </a:r>
           </a:p>
           <a:p>
-            <a:pPr marL="284479" indent="-284479" defTabSz="373887">
+            <a:pPr marL="284479" indent="-284479" defTabSz="373886">
+              <a:lnSpc>
+                <a:spcPct val="100000"/>
+              </a:lnSpc>
               <a:spcBef>
                 <a:spcPts val="1700"/>
               </a:spcBef>
-              <a:defRPr sz="2176"/>
+              <a:buClr>
+                <a:schemeClr val="accent1"/>
+              </a:buClr>
+              <a:buSzPct val="104999"/>
+              <a:buFont typeface="Avenir Next"/>
+              <a:buChar char="▸"/>
+              <a:defRPr cap="none" sz="2100">
+                <a:solidFill>
+                  <a:srgbClr val="838787"/>
+                </a:solidFill>
+                <a:latin typeface="Avenir Next Medium"/>
+                <a:ea typeface="Avenir Next Medium"/>
+                <a:cs typeface="Avenir Next Medium"/>
+                <a:sym typeface="Avenir Next Medium"/>
+              </a:defRPr>
             </a:pPr>
             <a:r>
               <a:t>host 设置或返回主机地址和端口号</a:t>
             </a:r>
           </a:p>
           <a:p>
-            <a:pPr marL="284479" indent="-284479" defTabSz="373887">
+            <a:pPr marL="284479" indent="-284479" defTabSz="373886">
+              <a:lnSpc>
+                <a:spcPct val="100000"/>
+              </a:lnSpc>
               <a:spcBef>
                 <a:spcPts val="1700"/>
               </a:spcBef>
-              <a:defRPr sz="2176"/>
+              <a:buClr>
+                <a:schemeClr val="accent1"/>
+              </a:buClr>
+              <a:buSzPct val="104999"/>
+              <a:buFont typeface="Avenir Next"/>
+              <a:buChar char="▸"/>
+              <a:defRPr cap="none" sz="2100">
+                <a:solidFill>
+                  <a:srgbClr val="838787"/>
+                </a:solidFill>
+                <a:latin typeface="Avenir Next Medium"/>
+                <a:ea typeface="Avenir Next Medium"/>
+                <a:cs typeface="Avenir Next Medium"/>
+                <a:sym typeface="Avenir Next Medium"/>
+              </a:defRPr>
             </a:pPr>
             <a:r>
               <a:t>hostname 设置或返回当前的主机地址</a:t>
             </a:r>
           </a:p>
           <a:p>
-            <a:pPr marL="284479" indent="-284479" defTabSz="373887">
+            <a:pPr marL="284479" indent="-284479" defTabSz="373886">
+              <a:lnSpc>
+                <a:spcPct val="100000"/>
+              </a:lnSpc>
               <a:spcBef>
                 <a:spcPts val="1700"/>
               </a:spcBef>
-              <a:defRPr sz="2176"/>
+              <a:buClr>
+                <a:schemeClr val="accent1"/>
+              </a:buClr>
+              <a:buSzPct val="104999"/>
+              <a:buFont typeface="Avenir Next"/>
+              <a:buChar char="▸"/>
+              <a:defRPr cap="none" sz="2100">
+                <a:solidFill>
+                  <a:srgbClr val="838787"/>
+                </a:solidFill>
+                <a:latin typeface="Avenir Next Medium"/>
+                <a:ea typeface="Avenir Next Medium"/>
+                <a:cs typeface="Avenir Next Medium"/>
+                <a:sym typeface="Avenir Next Medium"/>
+              </a:defRPr>
             </a:pPr>
             <a:r>
               <a:t>href 设置或返回完整的url地址</a:t>
             </a:r>
           </a:p>
           <a:p>
-            <a:pPr marL="284479" indent="-284479" defTabSz="373887">
+            <a:pPr marL="284479" indent="-284479" defTabSz="373886">
+              <a:lnSpc>
+                <a:spcPct val="100000"/>
+              </a:lnSpc>
               <a:spcBef>
                 <a:spcPts val="1700"/>
               </a:spcBef>
-              <a:defRPr sz="2176"/>
+              <a:buClr>
+                <a:schemeClr val="accent1"/>
+              </a:buClr>
+              <a:buSzPct val="104999"/>
+              <a:buFont typeface="Avenir Next"/>
+              <a:buChar char="▸"/>
+              <a:defRPr cap="none" sz="2100">
+                <a:solidFill>
+                  <a:srgbClr val="838787"/>
+                </a:solidFill>
+                <a:latin typeface="Avenir Next Medium"/>
+                <a:ea typeface="Avenir Next Medium"/>
+                <a:cs typeface="Avenir Next Medium"/>
+                <a:sym typeface="Avenir Next Medium"/>
+              </a:defRPr>
             </a:pPr>
             <a:r>
               <a:t>pathname 设置或返回当前的url路径</a:t>
             </a:r>
           </a:p>
           <a:p>
-            <a:pPr marL="284479" indent="-284479" defTabSz="373887">
+            <a:pPr marL="284479" indent="-284479" defTabSz="373886">
+              <a:lnSpc>
+                <a:spcPct val="100000"/>
+              </a:lnSpc>
               <a:spcBef>
                 <a:spcPts val="1700"/>
               </a:spcBef>
-              <a:defRPr sz="2176"/>
+              <a:buClr>
+                <a:schemeClr val="accent1"/>
+              </a:buClr>
+              <a:buSzPct val="104999"/>
+              <a:buFont typeface="Avenir Next"/>
+              <a:buChar char="▸"/>
+              <a:defRPr cap="none" sz="2100">
+                <a:solidFill>
+                  <a:srgbClr val="838787"/>
+                </a:solidFill>
+                <a:latin typeface="Avenir Next Medium"/>
+                <a:ea typeface="Avenir Next Medium"/>
+                <a:cs typeface="Avenir Next Medium"/>
+                <a:sym typeface="Avenir Next Medium"/>
+              </a:defRPr>
             </a:pPr>
             <a:r>
               <a:t>port 设置或返回当前的url端口号</a:t>
             </a:r>
           </a:p>
           <a:p>
-            <a:pPr marL="284479" indent="-284479" defTabSz="373887">
+            <a:pPr marL="284479" indent="-284479" defTabSz="373886">
+              <a:lnSpc>
+                <a:spcPct val="100000"/>
+              </a:lnSpc>
               <a:spcBef>
                 <a:spcPts val="1700"/>
               </a:spcBef>
-              <a:defRPr sz="2176"/>
+              <a:buClr>
+                <a:schemeClr val="accent1"/>
+              </a:buClr>
+              <a:buSzPct val="104999"/>
+              <a:buFont typeface="Avenir Next"/>
+              <a:buChar char="▸"/>
+              <a:defRPr cap="none" sz="2100">
+                <a:solidFill>
+                  <a:srgbClr val="838787"/>
+                </a:solidFill>
+                <a:latin typeface="Avenir Next Medium"/>
+                <a:ea typeface="Avenir Next Medium"/>
+                <a:cs typeface="Avenir Next Medium"/>
+                <a:sym typeface="Avenir Next Medium"/>
+              </a:defRPr>
             </a:pPr>
             <a:r>
               <a:t>protocol 设置或返回当前url的协议</a:t>
             </a:r>
           </a:p>
           <a:p>
-            <a:pPr marL="284479" indent="-284479" defTabSz="373887">
+            <a:pPr marL="284479" indent="-284479" defTabSz="373886">
+              <a:lnSpc>
+                <a:spcPct val="100000"/>
+              </a:lnSpc>
               <a:spcBef>
                 <a:spcPts val="1700"/>
               </a:spcBef>
-              <a:defRPr sz="2176"/>
+              <a:buClr>
+                <a:schemeClr val="accent1"/>
+              </a:buClr>
+              <a:buSzPct val="104999"/>
+              <a:buFont typeface="Avenir Next"/>
+              <a:buChar char="▸"/>
+              <a:defRPr cap="none" sz="2100">
+                <a:solidFill>
+                  <a:srgbClr val="838787"/>
+                </a:solidFill>
+                <a:latin typeface="Avenir Next Medium"/>
+                <a:ea typeface="Avenir Next Medium"/>
+                <a:cs typeface="Avenir Next Medium"/>
+                <a:sym typeface="Avenir Next Medium"/>
+              </a:defRPr>
             </a:pPr>
             <a:r>
               <a:t>search 设置或返回从问候(?) 后面的url</a:t>
             </a:r>
           </a:p>
           <a:p>
-            <a:pPr marL="284479" indent="-284479" defTabSz="373887">
+            <a:pPr marL="284479" indent="-284479" defTabSz="373886">
+              <a:lnSpc>
+                <a:spcPct val="100000"/>
+              </a:lnSpc>
               <a:spcBef>
                 <a:spcPts val="1700"/>
               </a:spcBef>
-              <a:defRPr sz="2176"/>
+              <a:buClr>
+                <a:schemeClr val="accent1"/>
+              </a:buClr>
+              <a:buSzPct val="104999"/>
+              <a:buFont typeface="Avenir Next"/>
+              <a:buChar char="▸"/>
+              <a:defRPr cap="none" sz="2100">
+                <a:solidFill>
+                  <a:srgbClr val="838787"/>
+                </a:solidFill>
+                <a:latin typeface="Avenir Next Medium"/>
+                <a:ea typeface="Avenir Next Medium"/>
+                <a:cs typeface="Avenir Next Medium"/>
+                <a:sym typeface="Avenir Next Medium"/>
+              </a:defRPr>
             </a:pPr>
             <a:r>
               <a:t>reload() 重新加载当前url</a:t>
             </a:r>
           </a:p>
           <a:p>
-            <a:pPr marL="284479" indent="-284479" defTabSz="373887">
+            <a:pPr marL="284479" indent="-284479" defTabSz="373886">
+              <a:lnSpc>
+                <a:spcPct val="100000"/>
+              </a:lnSpc>
               <a:spcBef>
                 <a:spcPts val="1700"/>
               </a:spcBef>
-              <a:defRPr sz="2176"/>
+              <a:buClr>
+                <a:schemeClr val="accent1"/>
+              </a:buClr>
+              <a:buSzPct val="104999"/>
+              <a:buFont typeface="Avenir Next"/>
+              <a:buChar char="▸"/>
+              <a:defRPr cap="none" sz="2100">
+                <a:solidFill>
+                  <a:srgbClr val="838787"/>
+                </a:solidFill>
+                <a:latin typeface="Avenir Next Medium"/>
+                <a:ea typeface="Avenir Next Medium"/>
+                <a:cs typeface="Avenir Next Medium"/>
+                <a:sym typeface="Avenir Next Medium"/>
+              </a:defRPr>
             </a:pPr>
             <a:r>
               <a:t>replace() 用新的url替换当前的url</a:t>
@@ -5666,20 +6394,28 @@
       </p:grpSpPr>
       <p:sp>
         <p:nvSpPr>
-          <p:cNvPr id="193" name="Shape 193"/>
+          <p:cNvPr id="197" name="Shape 197"/>
           <p:cNvSpPr/>
           <p:nvPr>
-            <p:ph type="body" idx="13"/>
+            <p:ph type="body" sz="quarter" idx="1"/>
           </p:nvPr>
         </p:nvSpPr>
         <p:spPr>
+          <a:xfrm>
+            <a:off x="406400" y="393699"/>
+            <a:ext cx="11176000" cy="520703"/>
+          </a:xfrm>
           <a:prstGeom prst="rect">
             <a:avLst/>
           </a:prstGeom>
         </p:spPr>
         <p:txBody>
           <a:bodyPr/>
-          <a:lstStyle/>
+          <a:lstStyle>
+            <a:lvl1pPr>
+              <a:defRPr spc="100"/>
+            </a:lvl1pPr>
+          </a:lstStyle>
           <a:p>
             <a:pPr/>
             <a:r>
@@ -5690,7 +6426,7 @@
       </p:sp>
       <p:sp>
         <p:nvSpPr>
-          <p:cNvPr id="194" name="Shape 194"/>
+          <p:cNvPr id="198" name="Shape 198"/>
           <p:cNvSpPr/>
           <p:nvPr>
             <p:ph type="title"/>
@@ -5708,7 +6444,7 @@
               <a:spcBef>
                 <a:spcPts val="1600"/>
               </a:spcBef>
-              <a:defRPr sz="3480"/>
+              <a:defRPr sz="3400"/>
             </a:lvl1pPr>
           </a:lstStyle>
           <a:p>
@@ -5721,26 +6457,48 @@
       </p:sp>
       <p:sp>
         <p:nvSpPr>
-          <p:cNvPr id="195" name="Shape 195"/>
+          <p:cNvPr id="199" name="Shape 199"/>
           <p:cNvSpPr/>
           <p:nvPr>
-            <p:ph type="body" idx="1"/>
+            <p:ph type="body" idx="13"/>
           </p:nvPr>
         </p:nvSpPr>
         <p:spPr>
           <a:prstGeom prst="rect">
             <a:avLst/>
           </a:prstGeom>
+          <a:extLst>
+            <a:ext uri="{C572A759-6A51-4108-AA02-DFA0A04FC94B}">
+              <ma14:wrappingTextBoxFlag xmlns:ma14="http://schemas.microsoft.com/office/mac/drawingml/2011/main" val="1"/>
+            </a:ext>
+          </a:extLst>
         </p:spPr>
         <p:txBody>
           <a:bodyPr/>
           <a:lstStyle/>
           <a:p>
             <a:pPr marL="360045" indent="-360045" defTabSz="473201">
+              <a:lnSpc>
+                <a:spcPct val="100000"/>
+              </a:lnSpc>
               <a:spcBef>
                 <a:spcPts val="2200"/>
               </a:spcBef>
-              <a:defRPr sz="2754"/>
+              <a:buClr>
+                <a:schemeClr val="accent1"/>
+              </a:buClr>
+              <a:buSzPct val="104999"/>
+              <a:buFont typeface="Avenir Next"/>
+              <a:buChar char="▸"/>
+              <a:defRPr cap="none" sz="2700">
+                <a:solidFill>
+                  <a:srgbClr val="838787"/>
+                </a:solidFill>
+                <a:latin typeface="Avenir Next Medium"/>
+                <a:ea typeface="Avenir Next Medium"/>
+                <a:cs typeface="Avenir Next Medium"/>
+                <a:sym typeface="Avenir Next Medium"/>
+              </a:defRPr>
             </a:pPr>
             <a:r>
               <a:t>length 浏览器历史列表url的数量</a:t>
@@ -5748,10 +6506,27 @@
           </a:p>
           <a:p>
             <a:pPr marL="360045" indent="-360045" defTabSz="473201">
+              <a:lnSpc>
+                <a:spcPct val="100000"/>
+              </a:lnSpc>
               <a:spcBef>
                 <a:spcPts val="2200"/>
               </a:spcBef>
-              <a:defRPr sz="2754"/>
+              <a:buClr>
+                <a:schemeClr val="accent1"/>
+              </a:buClr>
+              <a:buSzPct val="104999"/>
+              <a:buFont typeface="Avenir Next"/>
+              <a:buChar char="▸"/>
+              <a:defRPr cap="none" sz="2700">
+                <a:solidFill>
+                  <a:srgbClr val="838787"/>
+                </a:solidFill>
+                <a:latin typeface="Avenir Next Medium"/>
+                <a:ea typeface="Avenir Next Medium"/>
+                <a:cs typeface="Avenir Next Medium"/>
+                <a:sym typeface="Avenir Next Medium"/>
+              </a:defRPr>
             </a:pPr>
             <a:r>
               <a:t>back() 加载上一个url</a:t>
@@ -5759,10 +6534,27 @@
           </a:p>
           <a:p>
             <a:pPr marL="360045" indent="-360045" defTabSz="473201">
+              <a:lnSpc>
+                <a:spcPct val="100000"/>
+              </a:lnSpc>
               <a:spcBef>
                 <a:spcPts val="2200"/>
               </a:spcBef>
-              <a:defRPr sz="2754"/>
+              <a:buClr>
+                <a:schemeClr val="accent1"/>
+              </a:buClr>
+              <a:buSzPct val="104999"/>
+              <a:buFont typeface="Avenir Next"/>
+              <a:buChar char="▸"/>
+              <a:defRPr cap="none" sz="2700">
+                <a:solidFill>
+                  <a:srgbClr val="838787"/>
+                </a:solidFill>
+                <a:latin typeface="Avenir Next Medium"/>
+                <a:ea typeface="Avenir Next Medium"/>
+                <a:cs typeface="Avenir Next Medium"/>
+                <a:sym typeface="Avenir Next Medium"/>
+              </a:defRPr>
             </a:pPr>
             <a:r>
               <a:t>forward() 加载下一个url</a:t>
@@ -5770,10 +6562,27 @@
           </a:p>
           <a:p>
             <a:pPr marL="360045" indent="-360045" defTabSz="473201">
+              <a:lnSpc>
+                <a:spcPct val="100000"/>
+              </a:lnSpc>
               <a:spcBef>
                 <a:spcPts val="2200"/>
               </a:spcBef>
-              <a:defRPr sz="2754"/>
+              <a:buClr>
+                <a:schemeClr val="accent1"/>
+              </a:buClr>
+              <a:buSzPct val="104999"/>
+              <a:buFont typeface="Avenir Next"/>
+              <a:buChar char="▸"/>
+              <a:defRPr cap="none" sz="2700">
+                <a:solidFill>
+                  <a:srgbClr val="838787"/>
+                </a:solidFill>
+                <a:latin typeface="Avenir Next Medium"/>
+                <a:ea typeface="Avenir Next Medium"/>
+                <a:cs typeface="Avenir Next Medium"/>
+                <a:sym typeface="Avenir Next Medium"/>
+              </a:defRPr>
             </a:pPr>
             <a:r>
               <a:t>go() 加载从当前url开始的某个页面</a:t>
@@ -5781,10 +6590,27 @@
           </a:p>
           <a:p>
             <a:pPr marL="360045" indent="-360045" defTabSz="473201">
+              <a:lnSpc>
+                <a:spcPct val="100000"/>
+              </a:lnSpc>
               <a:spcBef>
                 <a:spcPts val="2200"/>
               </a:spcBef>
-              <a:defRPr sz="2754"/>
+              <a:buClr>
+                <a:schemeClr val="accent1"/>
+              </a:buClr>
+              <a:buSzPct val="104999"/>
+              <a:buFont typeface="Avenir Next"/>
+              <a:buChar char="▸"/>
+              <a:defRPr cap="none" sz="2700">
+                <a:solidFill>
+                  <a:srgbClr val="838787"/>
+                </a:solidFill>
+                <a:latin typeface="Avenir Next Medium"/>
+                <a:ea typeface="Avenir Next Medium"/>
+                <a:cs typeface="Avenir Next Medium"/>
+                <a:sym typeface="Avenir Next Medium"/>
+              </a:defRPr>
             </a:pPr>
             <a:r>
               <a:t>pushState() 动态给history对象中插入一条记录</a:t>
@@ -5792,10 +6618,27 @@
           </a:p>
           <a:p>
             <a:pPr marL="360045" indent="-360045" defTabSz="473201">
+              <a:lnSpc>
+                <a:spcPct val="100000"/>
+              </a:lnSpc>
               <a:spcBef>
                 <a:spcPts val="2200"/>
               </a:spcBef>
-              <a:defRPr sz="2754"/>
+              <a:buClr>
+                <a:schemeClr val="accent1"/>
+              </a:buClr>
+              <a:buSzPct val="104999"/>
+              <a:buFont typeface="Avenir Next"/>
+              <a:buChar char="▸"/>
+              <a:defRPr cap="none" sz="2700">
+                <a:solidFill>
+                  <a:srgbClr val="838787"/>
+                </a:solidFill>
+                <a:latin typeface="Avenir Next Medium"/>
+                <a:ea typeface="Avenir Next Medium"/>
+                <a:cs typeface="Avenir Next Medium"/>
+                <a:sym typeface="Avenir Next Medium"/>
+              </a:defRPr>
             </a:pPr>
             <a:r>
               <a:t>replaceState()  更新当前url</a:t>
@@ -5803,10 +6646,27 @@
           </a:p>
           <a:p>
             <a:pPr marL="360045" indent="-360045" defTabSz="473201">
+              <a:lnSpc>
+                <a:spcPct val="100000"/>
+              </a:lnSpc>
               <a:spcBef>
                 <a:spcPts val="2200"/>
               </a:spcBef>
-              <a:defRPr sz="2754"/>
+              <a:buClr>
+                <a:schemeClr val="accent1"/>
+              </a:buClr>
+              <a:buSzPct val="104999"/>
+              <a:buFont typeface="Avenir Next"/>
+              <a:buChar char="▸"/>
+              <a:defRPr cap="none" sz="2700">
+                <a:solidFill>
+                  <a:srgbClr val="838787"/>
+                </a:solidFill>
+                <a:latin typeface="Avenir Next Medium"/>
+                <a:ea typeface="Avenir Next Medium"/>
+                <a:cs typeface="Avenir Next Medium"/>
+                <a:sym typeface="Avenir Next Medium"/>
+              </a:defRPr>
             </a:pPr>
             <a:r>
               <a:t>window.onhashchange() 当 # 后面的发生变化，就触发它</a:t>
@@ -5814,13 +6674,30 @@
           </a:p>
           <a:p>
             <a:pPr marL="360045" indent="-360045" defTabSz="473201">
+              <a:lnSpc>
+                <a:spcPct val="100000"/>
+              </a:lnSpc>
               <a:spcBef>
                 <a:spcPts val="2200"/>
               </a:spcBef>
-              <a:defRPr sz="2754"/>
+              <a:buClr>
+                <a:schemeClr val="accent1"/>
+              </a:buClr>
+              <a:buSzPct val="104999"/>
+              <a:buFont typeface="Avenir Next"/>
+              <a:buChar char="▸"/>
+              <a:defRPr cap="none" sz="2700">
+                <a:solidFill>
+                  <a:srgbClr val="838787"/>
+                </a:solidFill>
+                <a:latin typeface="Avenir Next Medium"/>
+                <a:ea typeface="Avenir Next Medium"/>
+                <a:cs typeface="Avenir Next Medium"/>
+                <a:sym typeface="Avenir Next Medium"/>
+              </a:defRPr>
             </a:pPr>
             <a:r>
-              <a:t>window event : popstate 当pushState 成功添加一个记录时，就触发此事件</a:t>
+              <a:t>window event : popstate 当url发生变化时，触发此事件</a:t>
             </a:r>
           </a:p>
         </p:txBody>
@@ -5842,13 +6719,13 @@
         <a:srgbClr val="222222"/>
       </a:dk1>
       <a:lt1>
-        <a:srgbClr val="838787"/>
+        <a:srgbClr val="222222"/>
       </a:lt1>
       <a:dk2>
-        <a:srgbClr val="222222"/>
+        <a:srgbClr val="A7A7A7"/>
       </a:dk2>
       <a:lt2>
-        <a:srgbClr val="A6AAA9"/>
+        <a:srgbClr val="535353"/>
       </a:lt2>
       <a:accent1>
         <a:srgbClr val="34A5DA"/>
@@ -5877,14 +6754,14 @@
     </a:clrScheme>
     <a:fontScheme name="New_Template7">
       <a:majorFont>
-        <a:latin typeface="Baskerville"/>
-        <a:ea typeface="Baskerville"/>
-        <a:cs typeface="Baskerville"/>
+        <a:latin typeface="Helvetica Neue"/>
+        <a:ea typeface="Helvetica Neue"/>
+        <a:cs typeface="Helvetica Neue"/>
       </a:majorFont>
       <a:minorFont>
-        <a:latin typeface="Baskerville"/>
-        <a:ea typeface="Baskerville"/>
-        <a:cs typeface="Baskerville"/>
+        <a:latin typeface="Helvetica"/>
+        <a:ea typeface="Helvetica"/>
+        <a:cs typeface="Helvetica"/>
       </a:minorFont>
     </a:fontScheme>
     <a:fmtScheme name="New_Template7">
@@ -6025,11 +6902,14 @@
     <a:spDef>
       <a:spPr>
         <a:solidFill>
-          <a:schemeClr val="accent1"/>
+          <a:srgbClr val="838787"/>
         </a:solidFill>
-        <a:ln w="12700" cap="flat">
-          <a:noFill/>
-          <a:miter lim="400000"/>
+        <a:ln w="25400" cap="flat">
+          <a:solidFill>
+            <a:schemeClr val="accent1"/>
+          </a:solidFill>
+          <a:prstDash val="solid"/>
+          <a:round/>
         </a:ln>
         <a:effectLst/>
         <a:sp3d/>
@@ -6038,12 +6918,12 @@
         <a:spAutoFit/>
       </a:bodyPr>
       <a:lstStyle>
-        <a:defPPr marL="0" marR="0" indent="0" algn="ctr" defTabSz="584200" rtl="0" fontAlgn="auto" latinLnBrk="0" hangingPunct="0">
+        <a:defPPr marL="0" marR="0" indent="0" algn="l" defTabSz="584200" rtl="0" fontAlgn="auto" latinLnBrk="0" hangingPunct="0">
           <a:lnSpc>
-            <a:spcPct val="80000"/>
+            <a:spcPct val="100000"/>
           </a:lnSpc>
           <a:spcBef>
-            <a:spcPts val="0"/>
+            <a:spcPts val="2400"/>
           </a:spcBef>
           <a:spcAft>
             <a:spcPts val="0"/>
@@ -6053,18 +6933,18 @@
           <a:buFontTx/>
           <a:buNone/>
           <a:tabLst/>
-          <a:defRPr b="1" baseline="0" cap="all" i="0" spc="0" strike="noStrike" sz="2800" u="none" kumimoji="0" normalizeH="0">
+          <a:defRPr b="0" baseline="0" cap="none" i="0" spc="0" strike="noStrike" sz="2000" u="none" kumimoji="0" normalizeH="0">
             <a:ln>
               <a:noFill/>
             </a:ln>
             <a:solidFill>
-              <a:srgbClr val="FFFFFF"/>
+              <a:srgbClr val="222222"/>
             </a:solidFill>
             <a:effectLst/>
             <a:uFillTx/>
-            <a:latin typeface="+mn-lt"/>
-            <a:ea typeface="+mn-ea"/>
-            <a:cs typeface="+mn-cs"/>
+            <a:latin typeface="Baskerville"/>
+            <a:ea typeface="Baskerville"/>
+            <a:cs typeface="Baskerville"/>
             <a:sym typeface="Baskerville"/>
           </a:defRPr>
         </a:defPPr>
@@ -6318,7 +7198,7 @@
             <a:schemeClr val="accent1"/>
           </a:solidFill>
           <a:prstDash val="solid"/>
-          <a:miter lim="400000"/>
+          <a:round/>
         </a:ln>
         <a:effectLst/>
         <a:sp3d/>
@@ -6629,14 +7509,14 @@
               <a:noFill/>
             </a:ln>
             <a:solidFill>
-              <a:srgbClr val="838787"/>
+              <a:srgbClr val="222222"/>
             </a:solidFill>
             <a:effectLst/>
             <a:uFillTx/>
-            <a:latin typeface="Avenir Next Medium"/>
-            <a:ea typeface="Avenir Next Medium"/>
-            <a:cs typeface="Avenir Next Medium"/>
-            <a:sym typeface="Avenir Next Medium"/>
+            <a:latin typeface="Baskerville"/>
+            <a:ea typeface="Baskerville"/>
+            <a:cs typeface="Baskerville"/>
+            <a:sym typeface="Baskerville"/>
           </a:defRPr>
         </a:defPPr>
         <a:lvl1pPr marL="0" marR="0" indent="0" algn="l" defTabSz="914400" rtl="0" fontAlgn="auto" latinLnBrk="1" hangingPunct="0">
@@ -6896,10 +7776,10 @@
         <a:srgbClr val="FFFFFF"/>
       </a:lt1>
       <a:dk2>
-        <a:srgbClr val="222222"/>
+        <a:srgbClr val="A7A7A7"/>
       </a:dk2>
       <a:lt2>
-        <a:srgbClr val="A6AAA9"/>
+        <a:srgbClr val="535353"/>
       </a:lt2>
       <a:accent1>
         <a:srgbClr val="34A5DA"/>
@@ -6928,14 +7808,14 @@
     </a:clrScheme>
     <a:fontScheme name="New_Template7">
       <a:majorFont>
-        <a:latin typeface="Baskerville"/>
-        <a:ea typeface="Baskerville"/>
-        <a:cs typeface="Baskerville"/>
+        <a:latin typeface="Helvetica Neue"/>
+        <a:ea typeface="Helvetica Neue"/>
+        <a:cs typeface="Helvetica Neue"/>
       </a:majorFont>
       <a:minorFont>
-        <a:latin typeface="Baskerville"/>
-        <a:ea typeface="Baskerville"/>
-        <a:cs typeface="Baskerville"/>
+        <a:latin typeface="Helvetica"/>
+        <a:ea typeface="Helvetica"/>
+        <a:cs typeface="Helvetica"/>
       </a:minorFont>
     </a:fontScheme>
     <a:fmtScheme name="New_Template7">
@@ -7076,11 +7956,14 @@
     <a:spDef>
       <a:spPr>
         <a:solidFill>
-          <a:schemeClr val="accent1"/>
+          <a:srgbClr val="838787"/>
         </a:solidFill>
-        <a:ln w="12700" cap="flat">
-          <a:noFill/>
-          <a:miter lim="400000"/>
+        <a:ln w="25400" cap="flat">
+          <a:solidFill>
+            <a:schemeClr val="accent1"/>
+          </a:solidFill>
+          <a:prstDash val="solid"/>
+          <a:round/>
         </a:ln>
         <a:effectLst/>
         <a:sp3d/>
@@ -7089,12 +7972,12 @@
         <a:spAutoFit/>
       </a:bodyPr>
       <a:lstStyle>
-        <a:defPPr marL="0" marR="0" indent="0" algn="ctr" defTabSz="584200" rtl="0" fontAlgn="auto" latinLnBrk="0" hangingPunct="0">
+        <a:defPPr marL="0" marR="0" indent="0" algn="l" defTabSz="584200" rtl="0" fontAlgn="auto" latinLnBrk="0" hangingPunct="0">
           <a:lnSpc>
-            <a:spcPct val="80000"/>
+            <a:spcPct val="100000"/>
           </a:lnSpc>
           <a:spcBef>
-            <a:spcPts val="0"/>
+            <a:spcPts val="2400"/>
           </a:spcBef>
           <a:spcAft>
             <a:spcPts val="0"/>
@@ -7104,18 +7987,18 @@
           <a:buFontTx/>
           <a:buNone/>
           <a:tabLst/>
-          <a:defRPr b="1" baseline="0" cap="all" i="0" spc="0" strike="noStrike" sz="2800" u="none" kumimoji="0" normalizeH="0">
+          <a:defRPr b="0" baseline="0" cap="none" i="0" spc="0" strike="noStrike" sz="2000" u="none" kumimoji="0" normalizeH="0">
             <a:ln>
               <a:noFill/>
             </a:ln>
             <a:solidFill>
-              <a:srgbClr val="FFFFFF"/>
+              <a:srgbClr val="222222"/>
             </a:solidFill>
             <a:effectLst/>
             <a:uFillTx/>
-            <a:latin typeface="+mn-lt"/>
-            <a:ea typeface="+mn-ea"/>
-            <a:cs typeface="+mn-cs"/>
+            <a:latin typeface="Baskerville"/>
+            <a:ea typeface="Baskerville"/>
+            <a:cs typeface="Baskerville"/>
             <a:sym typeface="Baskerville"/>
           </a:defRPr>
         </a:defPPr>
@@ -7369,7 +8252,7 @@
             <a:schemeClr val="accent1"/>
           </a:solidFill>
           <a:prstDash val="solid"/>
-          <a:miter lim="400000"/>
+          <a:round/>
         </a:ln>
         <a:effectLst/>
         <a:sp3d/>
@@ -7680,14 +8563,14 @@
               <a:noFill/>
             </a:ln>
             <a:solidFill>
-              <a:srgbClr val="838787"/>
+              <a:srgbClr val="222222"/>
             </a:solidFill>
             <a:effectLst/>
             <a:uFillTx/>
-            <a:latin typeface="Avenir Next Medium"/>
-            <a:ea typeface="Avenir Next Medium"/>
-            <a:cs typeface="Avenir Next Medium"/>
-            <a:sym typeface="Avenir Next Medium"/>
+            <a:latin typeface="Baskerville"/>
+            <a:ea typeface="Baskerville"/>
+            <a:cs typeface="Baskerville"/>
+            <a:sym typeface="Baskerville"/>
           </a:defRPr>
         </a:defPPr>
         <a:lvl1pPr marL="0" marR="0" indent="0" algn="l" defTabSz="914400" rtl="0" fontAlgn="auto" latinLnBrk="1" hangingPunct="0">
